--- a/Presentations/Presentations Power Point/04_Arrays & hashes.pptx
+++ b/Presentations/Presentations Power Point/04_Arrays & hashes.pptx
@@ -1,28 +1,28 @@
 
 <file path=ppt/presentation.xml><?xml version="1.0" encoding="utf-8"?>
-<p:presentation xmlns:a="http://schemas.openxmlformats.org/drawingml/2006/main" xmlns:r="http://schemas.openxmlformats.org/officeDocument/2006/relationships" xmlns:p="http://schemas.openxmlformats.org/presentationml/2006/main" xmlns:m="http://schemas.openxmlformats.org/officeDocument/2006/math" xmlns:a14="http://schemas.microsoft.com/office/drawing/2010/main">
+<p:presentation xmlns:a="http://schemas.openxmlformats.org/drawingml/2006/main" xmlns:r="http://schemas.openxmlformats.org/officeDocument/2006/relationships" xmlns:p="http://schemas.openxmlformats.org/presentationml/2006/main">
   <p:sldMasterIdLst>
-    <p:sldMasterId id="2147483648" r:id="rId5"/>
+    <p:sldMasterId id="2147483648" r:id="rId1"/>
   </p:sldMasterIdLst>
   <p:notesMasterIdLst>
-    <p:notesMasterId r:id="rId7"/>
+    <p:notesMasterId r:id="rId17"/>
   </p:notesMasterIdLst>
   <p:sldIdLst>
-    <p:sldId id="256" r:id="rId8"/>
-    <p:sldId id="257" r:id="rId9"/>
-    <p:sldId id="258" r:id="rId10"/>
-    <p:sldId id="259" r:id="rId11"/>
-    <p:sldId id="260" r:id="rId12"/>
-    <p:sldId id="261" r:id="rId13"/>
-    <p:sldId id="262" r:id="rId14"/>
-    <p:sldId id="263" r:id="rId15"/>
-    <p:sldId id="264" r:id="rId16"/>
-    <p:sldId id="265" r:id="rId17"/>
-    <p:sldId id="266" r:id="rId18"/>
-    <p:sldId id="267" r:id="rId19"/>
-    <p:sldId id="268" r:id="rId20"/>
-    <p:sldId id="269" r:id="rId21"/>
-    <p:sldId id="270" r:id="rId22"/>
+    <p:sldId id="256" r:id="rId2"/>
+    <p:sldId id="257" r:id="rId3"/>
+    <p:sldId id="258" r:id="rId4"/>
+    <p:sldId id="259" r:id="rId5"/>
+    <p:sldId id="260" r:id="rId6"/>
+    <p:sldId id="261" r:id="rId7"/>
+    <p:sldId id="262" r:id="rId8"/>
+    <p:sldId id="263" r:id="rId9"/>
+    <p:sldId id="264" r:id="rId10"/>
+    <p:sldId id="265" r:id="rId11"/>
+    <p:sldId id="266" r:id="rId12"/>
+    <p:sldId id="267" r:id="rId13"/>
+    <p:sldId id="268" r:id="rId14"/>
+    <p:sldId id="269" r:id="rId15"/>
+    <p:sldId id="270" r:id="rId16"/>
   </p:sldIdLst>
   <p:sldSz cx="13004800" cy="9753600"/>
   <p:notesSz cx="6858000" cy="9144000"/>
@@ -42,7 +42,7 @@
       <a:buFontTx/>
       <a:buNone/>
       <a:tabLst/>
-      <a:defRPr b="0" baseline="0" cap="none" i="0" spc="0" strike="noStrike" sz="1800" u="none" kumimoji="0" normalizeH="0">
+      <a:defRPr kumimoji="0" sz="1800" b="0" i="0" u="none" strike="noStrike" cap="none" spc="0" normalizeH="0" baseline="0">
         <a:ln>
           <a:noFill/>
         </a:ln>
@@ -68,7 +68,7 @@
       <a:buFontTx/>
       <a:buNone/>
       <a:tabLst/>
-      <a:defRPr b="0" baseline="0" cap="none" i="0" spc="0" strike="noStrike" sz="5800" u="none" kumimoji="0" normalizeH="0">
+      <a:defRPr kumimoji="0" sz="5800" b="0" i="0" u="none" strike="noStrike" cap="none" spc="0" normalizeH="0" baseline="0">
         <a:ln>
           <a:noFill/>
         </a:ln>
@@ -98,7 +98,7 @@
       <a:buFontTx/>
       <a:buNone/>
       <a:tabLst/>
-      <a:defRPr b="0" baseline="0" cap="none" i="0" spc="0" strike="noStrike" sz="5800" u="none" kumimoji="0" normalizeH="0">
+      <a:defRPr kumimoji="0" sz="5800" b="0" i="0" u="none" strike="noStrike" cap="none" spc="0" normalizeH="0" baseline="0">
         <a:ln>
           <a:noFill/>
         </a:ln>
@@ -128,7 +128,7 @@
       <a:buFontTx/>
       <a:buNone/>
       <a:tabLst/>
-      <a:defRPr b="0" baseline="0" cap="none" i="0" spc="0" strike="noStrike" sz="5800" u="none" kumimoji="0" normalizeH="0">
+      <a:defRPr kumimoji="0" sz="5800" b="0" i="0" u="none" strike="noStrike" cap="none" spc="0" normalizeH="0" baseline="0">
         <a:ln>
           <a:noFill/>
         </a:ln>
@@ -158,7 +158,7 @@
       <a:buFontTx/>
       <a:buNone/>
       <a:tabLst/>
-      <a:defRPr b="0" baseline="0" cap="none" i="0" spc="0" strike="noStrike" sz="5800" u="none" kumimoji="0" normalizeH="0">
+      <a:defRPr kumimoji="0" sz="5800" b="0" i="0" u="none" strike="noStrike" cap="none" spc="0" normalizeH="0" baseline="0">
         <a:ln>
           <a:noFill/>
         </a:ln>
@@ -188,7 +188,7 @@
       <a:buFontTx/>
       <a:buNone/>
       <a:tabLst/>
-      <a:defRPr b="0" baseline="0" cap="none" i="0" spc="0" strike="noStrike" sz="5800" u="none" kumimoji="0" normalizeH="0">
+      <a:defRPr kumimoji="0" sz="5800" b="0" i="0" u="none" strike="noStrike" cap="none" spc="0" normalizeH="0" baseline="0">
         <a:ln>
           <a:noFill/>
         </a:ln>
@@ -218,7 +218,7 @@
       <a:buFontTx/>
       <a:buNone/>
       <a:tabLst/>
-      <a:defRPr b="0" baseline="0" cap="none" i="0" spc="0" strike="noStrike" sz="5800" u="none" kumimoji="0" normalizeH="0">
+      <a:defRPr kumimoji="0" sz="5800" b="0" i="0" u="none" strike="noStrike" cap="none" spc="0" normalizeH="0" baseline="0">
         <a:ln>
           <a:noFill/>
         </a:ln>
@@ -248,7 +248,7 @@
       <a:buFontTx/>
       <a:buNone/>
       <a:tabLst/>
-      <a:defRPr b="0" baseline="0" cap="none" i="0" spc="0" strike="noStrike" sz="5800" u="none" kumimoji="0" normalizeH="0">
+      <a:defRPr kumimoji="0" sz="5800" b="0" i="0" u="none" strike="noStrike" cap="none" spc="0" normalizeH="0" baseline="0">
         <a:ln>
           <a:noFill/>
         </a:ln>
@@ -278,7 +278,7 @@
       <a:buFontTx/>
       <a:buNone/>
       <a:tabLst/>
-      <a:defRPr b="0" baseline="0" cap="none" i="0" spc="0" strike="noStrike" sz="5800" u="none" kumimoji="0" normalizeH="0">
+      <a:defRPr kumimoji="0" sz="5800" b="0" i="0" u="none" strike="noStrike" cap="none" spc="0" normalizeH="0" baseline="0">
         <a:ln>
           <a:noFill/>
         </a:ln>
@@ -308,7 +308,7 @@
       <a:buFontTx/>
       <a:buNone/>
       <a:tabLst/>
-      <a:defRPr b="0" baseline="0" cap="none" i="0" spc="0" strike="noStrike" sz="5800" u="none" kumimoji="0" normalizeH="0">
+      <a:defRPr kumimoji="0" sz="5800" b="0" i="0" u="none" strike="noStrike" cap="none" spc="0" normalizeH="0" baseline="0">
         <a:ln>
           <a:noFill/>
         </a:ln>
@@ -327,13 +327,14 @@
 </p:presentation>
 </file>
 
-<file path=ppt/commentAuthors.xml><?xml version="1.0" encoding="utf-8"?>
-<p:cmAuthorLst xmlns:a="http://schemas.openxmlformats.org/drawingml/2006/main" xmlns:r="http://schemas.openxmlformats.org/officeDocument/2006/relationships" xmlns:p="http://schemas.openxmlformats.org/presentationml/2006/main" xmlns:m="http://schemas.openxmlformats.org/officeDocument/2006/math" xmlns:a14="http://schemas.microsoft.com/office/drawing/2010/main"/>
-</file>
-
 <file path=ppt/notesMasters/notesMaster1.xml><?xml version="1.0" encoding="utf-8"?>
-<p:notesMaster xmlns:a="http://schemas.openxmlformats.org/drawingml/2006/main" xmlns:r="http://schemas.openxmlformats.org/officeDocument/2006/relationships" xmlns:p="http://schemas.openxmlformats.org/presentationml/2006/main" xmlns:m="http://schemas.openxmlformats.org/officeDocument/2006/math" xmlns:a14="http://schemas.microsoft.com/office/drawing/2010/main">
+<p:notesMaster xmlns:a="http://schemas.openxmlformats.org/drawingml/2006/main" xmlns:r="http://schemas.openxmlformats.org/officeDocument/2006/relationships" xmlns:p="http://schemas.openxmlformats.org/presentationml/2006/main">
   <p:cSld>
+    <p:bg>
+      <p:bgRef idx="1001">
+        <a:schemeClr val="bg1"/>
+      </p:bgRef>
+    </p:bg>
     <p:spTree>
       <p:nvGrpSpPr>
         <p:cNvPr id="1" name=""/>
@@ -351,7 +352,9 @@
       <p:sp>
         <p:nvSpPr>
           <p:cNvPr id="116" name="Shape 116"/>
-          <p:cNvSpPr/>
+          <p:cNvSpPr>
+            <a:spLocks noGrp="1" noRot="1" noChangeAspect="1"/>
+          </p:cNvSpPr>
           <p:nvPr>
             <p:ph type="sldImg"/>
           </p:nvPr>
@@ -369,14 +372,16 @@
           <a:bodyPr/>
           <a:lstStyle/>
           <a:p>
-            <a:pPr/>
+            <a:endParaRPr/>
           </a:p>
         </p:txBody>
       </p:sp>
       <p:sp>
         <p:nvSpPr>
           <p:cNvPr id="117" name="Shape 117"/>
-          <p:cNvSpPr/>
+          <p:cNvSpPr>
+            <a:spLocks noGrp="1"/>
+          </p:cNvSpPr>
           <p:nvPr>
             <p:ph type="body" sz="quarter" idx="1"/>
           </p:nvPr>
@@ -394,7 +399,7 @@
           <a:bodyPr/>
           <a:lstStyle/>
           <a:p>
-            <a:pPr/>
+            <a:endParaRPr/>
           </a:p>
         </p:txBody>
       </p:sp>
@@ -506,7 +511,7 @@
 </file>
 
 <file path=ppt/slideLayouts/slideLayout1.xml><?xml version="1.0" encoding="utf-8"?>
-<p:sldLayout xmlns:a="http://schemas.openxmlformats.org/drawingml/2006/main" xmlns:r="http://schemas.openxmlformats.org/officeDocument/2006/relationships" xmlns:p="http://schemas.openxmlformats.org/presentationml/2006/main" xmlns:m="http://schemas.openxmlformats.org/officeDocument/2006/math" xmlns:a14="http://schemas.microsoft.com/office/drawing/2010/main" type="title" showMasterSp="1" showMasterPhAnim="1">
+<p:sldLayout xmlns:a="http://schemas.openxmlformats.org/drawingml/2006/main" xmlns:r="http://schemas.openxmlformats.org/officeDocument/2006/relationships" xmlns:p="http://schemas.openxmlformats.org/presentationml/2006/main" type="title">
   <p:cSld name="Titre et sous-titre">
     <p:spTree>
       <p:nvGrpSpPr>
@@ -525,7 +530,9 @@
       <p:sp>
         <p:nvSpPr>
           <p:cNvPr id="11" name="Title Text"/>
-          <p:cNvSpPr txBox="1"/>
+          <p:cNvSpPr txBox="1">
+            <a:spLocks noGrp="1"/>
+          </p:cNvSpPr>
           <p:nvPr>
             <p:ph type="title"/>
           </p:nvPr>
@@ -539,7 +546,6 @@
           <a:bodyPr/>
           <a:lstStyle/>
           <a:p>
-            <a:pPr/>
             <a:r>
               <a:t>Title Text</a:t>
             </a:r>
@@ -549,7 +555,9 @@
       <p:sp>
         <p:nvSpPr>
           <p:cNvPr id="12" name="Body Level One…"/>
-          <p:cNvSpPr txBox="1"/>
+          <p:cNvSpPr txBox="1">
+            <a:spLocks noGrp="1"/>
+          </p:cNvSpPr>
           <p:nvPr>
             <p:ph type="body" sz="quarter" idx="1"/>
           </p:nvPr>
@@ -563,7 +571,6 @@
           <a:bodyPr/>
           <a:lstStyle/>
           <a:p>
-            <a:pPr/>
             <a:r>
               <a:t>Body Level One</a:t>
             </a:r>
@@ -597,7 +604,9 @@
       <p:sp>
         <p:nvSpPr>
           <p:cNvPr id="13" name="Slide Number"/>
-          <p:cNvSpPr txBox="1"/>
+          <p:cNvSpPr txBox="1">
+            <a:spLocks noGrp="1"/>
+          </p:cNvSpPr>
           <p:nvPr>
             <p:ph type="sldNum" sz="quarter" idx="2"/>
           </p:nvPr>
@@ -611,8 +620,10 @@
           <a:bodyPr/>
           <a:lstStyle/>
           <a:p>
-            <a:pPr/>
-            <a:fld id="{86CB4B4D-7CA3-9044-876B-883B54F8677D}" type="slidenum"/>
+            <a:fld id="{86CB4B4D-7CA3-9044-876B-883B54F8677D}" type="slidenum">
+              <a:t>‹#›</a:t>
+            </a:fld>
+            <a:endParaRPr/>
           </a:p>
         </p:txBody>
       </p:sp>
@@ -621,12 +632,12 @@
   <p:clrMapOvr>
     <a:masterClrMapping/>
   </p:clrMapOvr>
-  <p:transition xmlns:p14="http://schemas.microsoft.com/office/powerpoint/2010/main" spd="med" advClick="1"/>
+  <p:transition spd="med"/>
 </p:sldLayout>
 </file>
 
 <file path=ppt/slideLayouts/slideLayout10.xml><?xml version="1.0" encoding="utf-8"?>
-<p:sldLayout xmlns:a="http://schemas.openxmlformats.org/drawingml/2006/main" xmlns:r="http://schemas.openxmlformats.org/officeDocument/2006/relationships" xmlns:p="http://schemas.openxmlformats.org/presentationml/2006/main" xmlns:m="http://schemas.openxmlformats.org/officeDocument/2006/math" xmlns:a14="http://schemas.microsoft.com/office/drawing/2010/main" type="tx" showMasterSp="1" showMasterPhAnim="1">
+<p:sldLayout xmlns:a="http://schemas.openxmlformats.org/drawingml/2006/main" xmlns:r="http://schemas.openxmlformats.org/officeDocument/2006/relationships" xmlns:p="http://schemas.openxmlformats.org/presentationml/2006/main" type="tx">
   <p:cSld name="Citation">
     <p:spTree>
       <p:nvGrpSpPr>
@@ -645,7 +656,9 @@
       <p:sp>
         <p:nvSpPr>
           <p:cNvPr id="93" name="-Gilles Allain"/>
-          <p:cNvSpPr/>
+          <p:cNvSpPr>
+            <a:spLocks noGrp="1"/>
+          </p:cNvSpPr>
           <p:nvPr>
             <p:ph type="body" sz="quarter" idx="13"/>
           </p:nvPr>
@@ -674,7 +687,6 @@
             </a:lvl1pPr>
           </a:lstStyle>
           <a:p>
-            <a:pPr/>
             <a:r>
               <a:t>-Gilles Allain</a:t>
             </a:r>
@@ -684,7 +696,9 @@
       <p:sp>
         <p:nvSpPr>
           <p:cNvPr id="94" name="« Saisissez une citation ici. »"/>
-          <p:cNvSpPr/>
+          <p:cNvSpPr>
+            <a:spLocks noGrp="1"/>
+          </p:cNvSpPr>
           <p:nvPr>
             <p:ph type="body" sz="quarter" idx="14"/>
           </p:nvPr>
@@ -708,7 +722,6 @@
             </a:lvl1pPr>
           </a:lstStyle>
           <a:p>
-            <a:pPr/>
             <a:r>
               <a:t>« Saisissez une citation ici. » </a:t>
             </a:r>
@@ -718,7 +731,9 @@
       <p:sp>
         <p:nvSpPr>
           <p:cNvPr id="95" name="Slide Number"/>
-          <p:cNvSpPr txBox="1"/>
+          <p:cNvSpPr txBox="1">
+            <a:spLocks noGrp="1"/>
+          </p:cNvSpPr>
           <p:nvPr>
             <p:ph type="sldNum" sz="quarter" idx="2"/>
           </p:nvPr>
@@ -732,8 +747,10 @@
           <a:bodyPr/>
           <a:lstStyle/>
           <a:p>
-            <a:pPr/>
-            <a:fld id="{86CB4B4D-7CA3-9044-876B-883B54F8677D}" type="slidenum"/>
+            <a:fld id="{86CB4B4D-7CA3-9044-876B-883B54F8677D}" type="slidenum">
+              <a:t>‹#›</a:t>
+            </a:fld>
+            <a:endParaRPr/>
           </a:p>
         </p:txBody>
       </p:sp>
@@ -742,12 +759,12 @@
   <p:clrMapOvr>
     <a:masterClrMapping/>
   </p:clrMapOvr>
-  <p:transition xmlns:p14="http://schemas.microsoft.com/office/powerpoint/2010/main" spd="med" advClick="1"/>
+  <p:transition spd="med"/>
 </p:sldLayout>
 </file>
 
 <file path=ppt/slideLayouts/slideLayout11.xml><?xml version="1.0" encoding="utf-8"?>
-<p:sldLayout xmlns:a="http://schemas.openxmlformats.org/drawingml/2006/main" xmlns:r="http://schemas.openxmlformats.org/officeDocument/2006/relationships" xmlns:p="http://schemas.openxmlformats.org/presentationml/2006/main" xmlns:m="http://schemas.openxmlformats.org/officeDocument/2006/math" xmlns:a14="http://schemas.microsoft.com/office/drawing/2010/main" type="tx" showMasterSp="1" showMasterPhAnim="1">
+<p:sldLayout xmlns:a="http://schemas.openxmlformats.org/drawingml/2006/main" xmlns:r="http://schemas.openxmlformats.org/officeDocument/2006/relationships" xmlns:p="http://schemas.openxmlformats.org/presentationml/2006/main" type="tx">
   <p:cSld name="Photo">
     <p:spTree>
       <p:nvGrpSpPr>
@@ -766,7 +783,9 @@
       <p:sp>
         <p:nvSpPr>
           <p:cNvPr id="102" name="Image"/>
-          <p:cNvSpPr/>
+          <p:cNvSpPr>
+            <a:spLocks noGrp="1"/>
+          </p:cNvSpPr>
           <p:nvPr>
             <p:ph type="pic" idx="13"/>
           </p:nvPr>
@@ -786,14 +805,16 @@
           </a:bodyPr>
           <a:lstStyle/>
           <a:p>
-            <a:pPr/>
+            <a:endParaRPr/>
           </a:p>
         </p:txBody>
       </p:sp>
       <p:sp>
         <p:nvSpPr>
           <p:cNvPr id="103" name="Slide Number"/>
-          <p:cNvSpPr txBox="1"/>
+          <p:cNvSpPr txBox="1">
+            <a:spLocks noGrp="1"/>
+          </p:cNvSpPr>
           <p:nvPr>
             <p:ph type="sldNum" sz="quarter" idx="2"/>
           </p:nvPr>
@@ -807,8 +828,10 @@
           <a:bodyPr/>
           <a:lstStyle/>
           <a:p>
-            <a:pPr/>
-            <a:fld id="{86CB4B4D-7CA3-9044-876B-883B54F8677D}" type="slidenum"/>
+            <a:fld id="{86CB4B4D-7CA3-9044-876B-883B54F8677D}" type="slidenum">
+              <a:t>‹#›</a:t>
+            </a:fld>
+            <a:endParaRPr/>
           </a:p>
         </p:txBody>
       </p:sp>
@@ -817,12 +840,12 @@
   <p:clrMapOvr>
     <a:masterClrMapping/>
   </p:clrMapOvr>
-  <p:transition xmlns:p14="http://schemas.microsoft.com/office/powerpoint/2010/main" spd="med" advClick="1"/>
+  <p:transition spd="med"/>
 </p:sldLayout>
 </file>
 
 <file path=ppt/slideLayouts/slideLayout12.xml><?xml version="1.0" encoding="utf-8"?>
-<p:sldLayout xmlns:a="http://schemas.openxmlformats.org/drawingml/2006/main" xmlns:r="http://schemas.openxmlformats.org/officeDocument/2006/relationships" xmlns:p="http://schemas.openxmlformats.org/presentationml/2006/main" xmlns:m="http://schemas.openxmlformats.org/officeDocument/2006/math" xmlns:a14="http://schemas.microsoft.com/office/drawing/2010/main" type="tx" showMasterSp="1" showMasterPhAnim="1">
+<p:sldLayout xmlns:a="http://schemas.openxmlformats.org/drawingml/2006/main" xmlns:r="http://schemas.openxmlformats.org/officeDocument/2006/relationships" xmlns:p="http://schemas.openxmlformats.org/presentationml/2006/main" type="tx">
   <p:cSld name="Vierge">
     <p:spTree>
       <p:nvGrpSpPr>
@@ -841,7 +864,9 @@
       <p:sp>
         <p:nvSpPr>
           <p:cNvPr id="110" name="Slide Number"/>
-          <p:cNvSpPr txBox="1"/>
+          <p:cNvSpPr txBox="1">
+            <a:spLocks noGrp="1"/>
+          </p:cNvSpPr>
           <p:nvPr>
             <p:ph type="sldNum" sz="quarter" idx="2"/>
           </p:nvPr>
@@ -855,8 +880,10 @@
           <a:bodyPr/>
           <a:lstStyle/>
           <a:p>
-            <a:pPr/>
-            <a:fld id="{86CB4B4D-7CA3-9044-876B-883B54F8677D}" type="slidenum"/>
+            <a:fld id="{86CB4B4D-7CA3-9044-876B-883B54F8677D}" type="slidenum">
+              <a:t>‹#›</a:t>
+            </a:fld>
+            <a:endParaRPr/>
           </a:p>
         </p:txBody>
       </p:sp>
@@ -865,12 +892,12 @@
   <p:clrMapOvr>
     <a:masterClrMapping/>
   </p:clrMapOvr>
-  <p:transition xmlns:p14="http://schemas.microsoft.com/office/powerpoint/2010/main" spd="med" advClick="1"/>
+  <p:transition spd="med"/>
 </p:sldLayout>
 </file>
 
 <file path=ppt/slideLayouts/slideLayout2.xml><?xml version="1.0" encoding="utf-8"?>
-<p:sldLayout xmlns:a="http://schemas.openxmlformats.org/drawingml/2006/main" xmlns:r="http://schemas.openxmlformats.org/officeDocument/2006/relationships" xmlns:p="http://schemas.openxmlformats.org/presentationml/2006/main" xmlns:m="http://schemas.openxmlformats.org/officeDocument/2006/math" xmlns:a14="http://schemas.microsoft.com/office/drawing/2010/main" type="tx" showMasterSp="1" showMasterPhAnim="1">
+<p:sldLayout xmlns:a="http://schemas.openxmlformats.org/drawingml/2006/main" xmlns:r="http://schemas.openxmlformats.org/officeDocument/2006/relationships" xmlns:p="http://schemas.openxmlformats.org/presentationml/2006/main" type="tx">
   <p:cSld name="Photo - Horizontale">
     <p:spTree>
       <p:nvGrpSpPr>
@@ -889,7 +916,9 @@
       <p:sp>
         <p:nvSpPr>
           <p:cNvPr id="20" name="Image"/>
-          <p:cNvSpPr/>
+          <p:cNvSpPr>
+            <a:spLocks noGrp="1"/>
+          </p:cNvSpPr>
           <p:nvPr>
             <p:ph type="pic" sz="half" idx="13"/>
           </p:nvPr>
@@ -909,14 +938,16 @@
           </a:bodyPr>
           <a:lstStyle/>
           <a:p>
-            <a:pPr/>
+            <a:endParaRPr/>
           </a:p>
         </p:txBody>
       </p:sp>
       <p:sp>
         <p:nvSpPr>
           <p:cNvPr id="21" name="Title Text"/>
-          <p:cNvSpPr txBox="1"/>
+          <p:cNvSpPr txBox="1">
+            <a:spLocks noGrp="1"/>
+          </p:cNvSpPr>
           <p:nvPr>
             <p:ph type="title"/>
           </p:nvPr>
@@ -934,7 +965,6 @@
           <a:bodyPr/>
           <a:lstStyle/>
           <a:p>
-            <a:pPr/>
             <a:r>
               <a:t>Title Text</a:t>
             </a:r>
@@ -944,7 +974,9 @@
       <p:sp>
         <p:nvSpPr>
           <p:cNvPr id="22" name="Body Level One…"/>
-          <p:cNvSpPr txBox="1"/>
+          <p:cNvSpPr txBox="1">
+            <a:spLocks noGrp="1"/>
+          </p:cNvSpPr>
           <p:nvPr>
             <p:ph type="body" sz="quarter" idx="1"/>
           </p:nvPr>
@@ -962,7 +994,6 @@
           <a:bodyPr/>
           <a:lstStyle/>
           <a:p>
-            <a:pPr/>
             <a:r>
               <a:t>Body Level One</a:t>
             </a:r>
@@ -996,7 +1027,9 @@
       <p:sp>
         <p:nvSpPr>
           <p:cNvPr id="23" name="Slide Number"/>
-          <p:cNvSpPr txBox="1"/>
+          <p:cNvSpPr txBox="1">
+            <a:spLocks noGrp="1"/>
+          </p:cNvSpPr>
           <p:nvPr>
             <p:ph type="sldNum" sz="quarter" idx="2"/>
           </p:nvPr>
@@ -1014,8 +1047,10 @@
           <a:bodyPr/>
           <a:lstStyle/>
           <a:p>
-            <a:pPr/>
-            <a:fld id="{86CB4B4D-7CA3-9044-876B-883B54F8677D}" type="slidenum"/>
+            <a:fld id="{86CB4B4D-7CA3-9044-876B-883B54F8677D}" type="slidenum">
+              <a:t>‹#›</a:t>
+            </a:fld>
+            <a:endParaRPr/>
           </a:p>
         </p:txBody>
       </p:sp>
@@ -1024,12 +1059,12 @@
   <p:clrMapOvr>
     <a:masterClrMapping/>
   </p:clrMapOvr>
-  <p:transition xmlns:p14="http://schemas.microsoft.com/office/powerpoint/2010/main" spd="med" advClick="1"/>
+  <p:transition spd="med"/>
 </p:sldLayout>
 </file>
 
 <file path=ppt/slideLayouts/slideLayout3.xml><?xml version="1.0" encoding="utf-8"?>
-<p:sldLayout xmlns:a="http://schemas.openxmlformats.org/drawingml/2006/main" xmlns:r="http://schemas.openxmlformats.org/officeDocument/2006/relationships" xmlns:p="http://schemas.openxmlformats.org/presentationml/2006/main" xmlns:m="http://schemas.openxmlformats.org/officeDocument/2006/math" xmlns:a14="http://schemas.microsoft.com/office/drawing/2010/main" type="tx" showMasterSp="1" showMasterPhAnim="1">
+<p:sldLayout xmlns:a="http://schemas.openxmlformats.org/drawingml/2006/main" xmlns:r="http://schemas.openxmlformats.org/officeDocument/2006/relationships" xmlns:p="http://schemas.openxmlformats.org/presentationml/2006/main" type="tx">
   <p:cSld name="Titre - Centré">
     <p:spTree>
       <p:nvGrpSpPr>
@@ -1048,7 +1083,9 @@
       <p:sp>
         <p:nvSpPr>
           <p:cNvPr id="30" name="Title Text"/>
-          <p:cNvSpPr txBox="1"/>
+          <p:cNvSpPr txBox="1">
+            <a:spLocks noGrp="1"/>
+          </p:cNvSpPr>
           <p:nvPr>
             <p:ph type="title"/>
           </p:nvPr>
@@ -1066,7 +1103,6 @@
           <a:bodyPr anchor="ctr"/>
           <a:lstStyle/>
           <a:p>
-            <a:pPr/>
             <a:r>
               <a:t>Title Text</a:t>
             </a:r>
@@ -1076,7 +1112,9 @@
       <p:sp>
         <p:nvSpPr>
           <p:cNvPr id="31" name="Slide Number"/>
-          <p:cNvSpPr txBox="1"/>
+          <p:cNvSpPr txBox="1">
+            <a:spLocks noGrp="1"/>
+          </p:cNvSpPr>
           <p:nvPr>
             <p:ph type="sldNum" sz="quarter" idx="2"/>
           </p:nvPr>
@@ -1090,8 +1128,10 @@
           <a:bodyPr/>
           <a:lstStyle/>
           <a:p>
-            <a:pPr/>
-            <a:fld id="{86CB4B4D-7CA3-9044-876B-883B54F8677D}" type="slidenum"/>
+            <a:fld id="{86CB4B4D-7CA3-9044-876B-883B54F8677D}" type="slidenum">
+              <a:t>‹#›</a:t>
+            </a:fld>
+            <a:endParaRPr/>
           </a:p>
         </p:txBody>
       </p:sp>
@@ -1100,12 +1140,12 @@
   <p:clrMapOvr>
     <a:masterClrMapping/>
   </p:clrMapOvr>
-  <p:transition xmlns:p14="http://schemas.microsoft.com/office/powerpoint/2010/main" spd="med" advClick="1"/>
+  <p:transition spd="med"/>
 </p:sldLayout>
 </file>
 
 <file path=ppt/slideLayouts/slideLayout4.xml><?xml version="1.0" encoding="utf-8"?>
-<p:sldLayout xmlns:a="http://schemas.openxmlformats.org/drawingml/2006/main" xmlns:r="http://schemas.openxmlformats.org/officeDocument/2006/relationships" xmlns:p="http://schemas.openxmlformats.org/presentationml/2006/main" xmlns:m="http://schemas.openxmlformats.org/officeDocument/2006/math" xmlns:a14="http://schemas.microsoft.com/office/drawing/2010/main" type="tx" showMasterSp="1" showMasterPhAnim="1">
+<p:sldLayout xmlns:a="http://schemas.openxmlformats.org/drawingml/2006/main" xmlns:r="http://schemas.openxmlformats.org/officeDocument/2006/relationships" xmlns:p="http://schemas.openxmlformats.org/presentationml/2006/main" type="tx">
   <p:cSld name="Photo - Verticale">
     <p:spTree>
       <p:nvGrpSpPr>
@@ -1124,7 +1164,9 @@
       <p:sp>
         <p:nvSpPr>
           <p:cNvPr id="38" name="Image"/>
-          <p:cNvSpPr/>
+          <p:cNvSpPr>
+            <a:spLocks noGrp="1"/>
+          </p:cNvSpPr>
           <p:nvPr>
             <p:ph type="pic" idx="13"/>
           </p:nvPr>
@@ -1144,14 +1186,16 @@
           </a:bodyPr>
           <a:lstStyle/>
           <a:p>
-            <a:pPr/>
+            <a:endParaRPr/>
           </a:p>
         </p:txBody>
       </p:sp>
       <p:sp>
         <p:nvSpPr>
           <p:cNvPr id="39" name="Title Text"/>
-          <p:cNvSpPr txBox="1"/>
+          <p:cNvSpPr txBox="1">
+            <a:spLocks noGrp="1"/>
+          </p:cNvSpPr>
           <p:nvPr>
             <p:ph type="title"/>
           </p:nvPr>
@@ -1173,7 +1217,6 @@
             </a:lvl1pPr>
           </a:lstStyle>
           <a:p>
-            <a:pPr/>
             <a:r>
               <a:t>Title Text</a:t>
             </a:r>
@@ -1183,7 +1226,9 @@
       <p:sp>
         <p:nvSpPr>
           <p:cNvPr id="40" name="Body Level One…"/>
-          <p:cNvSpPr txBox="1"/>
+          <p:cNvSpPr txBox="1">
+            <a:spLocks noGrp="1"/>
+          </p:cNvSpPr>
           <p:nvPr>
             <p:ph type="body" sz="quarter" idx="1"/>
           </p:nvPr>
@@ -1201,7 +1246,6 @@
           <a:bodyPr/>
           <a:lstStyle/>
           <a:p>
-            <a:pPr/>
             <a:r>
               <a:t>Body Level One</a:t>
             </a:r>
@@ -1235,7 +1279,9 @@
       <p:sp>
         <p:nvSpPr>
           <p:cNvPr id="41" name="Slide Number"/>
-          <p:cNvSpPr txBox="1"/>
+          <p:cNvSpPr txBox="1">
+            <a:spLocks noGrp="1"/>
+          </p:cNvSpPr>
           <p:nvPr>
             <p:ph type="sldNum" sz="quarter" idx="2"/>
           </p:nvPr>
@@ -1249,8 +1295,10 @@
           <a:bodyPr/>
           <a:lstStyle/>
           <a:p>
-            <a:pPr/>
-            <a:fld id="{86CB4B4D-7CA3-9044-876B-883B54F8677D}" type="slidenum"/>
+            <a:fld id="{86CB4B4D-7CA3-9044-876B-883B54F8677D}" type="slidenum">
+              <a:t>‹#›</a:t>
+            </a:fld>
+            <a:endParaRPr/>
           </a:p>
         </p:txBody>
       </p:sp>
@@ -1259,12 +1307,12 @@
   <p:clrMapOvr>
     <a:masterClrMapping/>
   </p:clrMapOvr>
-  <p:transition xmlns:p14="http://schemas.microsoft.com/office/powerpoint/2010/main" spd="med" advClick="1"/>
+  <p:transition spd="med"/>
 </p:sldLayout>
 </file>
 
 <file path=ppt/slideLayouts/slideLayout5.xml><?xml version="1.0" encoding="utf-8"?>
-<p:sldLayout xmlns:a="http://schemas.openxmlformats.org/drawingml/2006/main" xmlns:r="http://schemas.openxmlformats.org/officeDocument/2006/relationships" xmlns:p="http://schemas.openxmlformats.org/presentationml/2006/main" xmlns:m="http://schemas.openxmlformats.org/officeDocument/2006/math" xmlns:a14="http://schemas.microsoft.com/office/drawing/2010/main" type="tx" showMasterSp="1" showMasterPhAnim="1">
+<p:sldLayout xmlns:a="http://schemas.openxmlformats.org/drawingml/2006/main" xmlns:r="http://schemas.openxmlformats.org/officeDocument/2006/relationships" xmlns:p="http://schemas.openxmlformats.org/presentationml/2006/main" type="tx">
   <p:cSld name="Titre - Haut">
     <p:spTree>
       <p:nvGrpSpPr>
@@ -1283,7 +1331,9 @@
       <p:sp>
         <p:nvSpPr>
           <p:cNvPr id="48" name="Title Text"/>
-          <p:cNvSpPr txBox="1"/>
+          <p:cNvSpPr txBox="1">
+            <a:spLocks noGrp="1"/>
+          </p:cNvSpPr>
           <p:nvPr>
             <p:ph type="title"/>
           </p:nvPr>
@@ -1301,7 +1351,6 @@
           <a:bodyPr anchor="ctr"/>
           <a:lstStyle/>
           <a:p>
-            <a:pPr/>
             <a:r>
               <a:t>Title Text</a:t>
             </a:r>
@@ -1311,7 +1360,9 @@
       <p:sp>
         <p:nvSpPr>
           <p:cNvPr id="49" name="Slide Number"/>
-          <p:cNvSpPr txBox="1"/>
+          <p:cNvSpPr txBox="1">
+            <a:spLocks noGrp="1"/>
+          </p:cNvSpPr>
           <p:nvPr>
             <p:ph type="sldNum" sz="quarter" idx="2"/>
           </p:nvPr>
@@ -1325,8 +1376,10 @@
           <a:bodyPr/>
           <a:lstStyle/>
           <a:p>
-            <a:pPr/>
-            <a:fld id="{86CB4B4D-7CA3-9044-876B-883B54F8677D}" type="slidenum"/>
+            <a:fld id="{86CB4B4D-7CA3-9044-876B-883B54F8677D}" type="slidenum">
+              <a:t>‹#›</a:t>
+            </a:fld>
+            <a:endParaRPr/>
           </a:p>
         </p:txBody>
       </p:sp>
@@ -1335,12 +1388,12 @@
   <p:clrMapOvr>
     <a:masterClrMapping/>
   </p:clrMapOvr>
-  <p:transition xmlns:p14="http://schemas.microsoft.com/office/powerpoint/2010/main" spd="med" advClick="1"/>
+  <p:transition spd="med"/>
 </p:sldLayout>
 </file>
 
 <file path=ppt/slideLayouts/slideLayout6.xml><?xml version="1.0" encoding="utf-8"?>
-<p:sldLayout xmlns:a="http://schemas.openxmlformats.org/drawingml/2006/main" xmlns:r="http://schemas.openxmlformats.org/officeDocument/2006/relationships" xmlns:p="http://schemas.openxmlformats.org/presentationml/2006/main" xmlns:m="http://schemas.openxmlformats.org/officeDocument/2006/math" xmlns:a14="http://schemas.microsoft.com/office/drawing/2010/main" type="tx" showMasterSp="1" showMasterPhAnim="1">
+<p:sldLayout xmlns:a="http://schemas.openxmlformats.org/drawingml/2006/main" xmlns:r="http://schemas.openxmlformats.org/officeDocument/2006/relationships" xmlns:p="http://schemas.openxmlformats.org/presentationml/2006/main" type="tx">
   <p:cSld name="Titre et puces">
     <p:spTree>
       <p:nvGrpSpPr>
@@ -1359,7 +1412,9 @@
       <p:sp>
         <p:nvSpPr>
           <p:cNvPr id="56" name="Title Text"/>
-          <p:cNvSpPr txBox="1"/>
+          <p:cNvSpPr txBox="1">
+            <a:spLocks noGrp="1"/>
+          </p:cNvSpPr>
           <p:nvPr>
             <p:ph type="title"/>
           </p:nvPr>
@@ -1377,7 +1432,6 @@
           <a:bodyPr anchor="ctr"/>
           <a:lstStyle/>
           <a:p>
-            <a:pPr/>
             <a:r>
               <a:t>Title Text</a:t>
             </a:r>
@@ -1387,7 +1441,9 @@
       <p:sp>
         <p:nvSpPr>
           <p:cNvPr id="57" name="Body Level One…"/>
-          <p:cNvSpPr txBox="1"/>
+          <p:cNvSpPr txBox="1">
+            <a:spLocks noGrp="1"/>
+          </p:cNvSpPr>
           <p:nvPr>
             <p:ph type="body" sz="half" idx="1"/>
           </p:nvPr>
@@ -1446,7 +1502,6 @@
             </a:lvl5pPr>
           </a:lstStyle>
           <a:p>
-            <a:pPr/>
             <a:r>
               <a:t>Body Level One</a:t>
             </a:r>
@@ -1480,7 +1535,9 @@
       <p:sp>
         <p:nvSpPr>
           <p:cNvPr id="58" name="Slide Number"/>
-          <p:cNvSpPr txBox="1"/>
+          <p:cNvSpPr txBox="1">
+            <a:spLocks noGrp="1"/>
+          </p:cNvSpPr>
           <p:nvPr>
             <p:ph type="sldNum" sz="quarter" idx="2"/>
           </p:nvPr>
@@ -1494,8 +1551,10 @@
           <a:bodyPr/>
           <a:lstStyle/>
           <a:p>
-            <a:pPr/>
-            <a:fld id="{86CB4B4D-7CA3-9044-876B-883B54F8677D}" type="slidenum"/>
+            <a:fld id="{86CB4B4D-7CA3-9044-876B-883B54F8677D}" type="slidenum">
+              <a:t>‹#›</a:t>
+            </a:fld>
+            <a:endParaRPr/>
           </a:p>
         </p:txBody>
       </p:sp>
@@ -1504,12 +1563,12 @@
   <p:clrMapOvr>
     <a:masterClrMapping/>
   </p:clrMapOvr>
-  <p:transition xmlns:p14="http://schemas.microsoft.com/office/powerpoint/2010/main" spd="med" advClick="1"/>
+  <p:transition spd="med"/>
 </p:sldLayout>
 </file>
 
 <file path=ppt/slideLayouts/slideLayout7.xml><?xml version="1.0" encoding="utf-8"?>
-<p:sldLayout xmlns:a="http://schemas.openxmlformats.org/drawingml/2006/main" xmlns:r="http://schemas.openxmlformats.org/officeDocument/2006/relationships" xmlns:p="http://schemas.openxmlformats.org/presentationml/2006/main" xmlns:m="http://schemas.openxmlformats.org/officeDocument/2006/math" xmlns:a14="http://schemas.microsoft.com/office/drawing/2010/main" type="tx" showMasterSp="1" showMasterPhAnim="1">
+<p:sldLayout xmlns:a="http://schemas.openxmlformats.org/drawingml/2006/main" xmlns:r="http://schemas.openxmlformats.org/officeDocument/2006/relationships" xmlns:p="http://schemas.openxmlformats.org/presentationml/2006/main" type="tx">
   <p:cSld name="Titre, puces et photo">
     <p:spTree>
       <p:nvGrpSpPr>
@@ -1528,7 +1587,9 @@
       <p:sp>
         <p:nvSpPr>
           <p:cNvPr id="65" name="Image"/>
-          <p:cNvSpPr/>
+          <p:cNvSpPr>
+            <a:spLocks noGrp="1"/>
+          </p:cNvSpPr>
           <p:nvPr>
             <p:ph type="pic" sz="half" idx="13"/>
           </p:nvPr>
@@ -1548,14 +1609,16 @@
           </a:bodyPr>
           <a:lstStyle/>
           <a:p>
-            <a:pPr/>
+            <a:endParaRPr/>
           </a:p>
         </p:txBody>
       </p:sp>
       <p:sp>
         <p:nvSpPr>
           <p:cNvPr id="66" name="Title Text"/>
-          <p:cNvSpPr txBox="1"/>
+          <p:cNvSpPr txBox="1">
+            <a:spLocks noGrp="1"/>
+          </p:cNvSpPr>
           <p:nvPr>
             <p:ph type="title"/>
           </p:nvPr>
@@ -1573,7 +1636,6 @@
           <a:bodyPr anchor="ctr"/>
           <a:lstStyle/>
           <a:p>
-            <a:pPr/>
             <a:r>
               <a:t>Title Text</a:t>
             </a:r>
@@ -1583,7 +1645,9 @@
       <p:sp>
         <p:nvSpPr>
           <p:cNvPr id="67" name="Body Level One…"/>
-          <p:cNvSpPr txBox="1"/>
+          <p:cNvSpPr txBox="1">
+            <a:spLocks noGrp="1"/>
+          </p:cNvSpPr>
           <p:nvPr>
             <p:ph type="body" sz="quarter" idx="1"/>
           </p:nvPr>
@@ -1642,7 +1706,6 @@
             </a:lvl5pPr>
           </a:lstStyle>
           <a:p>
-            <a:pPr/>
             <a:r>
               <a:t>Body Level One</a:t>
             </a:r>
@@ -1676,7 +1739,9 @@
       <p:sp>
         <p:nvSpPr>
           <p:cNvPr id="68" name="Slide Number"/>
-          <p:cNvSpPr txBox="1"/>
+          <p:cNvSpPr txBox="1">
+            <a:spLocks noGrp="1"/>
+          </p:cNvSpPr>
           <p:nvPr>
             <p:ph type="sldNum" sz="quarter" idx="2"/>
           </p:nvPr>
@@ -1690,8 +1755,10 @@
           <a:bodyPr/>
           <a:lstStyle/>
           <a:p>
-            <a:pPr/>
-            <a:fld id="{86CB4B4D-7CA3-9044-876B-883B54F8677D}" type="slidenum"/>
+            <a:fld id="{86CB4B4D-7CA3-9044-876B-883B54F8677D}" type="slidenum">
+              <a:t>‹#›</a:t>
+            </a:fld>
+            <a:endParaRPr/>
           </a:p>
         </p:txBody>
       </p:sp>
@@ -1700,12 +1767,12 @@
   <p:clrMapOvr>
     <a:masterClrMapping/>
   </p:clrMapOvr>
-  <p:transition xmlns:p14="http://schemas.microsoft.com/office/powerpoint/2010/main" spd="med" advClick="1"/>
+  <p:transition spd="med"/>
 </p:sldLayout>
 </file>
 
 <file path=ppt/slideLayouts/slideLayout8.xml><?xml version="1.0" encoding="utf-8"?>
-<p:sldLayout xmlns:a="http://schemas.openxmlformats.org/drawingml/2006/main" xmlns:r="http://schemas.openxmlformats.org/officeDocument/2006/relationships" xmlns:p="http://schemas.openxmlformats.org/presentationml/2006/main" xmlns:m="http://schemas.openxmlformats.org/officeDocument/2006/math" xmlns:a14="http://schemas.microsoft.com/office/drawing/2010/main" type="tx" showMasterSp="1" showMasterPhAnim="1">
+<p:sldLayout xmlns:a="http://schemas.openxmlformats.org/drawingml/2006/main" xmlns:r="http://schemas.openxmlformats.org/officeDocument/2006/relationships" xmlns:p="http://schemas.openxmlformats.org/presentationml/2006/main" type="tx">
   <p:cSld name="Puces">
     <p:spTree>
       <p:nvGrpSpPr>
@@ -1724,7 +1791,9 @@
       <p:sp>
         <p:nvSpPr>
           <p:cNvPr id="75" name="Body Level One…"/>
-          <p:cNvSpPr txBox="1"/>
+          <p:cNvSpPr txBox="1">
+            <a:spLocks noGrp="1"/>
+          </p:cNvSpPr>
           <p:nvPr>
             <p:ph type="body" sz="half" idx="1"/>
           </p:nvPr>
@@ -1783,7 +1852,6 @@
             </a:lvl5pPr>
           </a:lstStyle>
           <a:p>
-            <a:pPr/>
             <a:r>
               <a:t>Body Level One</a:t>
             </a:r>
@@ -1817,7 +1885,9 @@
       <p:sp>
         <p:nvSpPr>
           <p:cNvPr id="76" name="Slide Number"/>
-          <p:cNvSpPr txBox="1"/>
+          <p:cNvSpPr txBox="1">
+            <a:spLocks noGrp="1"/>
+          </p:cNvSpPr>
           <p:nvPr>
             <p:ph type="sldNum" sz="quarter" idx="2"/>
           </p:nvPr>
@@ -1831,8 +1901,10 @@
           <a:bodyPr/>
           <a:lstStyle/>
           <a:p>
-            <a:pPr/>
-            <a:fld id="{86CB4B4D-7CA3-9044-876B-883B54F8677D}" type="slidenum"/>
+            <a:fld id="{86CB4B4D-7CA3-9044-876B-883B54F8677D}" type="slidenum">
+              <a:t>‹#›</a:t>
+            </a:fld>
+            <a:endParaRPr/>
           </a:p>
         </p:txBody>
       </p:sp>
@@ -1841,12 +1913,12 @@
   <p:clrMapOvr>
     <a:masterClrMapping/>
   </p:clrMapOvr>
-  <p:transition xmlns:p14="http://schemas.microsoft.com/office/powerpoint/2010/main" spd="med" advClick="1"/>
+  <p:transition spd="med"/>
 </p:sldLayout>
 </file>
 
 <file path=ppt/slideLayouts/slideLayout9.xml><?xml version="1.0" encoding="utf-8"?>
-<p:sldLayout xmlns:a="http://schemas.openxmlformats.org/drawingml/2006/main" xmlns:r="http://schemas.openxmlformats.org/officeDocument/2006/relationships" xmlns:p="http://schemas.openxmlformats.org/presentationml/2006/main" xmlns:m="http://schemas.openxmlformats.org/officeDocument/2006/math" xmlns:a14="http://schemas.microsoft.com/office/drawing/2010/main" type="tx" showMasterSp="1" showMasterPhAnim="1">
+<p:sldLayout xmlns:a="http://schemas.openxmlformats.org/drawingml/2006/main" xmlns:r="http://schemas.openxmlformats.org/officeDocument/2006/relationships" xmlns:p="http://schemas.openxmlformats.org/presentationml/2006/main" type="tx">
   <p:cSld name="Photo - 3">
     <p:spTree>
       <p:nvGrpSpPr>
@@ -1865,7 +1937,9 @@
       <p:sp>
         <p:nvSpPr>
           <p:cNvPr id="83" name="Image"/>
-          <p:cNvSpPr/>
+          <p:cNvSpPr>
+            <a:spLocks noGrp="1"/>
+          </p:cNvSpPr>
           <p:nvPr>
             <p:ph type="pic" sz="quarter" idx="13"/>
           </p:nvPr>
@@ -1885,14 +1959,16 @@
           </a:bodyPr>
           <a:lstStyle/>
           <a:p>
-            <a:pPr/>
+            <a:endParaRPr/>
           </a:p>
         </p:txBody>
       </p:sp>
       <p:sp>
         <p:nvSpPr>
           <p:cNvPr id="84" name="Image"/>
-          <p:cNvSpPr/>
+          <p:cNvSpPr>
+            <a:spLocks noGrp="1"/>
+          </p:cNvSpPr>
           <p:nvPr>
             <p:ph type="pic" sz="quarter" idx="14"/>
           </p:nvPr>
@@ -1912,14 +1988,16 @@
           </a:bodyPr>
           <a:lstStyle/>
           <a:p>
-            <a:pPr/>
+            <a:endParaRPr/>
           </a:p>
         </p:txBody>
       </p:sp>
       <p:sp>
         <p:nvSpPr>
           <p:cNvPr id="85" name="Image"/>
-          <p:cNvSpPr/>
+          <p:cNvSpPr>
+            <a:spLocks noGrp="1"/>
+          </p:cNvSpPr>
           <p:nvPr>
             <p:ph type="pic" idx="15"/>
           </p:nvPr>
@@ -1939,14 +2017,16 @@
           </a:bodyPr>
           <a:lstStyle/>
           <a:p>
-            <a:pPr/>
+            <a:endParaRPr/>
           </a:p>
         </p:txBody>
       </p:sp>
       <p:sp>
         <p:nvSpPr>
           <p:cNvPr id="86" name="Slide Number"/>
-          <p:cNvSpPr txBox="1"/>
+          <p:cNvSpPr txBox="1">
+            <a:spLocks noGrp="1"/>
+          </p:cNvSpPr>
           <p:nvPr>
             <p:ph type="sldNum" sz="quarter" idx="2"/>
           </p:nvPr>
@@ -1960,8 +2040,10 @@
           <a:bodyPr/>
           <a:lstStyle/>
           <a:p>
-            <a:pPr/>
-            <a:fld id="{86CB4B4D-7CA3-9044-876B-883B54F8677D}" type="slidenum"/>
+            <a:fld id="{86CB4B4D-7CA3-9044-876B-883B54F8677D}" type="slidenum">
+              <a:t>‹#›</a:t>
+            </a:fld>
+            <a:endParaRPr/>
           </a:p>
         </p:txBody>
       </p:sp>
@@ -1970,18 +2052,19 @@
   <p:clrMapOvr>
     <a:masterClrMapping/>
   </p:clrMapOvr>
-  <p:transition xmlns:p14="http://schemas.microsoft.com/office/powerpoint/2010/main" spd="med" advClick="1"/>
+  <p:transition spd="med"/>
 </p:sldLayout>
 </file>
 
 <file path=ppt/slideMasters/slideMaster1.xml><?xml version="1.0" encoding="utf-8"?>
-<p:sldMaster xmlns:a="http://schemas.openxmlformats.org/drawingml/2006/main" xmlns:r="http://schemas.openxmlformats.org/officeDocument/2006/relationships" xmlns:p="http://schemas.openxmlformats.org/presentationml/2006/main" xmlns:m="http://schemas.openxmlformats.org/officeDocument/2006/math" xmlns:a14="http://schemas.microsoft.com/office/drawing/2010/main">
+<p:sldMaster xmlns:a="http://schemas.openxmlformats.org/drawingml/2006/main" xmlns:r="http://schemas.openxmlformats.org/officeDocument/2006/relationships" xmlns:p="http://schemas.openxmlformats.org/presentationml/2006/main">
   <p:cSld>
     <p:bg>
       <p:bgPr>
         <a:solidFill>
           <a:srgbClr val="FFFFFF"/>
         </a:solidFill>
+        <a:effectLst/>
       </p:bgPr>
     </p:bg>
     <p:spTree>
@@ -2001,7 +2084,9 @@
       <p:sp>
         <p:nvSpPr>
           <p:cNvPr id="2" name="Title Text"/>
-          <p:cNvSpPr txBox="1"/>
+          <p:cNvSpPr txBox="1">
+            <a:spLocks noGrp="1"/>
+          </p:cNvSpPr>
           <p:nvPr>
             <p:ph type="title"/>
           </p:nvPr>
@@ -2019,17 +2104,16 @@
           </a:ln>
           <a:extLst>
             <a:ext uri="{C572A759-6A51-4108-AA02-DFA0A04FC94B}">
-              <ma14:wrappingTextBoxFlag xmlns:ma14="http://schemas.microsoft.com/office/mac/drawingml/2011/main" val="1"/>
+              <ma14:wrappingTextBoxFlag xmlns:ma14="http://schemas.microsoft.com/office/mac/drawingml/2011/main" xmlns:a14="http://schemas.microsoft.com/office/drawing/2010/main" xmlns:m="http://schemas.openxmlformats.org/officeDocument/2006/math" xmlns="" val="1"/>
             </a:ext>
           </a:extLst>
         </p:spPr>
         <p:txBody>
           <a:bodyPr lIns="38100" tIns="38100" rIns="38100" bIns="38100" anchor="b">
-            <a:normAutofit fontScale="100000" lnSpcReduction="0"/>
+            <a:normAutofit/>
           </a:bodyPr>
           <a:lstStyle/>
           <a:p>
-            <a:pPr/>
             <a:r>
               <a:t>Title Text</a:t>
             </a:r>
@@ -2039,7 +2123,9 @@
       <p:sp>
         <p:nvSpPr>
           <p:cNvPr id="3" name="Body Level One…"/>
-          <p:cNvSpPr txBox="1"/>
+          <p:cNvSpPr txBox="1">
+            <a:spLocks noGrp="1"/>
+          </p:cNvSpPr>
           <p:nvPr>
             <p:ph type="body" idx="1"/>
           </p:nvPr>
@@ -2057,17 +2143,16 @@
           </a:ln>
           <a:extLst>
             <a:ext uri="{C572A759-6A51-4108-AA02-DFA0A04FC94B}">
-              <ma14:wrappingTextBoxFlag xmlns:ma14="http://schemas.microsoft.com/office/mac/drawingml/2011/main" val="1"/>
+              <ma14:wrappingTextBoxFlag xmlns:ma14="http://schemas.microsoft.com/office/mac/drawingml/2011/main" xmlns:a14="http://schemas.microsoft.com/office/drawing/2010/main" xmlns:m="http://schemas.openxmlformats.org/officeDocument/2006/math" xmlns="" val="1"/>
             </a:ext>
           </a:extLst>
         </p:spPr>
         <p:txBody>
           <a:bodyPr lIns="38100" tIns="38100" rIns="38100" bIns="38100">
-            <a:normAutofit fontScale="100000" lnSpcReduction="0"/>
+            <a:normAutofit/>
           </a:bodyPr>
           <a:lstStyle/>
           <a:p>
-            <a:pPr/>
             <a:r>
               <a:t>Body Level One</a:t>
             </a:r>
@@ -2101,7 +2186,9 @@
       <p:sp>
         <p:nvSpPr>
           <p:cNvPr id="4" name="Slide Number"/>
-          <p:cNvSpPr txBox="1"/>
+          <p:cNvSpPr txBox="1">
+            <a:spLocks noGrp="1"/>
+          </p:cNvSpPr>
           <p:nvPr>
             <p:ph type="sldNum" sz="quarter" idx="2"/>
           </p:nvPr>
@@ -2136,8 +2223,10 @@
             </a:lvl1pPr>
           </a:lstStyle>
           <a:p>
-            <a:pPr/>
-            <a:fld id="{86CB4B4D-7CA3-9044-876B-883B54F8677D}" type="slidenum"/>
+            <a:fld id="{86CB4B4D-7CA3-9044-876B-883B54F8677D}" type="slidenum">
+              <a:t>‹#›</a:t>
+            </a:fld>
+            <a:endParaRPr/>
           </a:p>
         </p:txBody>
       </p:sp>
@@ -2145,20 +2234,20 @@
   </p:cSld>
   <p:clrMap bg1="lt1" tx1="dk1" bg2="lt2" tx2="dk2" accent1="accent1" accent2="accent2" accent3="accent3" accent4="accent4" accent5="accent5" accent6="accent6" hlink="hlink" folHlink="folHlink"/>
   <p:sldLayoutIdLst>
-    <p:sldLayoutId id="2147483649" r:id="rId2"/>
-    <p:sldLayoutId id="2147483650" r:id="rId3"/>
-    <p:sldLayoutId id="2147483651" r:id="rId4"/>
-    <p:sldLayoutId id="2147483652" r:id="rId5"/>
-    <p:sldLayoutId id="2147483653" r:id="rId6"/>
-    <p:sldLayoutId id="2147483654" r:id="rId7"/>
-    <p:sldLayoutId id="2147483655" r:id="rId8"/>
-    <p:sldLayoutId id="2147483656" r:id="rId9"/>
-    <p:sldLayoutId id="2147483657" r:id="rId10"/>
-    <p:sldLayoutId id="2147483658" r:id="rId11"/>
-    <p:sldLayoutId id="2147483659" r:id="rId12"/>
-    <p:sldLayoutId id="2147483660" r:id="rId13"/>
+    <p:sldLayoutId id="2147483649" r:id="rId1"/>
+    <p:sldLayoutId id="2147483650" r:id="rId2"/>
+    <p:sldLayoutId id="2147483651" r:id="rId3"/>
+    <p:sldLayoutId id="2147483652" r:id="rId4"/>
+    <p:sldLayoutId id="2147483653" r:id="rId5"/>
+    <p:sldLayoutId id="2147483654" r:id="rId6"/>
+    <p:sldLayoutId id="2147483655" r:id="rId7"/>
+    <p:sldLayoutId id="2147483656" r:id="rId8"/>
+    <p:sldLayoutId id="2147483657" r:id="rId9"/>
+    <p:sldLayoutId id="2147483658" r:id="rId10"/>
+    <p:sldLayoutId id="2147483659" r:id="rId11"/>
+    <p:sldLayoutId id="2147483660" r:id="rId12"/>
   </p:sldLayoutIdLst>
-  <p:transition xmlns:p14="http://schemas.microsoft.com/office/powerpoint/2010/main" spd="med" advClick="1"/>
+  <p:transition spd="med"/>
   <p:txStyles>
     <p:titleStyle>
       <a:lvl1pPr marL="0" marR="0" indent="0" algn="ctr" defTabSz="584200" rtl="0" latinLnBrk="0">
@@ -2176,7 +2265,7 @@
         <a:buFontTx/>
         <a:buNone/>
         <a:tabLst/>
-        <a:defRPr b="0" baseline="0" cap="none" i="0" spc="0" strike="noStrike" sz="7800" u="none">
+        <a:defRPr sz="7800" b="0" i="0" u="none" strike="noStrike" cap="none" spc="0" baseline="0">
           <a:solidFill>
             <a:srgbClr val="000000"/>
           </a:solidFill>
@@ -2202,7 +2291,7 @@
         <a:buFontTx/>
         <a:buNone/>
         <a:tabLst/>
-        <a:defRPr b="0" baseline="0" cap="none" i="0" spc="0" strike="noStrike" sz="7800" u="none">
+        <a:defRPr sz="7800" b="0" i="0" u="none" strike="noStrike" cap="none" spc="0" baseline="0">
           <a:solidFill>
             <a:srgbClr val="000000"/>
           </a:solidFill>
@@ -2228,7 +2317,7 @@
         <a:buFontTx/>
         <a:buNone/>
         <a:tabLst/>
-        <a:defRPr b="0" baseline="0" cap="none" i="0" spc="0" strike="noStrike" sz="7800" u="none">
+        <a:defRPr sz="7800" b="0" i="0" u="none" strike="noStrike" cap="none" spc="0" baseline="0">
           <a:solidFill>
             <a:srgbClr val="000000"/>
           </a:solidFill>
@@ -2254,7 +2343,7 @@
         <a:buFontTx/>
         <a:buNone/>
         <a:tabLst/>
-        <a:defRPr b="0" baseline="0" cap="none" i="0" spc="0" strike="noStrike" sz="7800" u="none">
+        <a:defRPr sz="7800" b="0" i="0" u="none" strike="noStrike" cap="none" spc="0" baseline="0">
           <a:solidFill>
             <a:srgbClr val="000000"/>
           </a:solidFill>
@@ -2280,7 +2369,7 @@
         <a:buFontTx/>
         <a:buNone/>
         <a:tabLst/>
-        <a:defRPr b="0" baseline="0" cap="none" i="0" spc="0" strike="noStrike" sz="7800" u="none">
+        <a:defRPr sz="7800" b="0" i="0" u="none" strike="noStrike" cap="none" spc="0" baseline="0">
           <a:solidFill>
             <a:srgbClr val="000000"/>
           </a:solidFill>
@@ -2306,7 +2395,7 @@
         <a:buFontTx/>
         <a:buNone/>
         <a:tabLst/>
-        <a:defRPr b="0" baseline="0" cap="none" i="0" spc="0" strike="noStrike" sz="7800" u="none">
+        <a:defRPr sz="7800" b="0" i="0" u="none" strike="noStrike" cap="none" spc="0" baseline="0">
           <a:solidFill>
             <a:srgbClr val="000000"/>
           </a:solidFill>
@@ -2332,7 +2421,7 @@
         <a:buFontTx/>
         <a:buNone/>
         <a:tabLst/>
-        <a:defRPr b="0" baseline="0" cap="none" i="0" spc="0" strike="noStrike" sz="7800" u="none">
+        <a:defRPr sz="7800" b="0" i="0" u="none" strike="noStrike" cap="none" spc="0" baseline="0">
           <a:solidFill>
             <a:srgbClr val="000000"/>
           </a:solidFill>
@@ -2358,7 +2447,7 @@
         <a:buFontTx/>
         <a:buNone/>
         <a:tabLst/>
-        <a:defRPr b="0" baseline="0" cap="none" i="0" spc="0" strike="noStrike" sz="7800" u="none">
+        <a:defRPr sz="7800" b="0" i="0" u="none" strike="noStrike" cap="none" spc="0" baseline="0">
           <a:solidFill>
             <a:srgbClr val="000000"/>
           </a:solidFill>
@@ -2384,7 +2473,7 @@
         <a:buFontTx/>
         <a:buNone/>
         <a:tabLst/>
-        <a:defRPr b="0" baseline="0" cap="none" i="0" spc="0" strike="noStrike" sz="7800" u="none">
+        <a:defRPr sz="7800" b="0" i="0" u="none" strike="noStrike" cap="none" spc="0" baseline="0">
           <a:solidFill>
             <a:srgbClr val="000000"/>
           </a:solidFill>
@@ -2412,7 +2501,7 @@
         <a:buFontTx/>
         <a:buNone/>
         <a:tabLst/>
-        <a:defRPr b="0" baseline="0" cap="none" i="0" spc="0" strike="noStrike" sz="3000" u="none">
+        <a:defRPr sz="3000" b="0" i="0" u="none" strike="noStrike" cap="none" spc="0" baseline="0">
           <a:solidFill>
             <a:srgbClr val="000000"/>
           </a:solidFill>
@@ -2438,7 +2527,7 @@
         <a:buFontTx/>
         <a:buNone/>
         <a:tabLst/>
-        <a:defRPr b="0" baseline="0" cap="none" i="0" spc="0" strike="noStrike" sz="3000" u="none">
+        <a:defRPr sz="3000" b="0" i="0" u="none" strike="noStrike" cap="none" spc="0" baseline="0">
           <a:solidFill>
             <a:srgbClr val="000000"/>
           </a:solidFill>
@@ -2464,7 +2553,7 @@
         <a:buFontTx/>
         <a:buNone/>
         <a:tabLst/>
-        <a:defRPr b="0" baseline="0" cap="none" i="0" spc="0" strike="noStrike" sz="3000" u="none">
+        <a:defRPr sz="3000" b="0" i="0" u="none" strike="noStrike" cap="none" spc="0" baseline="0">
           <a:solidFill>
             <a:srgbClr val="000000"/>
           </a:solidFill>
@@ -2490,7 +2579,7 @@
         <a:buFontTx/>
         <a:buNone/>
         <a:tabLst/>
-        <a:defRPr b="0" baseline="0" cap="none" i="0" spc="0" strike="noStrike" sz="3000" u="none">
+        <a:defRPr sz="3000" b="0" i="0" u="none" strike="noStrike" cap="none" spc="0" baseline="0">
           <a:solidFill>
             <a:srgbClr val="000000"/>
           </a:solidFill>
@@ -2516,7 +2605,7 @@
         <a:buFontTx/>
         <a:buNone/>
         <a:tabLst/>
-        <a:defRPr b="0" baseline="0" cap="none" i="0" spc="0" strike="noStrike" sz="3000" u="none">
+        <a:defRPr sz="3000" b="0" i="0" u="none" strike="noStrike" cap="none" spc="0" baseline="0">
           <a:solidFill>
             <a:srgbClr val="000000"/>
           </a:solidFill>
@@ -2542,7 +2631,7 @@
         <a:buFontTx/>
         <a:buNone/>
         <a:tabLst/>
-        <a:defRPr b="0" baseline="0" cap="none" i="0" spc="0" strike="noStrike" sz="3000" u="none">
+        <a:defRPr sz="3000" b="0" i="0" u="none" strike="noStrike" cap="none" spc="0" baseline="0">
           <a:solidFill>
             <a:srgbClr val="000000"/>
           </a:solidFill>
@@ -2568,7 +2657,7 @@
         <a:buFontTx/>
         <a:buNone/>
         <a:tabLst/>
-        <a:defRPr b="0" baseline="0" cap="none" i="0" spc="0" strike="noStrike" sz="3000" u="none">
+        <a:defRPr sz="3000" b="0" i="0" u="none" strike="noStrike" cap="none" spc="0" baseline="0">
           <a:solidFill>
             <a:srgbClr val="000000"/>
           </a:solidFill>
@@ -2594,7 +2683,7 @@
         <a:buFontTx/>
         <a:buNone/>
         <a:tabLst/>
-        <a:defRPr b="0" baseline="0" cap="none" i="0" spc="0" strike="noStrike" sz="3000" u="none">
+        <a:defRPr sz="3000" b="0" i="0" u="none" strike="noStrike" cap="none" spc="0" baseline="0">
           <a:solidFill>
             <a:srgbClr val="000000"/>
           </a:solidFill>
@@ -2620,7 +2709,7 @@
         <a:buFontTx/>
         <a:buNone/>
         <a:tabLst/>
-        <a:defRPr b="0" baseline="0" cap="none" i="0" spc="0" strike="noStrike" sz="3000" u="none">
+        <a:defRPr sz="3000" b="0" i="0" u="none" strike="noStrike" cap="none" spc="0" baseline="0">
           <a:solidFill>
             <a:srgbClr val="000000"/>
           </a:solidFill>
@@ -2648,7 +2737,7 @@
         <a:buFontTx/>
         <a:buNone/>
         <a:tabLst/>
-        <a:defRPr b="0" baseline="0" cap="none" i="0" spc="0" strike="noStrike" sz="1600" u="none">
+        <a:defRPr sz="1600" b="0" i="0" u="none" strike="noStrike" cap="none" spc="0" baseline="0">
           <a:solidFill>
             <a:schemeClr val="tx1"/>
           </a:solidFill>
@@ -2674,7 +2763,7 @@
         <a:buFontTx/>
         <a:buNone/>
         <a:tabLst/>
-        <a:defRPr b="0" baseline="0" cap="none" i="0" spc="0" strike="noStrike" sz="1600" u="none">
+        <a:defRPr sz="1600" b="0" i="0" u="none" strike="noStrike" cap="none" spc="0" baseline="0">
           <a:solidFill>
             <a:schemeClr val="tx1"/>
           </a:solidFill>
@@ -2700,7 +2789,7 @@
         <a:buFontTx/>
         <a:buNone/>
         <a:tabLst/>
-        <a:defRPr b="0" baseline="0" cap="none" i="0" spc="0" strike="noStrike" sz="1600" u="none">
+        <a:defRPr sz="1600" b="0" i="0" u="none" strike="noStrike" cap="none" spc="0" baseline="0">
           <a:solidFill>
             <a:schemeClr val="tx1"/>
           </a:solidFill>
@@ -2726,7 +2815,7 @@
         <a:buFontTx/>
         <a:buNone/>
         <a:tabLst/>
-        <a:defRPr b="0" baseline="0" cap="none" i="0" spc="0" strike="noStrike" sz="1600" u="none">
+        <a:defRPr sz="1600" b="0" i="0" u="none" strike="noStrike" cap="none" spc="0" baseline="0">
           <a:solidFill>
             <a:schemeClr val="tx1"/>
           </a:solidFill>
@@ -2752,7 +2841,7 @@
         <a:buFontTx/>
         <a:buNone/>
         <a:tabLst/>
-        <a:defRPr b="0" baseline="0" cap="none" i="0" spc="0" strike="noStrike" sz="1600" u="none">
+        <a:defRPr sz="1600" b="0" i="0" u="none" strike="noStrike" cap="none" spc="0" baseline="0">
           <a:solidFill>
             <a:schemeClr val="tx1"/>
           </a:solidFill>
@@ -2778,7 +2867,7 @@
         <a:buFontTx/>
         <a:buNone/>
         <a:tabLst/>
-        <a:defRPr b="0" baseline="0" cap="none" i="0" spc="0" strike="noStrike" sz="1600" u="none">
+        <a:defRPr sz="1600" b="0" i="0" u="none" strike="noStrike" cap="none" spc="0" baseline="0">
           <a:solidFill>
             <a:schemeClr val="tx1"/>
           </a:solidFill>
@@ -2804,7 +2893,7 @@
         <a:buFontTx/>
         <a:buNone/>
         <a:tabLst/>
-        <a:defRPr b="0" baseline="0" cap="none" i="0" spc="0" strike="noStrike" sz="1600" u="none">
+        <a:defRPr sz="1600" b="0" i="0" u="none" strike="noStrike" cap="none" spc="0" baseline="0">
           <a:solidFill>
             <a:schemeClr val="tx1"/>
           </a:solidFill>
@@ -2830,7 +2919,7 @@
         <a:buFontTx/>
         <a:buNone/>
         <a:tabLst/>
-        <a:defRPr b="0" baseline="0" cap="none" i="0" spc="0" strike="noStrike" sz="1600" u="none">
+        <a:defRPr sz="1600" b="0" i="0" u="none" strike="noStrike" cap="none" spc="0" baseline="0">
           <a:solidFill>
             <a:schemeClr val="tx1"/>
           </a:solidFill>
@@ -2856,7 +2945,7 @@
         <a:buFontTx/>
         <a:buNone/>
         <a:tabLst/>
-        <a:defRPr b="0" baseline="0" cap="none" i="0" spc="0" strike="noStrike" sz="1600" u="none">
+        <a:defRPr sz="1600" b="0" i="0" u="none" strike="noStrike" cap="none" spc="0" baseline="0">
           <a:solidFill>
             <a:schemeClr val="tx1"/>
           </a:solidFill>
@@ -2873,7 +2962,7 @@
 </file>
 
 <file path=ppt/slides/slide1.xml><?xml version="1.0" encoding="utf-8"?>
-<p:sld xmlns:a="http://schemas.openxmlformats.org/drawingml/2006/main" xmlns:r="http://schemas.openxmlformats.org/officeDocument/2006/relationships" xmlns:p="http://schemas.openxmlformats.org/presentationml/2006/main" xmlns:m="http://schemas.openxmlformats.org/officeDocument/2006/math" xmlns:a14="http://schemas.microsoft.com/office/drawing/2010/main" showMasterSp="1" showMasterPhAnim="1">
+<p:sld xmlns:a="http://schemas.openxmlformats.org/drawingml/2006/main" xmlns:r="http://schemas.openxmlformats.org/officeDocument/2006/relationships" xmlns:p="http://schemas.openxmlformats.org/presentationml/2006/main">
   <p:cSld>
     <p:spTree>
       <p:nvGrpSpPr>
@@ -2908,7 +2997,7 @@
           </a:ln>
           <a:extLst>
             <a:ext uri="{C572A759-6A51-4108-AA02-DFA0A04FC94B}">
-              <ma14:wrappingTextBoxFlag xmlns:ma14="http://schemas.microsoft.com/office/mac/drawingml/2011/main" val="1"/>
+              <ma14:wrappingTextBoxFlag xmlns:ma14="http://schemas.microsoft.com/office/mac/drawingml/2011/main" xmlns:a14="http://schemas.microsoft.com/office/drawing/2010/main" xmlns:m="http://schemas.openxmlformats.org/officeDocument/2006/math" xmlns="" val="1"/>
             </a:ext>
           </a:extLst>
         </p:spPr>
@@ -2919,7 +3008,7 @@
           <a:lstStyle/>
           <a:p>
             <a:pPr>
-              <a:defRPr b="1" sz="8700">
+              <a:defRPr sz="8700" b="1">
                 <a:solidFill>
                   <a:srgbClr val="000000"/>
                 </a:solidFill>
@@ -2935,7 +3024,7 @@
           </a:p>
           <a:p>
             <a:pPr>
-              <a:defRPr b="1" sz="8700">
+              <a:defRPr sz="8700" b="1">
                 <a:solidFill>
                   <a:srgbClr val="000000"/>
                 </a:solidFill>
@@ -2951,7 +3040,7 @@
           </a:p>
           <a:p>
             <a:pPr>
-              <a:defRPr b="1" sz="8700">
+              <a:defRPr sz="8700" b="1">
                 <a:solidFill>
                   <a:srgbClr val="000000"/>
                 </a:solidFill>
@@ -2967,7 +3056,7 @@
           </a:p>
           <a:p>
             <a:pPr>
-              <a:defRPr b="1" sz="7900">
+              <a:defRPr sz="7900" b="1">
                 <a:solidFill>
                   <a:srgbClr val="FFFFFF"/>
                 </a:solidFill>
@@ -2977,10 +3066,11 @@
                 <a:sym typeface="Circular Std"/>
               </a:defRPr>
             </a:pPr>
+            <a:endParaRPr/>
           </a:p>
           <a:p>
             <a:pPr>
-              <a:defRPr b="1" sz="6200">
+              <a:defRPr sz="6200" b="1">
                 <a:solidFill>
                   <a:srgbClr val="000000"/>
                 </a:solidFill>
@@ -3005,9 +3095,7 @@
           <p:nvPr/>
         </p:nvPicPr>
         <p:blipFill>
-          <a:blip r:embed="rId2">
-            <a:extLst/>
-          </a:blip>
+          <a:blip r:embed="rId2"/>
           <a:stretch>
             <a:fillRect/>
           </a:stretch>
@@ -3034,9 +3122,7 @@
           <p:nvPr/>
         </p:nvPicPr>
         <p:blipFill>
-          <a:blip r:embed="rId3">
-            <a:extLst/>
-          </a:blip>
+          <a:blip r:embed="rId3"/>
           <a:stretch>
             <a:fillRect/>
           </a:stretch>
@@ -3059,12 +3145,12 @@
   <p:clrMapOvr>
     <a:masterClrMapping/>
   </p:clrMapOvr>
-  <p:transition xmlns:p14="http://schemas.microsoft.com/office/powerpoint/2010/main" spd="med" advClick="1"/>
+  <p:transition spd="med"/>
 </p:sld>
 </file>
 
 <file path=ppt/slides/slide10.xml><?xml version="1.0" encoding="utf-8"?>
-<p:sld xmlns:a="http://schemas.openxmlformats.org/drawingml/2006/main" xmlns:r="http://schemas.openxmlformats.org/officeDocument/2006/relationships" xmlns:p="http://schemas.openxmlformats.org/presentationml/2006/main" xmlns:m="http://schemas.openxmlformats.org/officeDocument/2006/math" xmlns:a14="http://schemas.microsoft.com/office/drawing/2010/main" showMasterSp="1" showMasterPhAnim="1">
+<p:sld xmlns:a="http://schemas.openxmlformats.org/drawingml/2006/main" xmlns:r="http://schemas.openxmlformats.org/officeDocument/2006/relationships" xmlns:p="http://schemas.openxmlformats.org/presentationml/2006/main">
   <p:cSld>
     <p:spTree>
       <p:nvGrpSpPr>
@@ -3099,7 +3185,7 @@
           </a:ln>
           <a:extLst>
             <a:ext uri="{C572A759-6A51-4108-AA02-DFA0A04FC94B}">
-              <ma14:wrappingTextBoxFlag xmlns:ma14="http://schemas.microsoft.com/office/mac/drawingml/2011/main" val="1"/>
+              <ma14:wrappingTextBoxFlag xmlns:ma14="http://schemas.microsoft.com/office/mac/drawingml/2011/main" xmlns:a14="http://schemas.microsoft.com/office/drawing/2010/main" xmlns:m="http://schemas.openxmlformats.org/officeDocument/2006/math" xmlns="" val="1"/>
             </a:ext>
           </a:extLst>
         </p:spPr>
@@ -3166,7 +3252,7 @@
           </a:ln>
           <a:extLst>
             <a:ext uri="{C572A759-6A51-4108-AA02-DFA0A04FC94B}">
-              <ma14:wrappingTextBoxFlag xmlns:ma14="http://schemas.microsoft.com/office/mac/drawingml/2011/main" val="1"/>
+              <ma14:wrappingTextBoxFlag xmlns:ma14="http://schemas.microsoft.com/office/mac/drawingml/2011/main" xmlns:a14="http://schemas.microsoft.com/office/drawing/2010/main" xmlns:m="http://schemas.openxmlformats.org/officeDocument/2006/math" xmlns="" val="1"/>
             </a:ext>
           </a:extLst>
         </p:spPr>
@@ -3276,6 +3362,7 @@
                 <a:sym typeface="Helvetica"/>
               </a:defRPr>
             </a:pPr>
+            <a:endParaRPr/>
           </a:p>
           <a:p>
             <a:pPr algn="l" defTabSz="457200">
@@ -3307,6 +3394,7 @@
                 <a:sym typeface="Helvetica"/>
               </a:defRPr>
             </a:pPr>
+            <a:endParaRPr/>
           </a:p>
           <a:p>
             <a:pPr algn="l" defTabSz="457200">
@@ -3556,12 +3644,12 @@
   <p:clrMapOvr>
     <a:masterClrMapping/>
   </p:clrMapOvr>
-  <p:transition xmlns:p14="http://schemas.microsoft.com/office/powerpoint/2010/main" spd="med" advClick="1"/>
+  <p:transition spd="med"/>
 </p:sld>
 </file>
 
 <file path=ppt/slides/slide11.xml><?xml version="1.0" encoding="utf-8"?>
-<p:sld xmlns:a="http://schemas.openxmlformats.org/drawingml/2006/main" xmlns:r="http://schemas.openxmlformats.org/officeDocument/2006/relationships" xmlns:p="http://schemas.openxmlformats.org/presentationml/2006/main" xmlns:m="http://schemas.openxmlformats.org/officeDocument/2006/math" xmlns:a14="http://schemas.microsoft.com/office/drawing/2010/main" showMasterSp="1" showMasterPhAnim="1">
+<p:sld xmlns:a="http://schemas.openxmlformats.org/drawingml/2006/main" xmlns:r="http://schemas.openxmlformats.org/officeDocument/2006/relationships" xmlns:p="http://schemas.openxmlformats.org/presentationml/2006/main">
   <p:cSld>
     <p:spTree>
       <p:nvGrpSpPr>
@@ -3596,7 +3684,7 @@
           </a:ln>
           <a:extLst>
             <a:ext uri="{C572A759-6A51-4108-AA02-DFA0A04FC94B}">
-              <ma14:wrappingTextBoxFlag xmlns:ma14="http://schemas.microsoft.com/office/mac/drawingml/2011/main" val="1"/>
+              <ma14:wrappingTextBoxFlag xmlns:ma14="http://schemas.microsoft.com/office/mac/drawingml/2011/main" xmlns:a14="http://schemas.microsoft.com/office/drawing/2010/main" xmlns:m="http://schemas.openxmlformats.org/officeDocument/2006/math" xmlns="" val="1"/>
             </a:ext>
           </a:extLst>
         </p:spPr>
@@ -3655,7 +3743,7 @@
           </a:ln>
           <a:extLst>
             <a:ext uri="{C572A759-6A51-4108-AA02-DFA0A04FC94B}">
-              <ma14:wrappingTextBoxFlag xmlns:ma14="http://schemas.microsoft.com/office/mac/drawingml/2011/main" val="1"/>
+              <ma14:wrappingTextBoxFlag xmlns:ma14="http://schemas.microsoft.com/office/mac/drawingml/2011/main" xmlns:a14="http://schemas.microsoft.com/office/drawing/2010/main" xmlns:m="http://schemas.openxmlformats.org/officeDocument/2006/math" xmlns="" val="1"/>
             </a:ext>
           </a:extLst>
         </p:spPr>
@@ -3714,6 +3802,7 @@
                 <a:sym typeface="Helvetica"/>
               </a:defRPr>
             </a:pPr>
+            <a:endParaRPr/>
           </a:p>
         </p:txBody>
       </p:sp>
@@ -3722,12 +3811,12 @@
   <p:clrMapOvr>
     <a:masterClrMapping/>
   </p:clrMapOvr>
-  <p:transition xmlns:p14="http://schemas.microsoft.com/office/powerpoint/2010/main" spd="med" advClick="1"/>
+  <p:transition spd="med"/>
 </p:sld>
 </file>
 
 <file path=ppt/slides/slide12.xml><?xml version="1.0" encoding="utf-8"?>
-<p:sld xmlns:a="http://schemas.openxmlformats.org/drawingml/2006/main" xmlns:r="http://schemas.openxmlformats.org/officeDocument/2006/relationships" xmlns:p="http://schemas.openxmlformats.org/presentationml/2006/main" xmlns:m="http://schemas.openxmlformats.org/officeDocument/2006/math" xmlns:a14="http://schemas.microsoft.com/office/drawing/2010/main" showMasterSp="1" showMasterPhAnim="1">
+<p:sld xmlns:a="http://schemas.openxmlformats.org/drawingml/2006/main" xmlns:r="http://schemas.openxmlformats.org/officeDocument/2006/relationships" xmlns:p="http://schemas.openxmlformats.org/presentationml/2006/main">
   <p:cSld>
     <p:spTree>
       <p:nvGrpSpPr>
@@ -3762,7 +3851,7 @@
           </a:ln>
           <a:extLst>
             <a:ext uri="{C572A759-6A51-4108-AA02-DFA0A04FC94B}">
-              <ma14:wrappingTextBoxFlag xmlns:ma14="http://schemas.microsoft.com/office/mac/drawingml/2011/main" val="1"/>
+              <ma14:wrappingTextBoxFlag xmlns:ma14="http://schemas.microsoft.com/office/mac/drawingml/2011/main" xmlns:a14="http://schemas.microsoft.com/office/drawing/2010/main" xmlns:m="http://schemas.openxmlformats.org/officeDocument/2006/math" xmlns="" val="1"/>
             </a:ext>
           </a:extLst>
         </p:spPr>
@@ -3821,7 +3910,7 @@
           </a:ln>
           <a:extLst>
             <a:ext uri="{C572A759-6A51-4108-AA02-DFA0A04FC94B}">
-              <ma14:wrappingTextBoxFlag xmlns:ma14="http://schemas.microsoft.com/office/mac/drawingml/2011/main" val="1"/>
+              <ma14:wrappingTextBoxFlag xmlns:ma14="http://schemas.microsoft.com/office/mac/drawingml/2011/main" xmlns:a14="http://schemas.microsoft.com/office/drawing/2010/main" xmlns:m="http://schemas.openxmlformats.org/officeDocument/2006/math" xmlns="" val="1"/>
             </a:ext>
           </a:extLst>
         </p:spPr>
@@ -3832,7 +3921,7 @@
           <a:lstStyle/>
           <a:p>
             <a:pPr algn="l" defTabSz="457200">
-              <a:defRPr b="1" sz="3500">
+              <a:defRPr sz="3500" b="1">
                 <a:solidFill>
                   <a:srgbClr val="FA1116"/>
                 </a:solidFill>
@@ -3855,6 +3944,7 @@
                 <a:sym typeface="Helvetica"/>
               </a:defRPr>
             </a:pPr>
+            <a:endParaRPr/>
           </a:p>
           <a:p>
             <a:pPr algn="l" defTabSz="457200">
@@ -3928,6 +4018,7 @@
                 <a:sym typeface="Consolas"/>
               </a:defRPr>
             </a:pPr>
+            <a:endParaRPr/>
           </a:p>
           <a:p>
             <a:pPr algn="l" defTabSz="457200">
@@ -4073,6 +4164,7 @@
                 <a:sym typeface="Helvetica"/>
               </a:defRPr>
             </a:pPr>
+            <a:endParaRPr/>
           </a:p>
           <a:p>
             <a:pPr algn="l" defTabSz="457200">
@@ -4135,6 +4227,7 @@
                 <a:sym typeface="Helvetica"/>
               </a:defRPr>
             </a:pPr>
+            <a:endParaRPr/>
           </a:p>
           <a:p>
             <a:pPr algn="l" defTabSz="457200">
@@ -4204,6 +4297,7 @@
                 <a:sym typeface="Monaco"/>
               </a:defRPr>
             </a:pPr>
+            <a:endParaRPr/>
           </a:p>
           <a:p>
             <a:pPr algn="l" defTabSz="457200">
@@ -4235,6 +4329,7 @@
                 <a:sym typeface="Helvetica"/>
               </a:defRPr>
             </a:pPr>
+            <a:endParaRPr/>
           </a:p>
           <a:p>
             <a:pPr algn="l" defTabSz="457200">
@@ -4277,12 +4372,12 @@
   <p:clrMapOvr>
     <a:masterClrMapping/>
   </p:clrMapOvr>
-  <p:transition xmlns:p14="http://schemas.microsoft.com/office/powerpoint/2010/main" spd="med" advClick="1"/>
+  <p:transition spd="med"/>
 </p:sld>
 </file>
 
 <file path=ppt/slides/slide13.xml><?xml version="1.0" encoding="utf-8"?>
-<p:sld xmlns:a="http://schemas.openxmlformats.org/drawingml/2006/main" xmlns:r="http://schemas.openxmlformats.org/officeDocument/2006/relationships" xmlns:p="http://schemas.openxmlformats.org/presentationml/2006/main" xmlns:m="http://schemas.openxmlformats.org/officeDocument/2006/math" xmlns:a14="http://schemas.microsoft.com/office/drawing/2010/main" showMasterSp="1" showMasterPhAnim="1">
+<p:sld xmlns:a="http://schemas.openxmlformats.org/drawingml/2006/main" xmlns:r="http://schemas.openxmlformats.org/officeDocument/2006/relationships" xmlns:p="http://schemas.openxmlformats.org/presentationml/2006/main">
   <p:cSld>
     <p:spTree>
       <p:nvGrpSpPr>
@@ -4317,7 +4412,7 @@
           </a:ln>
           <a:extLst>
             <a:ext uri="{C572A759-6A51-4108-AA02-DFA0A04FC94B}">
-              <ma14:wrappingTextBoxFlag xmlns:ma14="http://schemas.microsoft.com/office/mac/drawingml/2011/main" val="1"/>
+              <ma14:wrappingTextBoxFlag xmlns:ma14="http://schemas.microsoft.com/office/mac/drawingml/2011/main" xmlns:a14="http://schemas.microsoft.com/office/drawing/2010/main" xmlns:m="http://schemas.openxmlformats.org/officeDocument/2006/math" xmlns="" val="1"/>
             </a:ext>
           </a:extLst>
         </p:spPr>
@@ -4376,7 +4471,7 @@
           </a:ln>
           <a:extLst>
             <a:ext uri="{C572A759-6A51-4108-AA02-DFA0A04FC94B}">
-              <ma14:wrappingTextBoxFlag xmlns:ma14="http://schemas.microsoft.com/office/mac/drawingml/2011/main" val="1"/>
+              <ma14:wrappingTextBoxFlag xmlns:ma14="http://schemas.microsoft.com/office/mac/drawingml/2011/main" xmlns:a14="http://schemas.microsoft.com/office/drawing/2010/main" xmlns:m="http://schemas.openxmlformats.org/officeDocument/2006/math" xmlns="" val="1"/>
             </a:ext>
           </a:extLst>
         </p:spPr>
@@ -4387,7 +4482,7 @@
           <a:lstStyle/>
           <a:p>
             <a:pPr algn="l" defTabSz="457200">
-              <a:defRPr b="1" sz="3500">
+              <a:defRPr sz="3500" b="1">
                 <a:solidFill>
                   <a:srgbClr val="FA1116"/>
                 </a:solidFill>
@@ -4403,7 +4498,7 @@
           </a:p>
           <a:p>
             <a:pPr algn="l" defTabSz="457200">
-              <a:defRPr b="1" sz="3500">
+              <a:defRPr sz="3500" b="1">
                 <a:solidFill>
                   <a:schemeClr val="accent5">
                     <a:hueOff val="-444211"/>
@@ -4417,6 +4512,7 @@
                 <a:sym typeface="Helvetica"/>
               </a:defRPr>
             </a:pPr>
+            <a:endParaRPr/>
           </a:p>
           <a:p>
             <a:pPr algn="l" defTabSz="457200">
@@ -4490,6 +4586,7 @@
                 <a:sym typeface="Consolas"/>
               </a:defRPr>
             </a:pPr>
+            <a:endParaRPr/>
           </a:p>
           <a:p>
             <a:pPr algn="l" defTabSz="457200">
@@ -4711,6 +4808,7 @@
                 <a:sym typeface="Helvetica"/>
               </a:defRPr>
             </a:pPr>
+            <a:endParaRPr/>
           </a:p>
           <a:p>
             <a:pPr algn="l" defTabSz="457200">
@@ -4753,12 +4851,12 @@
   <p:clrMapOvr>
     <a:masterClrMapping/>
   </p:clrMapOvr>
-  <p:transition xmlns:p14="http://schemas.microsoft.com/office/powerpoint/2010/main" spd="med" advClick="1"/>
+  <p:transition spd="med"/>
 </p:sld>
 </file>
 
 <file path=ppt/slides/slide14.xml><?xml version="1.0" encoding="utf-8"?>
-<p:sld xmlns:a="http://schemas.openxmlformats.org/drawingml/2006/main" xmlns:r="http://schemas.openxmlformats.org/officeDocument/2006/relationships" xmlns:p="http://schemas.openxmlformats.org/presentationml/2006/main" xmlns:m="http://schemas.openxmlformats.org/officeDocument/2006/math" xmlns:a14="http://schemas.microsoft.com/office/drawing/2010/main" showMasterSp="1" showMasterPhAnim="1">
+<p:sld xmlns:a="http://schemas.openxmlformats.org/drawingml/2006/main" xmlns:r="http://schemas.openxmlformats.org/officeDocument/2006/relationships" xmlns:p="http://schemas.openxmlformats.org/presentationml/2006/main">
   <p:cSld>
     <p:spTree>
       <p:nvGrpSpPr>
@@ -4793,7 +4891,7 @@
           </a:ln>
           <a:extLst>
             <a:ext uri="{C572A759-6A51-4108-AA02-DFA0A04FC94B}">
-              <ma14:wrappingTextBoxFlag xmlns:ma14="http://schemas.microsoft.com/office/mac/drawingml/2011/main" val="1"/>
+              <ma14:wrappingTextBoxFlag xmlns:ma14="http://schemas.microsoft.com/office/mac/drawingml/2011/main" xmlns:a14="http://schemas.microsoft.com/office/drawing/2010/main" xmlns:m="http://schemas.openxmlformats.org/officeDocument/2006/math" xmlns="" val="1"/>
             </a:ext>
           </a:extLst>
         </p:spPr>
@@ -4852,7 +4950,7 @@
           </a:ln>
           <a:extLst>
             <a:ext uri="{C572A759-6A51-4108-AA02-DFA0A04FC94B}">
-              <ma14:wrappingTextBoxFlag xmlns:ma14="http://schemas.microsoft.com/office/mac/drawingml/2011/main" val="1"/>
+              <ma14:wrappingTextBoxFlag xmlns:ma14="http://schemas.microsoft.com/office/mac/drawingml/2011/main" xmlns:a14="http://schemas.microsoft.com/office/drawing/2010/main" xmlns:m="http://schemas.openxmlformats.org/officeDocument/2006/math" xmlns="" val="1"/>
             </a:ext>
           </a:extLst>
         </p:spPr>
@@ -4863,7 +4961,7 @@
           <a:lstStyle/>
           <a:p>
             <a:pPr algn="l" defTabSz="457200">
-              <a:defRPr b="1" sz="3500">
+              <a:defRPr sz="3500" b="1">
                 <a:solidFill>
                   <a:srgbClr val="FA1116"/>
                 </a:solidFill>
@@ -4879,7 +4977,7 @@
           </a:p>
           <a:p>
             <a:pPr algn="l" defTabSz="457200">
-              <a:defRPr b="1" sz="3500">
+              <a:defRPr sz="3500" b="1">
                 <a:solidFill>
                   <a:schemeClr val="accent5">
                     <a:hueOff val="-444211"/>
@@ -4893,6 +4991,7 @@
                 <a:sym typeface="Helvetica"/>
               </a:defRPr>
             </a:pPr>
+            <a:endParaRPr/>
           </a:p>
           <a:p>
             <a:pPr algn="l" defTabSz="457200">
@@ -4929,6 +5028,7 @@
                 <a:sym typeface="Helvetica"/>
               </a:defRPr>
             </a:pPr>
+            <a:endParaRPr/>
           </a:p>
           <a:p>
             <a:pPr algn="l" defTabSz="457200">
@@ -5116,6 +5216,7 @@
                 <a:sym typeface="Consolas"/>
               </a:defRPr>
             </a:pPr>
+            <a:endParaRPr/>
           </a:p>
           <a:p>
             <a:pPr algn="l" defTabSz="457200">
@@ -5261,6 +5362,7 @@
                 <a:sym typeface="Monaco"/>
               </a:defRPr>
             </a:pPr>
+            <a:endParaRPr/>
           </a:p>
           <a:p>
             <a:pPr algn="l" defTabSz="457200">
@@ -5292,6 +5394,7 @@
                 <a:sym typeface="Helvetica"/>
               </a:defRPr>
             </a:pPr>
+            <a:endParaRPr/>
           </a:p>
           <a:p>
             <a:pPr algn="l" defTabSz="457200">
@@ -5334,12 +5437,12 @@
   <p:clrMapOvr>
     <a:masterClrMapping/>
   </p:clrMapOvr>
-  <p:transition xmlns:p14="http://schemas.microsoft.com/office/powerpoint/2010/main" spd="med" advClick="1"/>
+  <p:transition spd="med"/>
 </p:sld>
 </file>
 
 <file path=ppt/slides/slide15.xml><?xml version="1.0" encoding="utf-8"?>
-<p:sld xmlns:a="http://schemas.openxmlformats.org/drawingml/2006/main" xmlns:r="http://schemas.openxmlformats.org/officeDocument/2006/relationships" xmlns:p="http://schemas.openxmlformats.org/presentationml/2006/main" xmlns:m="http://schemas.openxmlformats.org/officeDocument/2006/math" xmlns:a14="http://schemas.microsoft.com/office/drawing/2010/main" showMasterSp="1" showMasterPhAnim="1">
+<p:sld xmlns:a="http://schemas.openxmlformats.org/drawingml/2006/main" xmlns:r="http://schemas.openxmlformats.org/officeDocument/2006/relationships" xmlns:p="http://schemas.openxmlformats.org/presentationml/2006/main">
   <p:cSld>
     <p:spTree>
       <p:nvGrpSpPr>
@@ -5391,7 +5494,7 @@
             <a:effectLst/>
             <a:extLst>
               <a:ext uri="{C572A759-6A51-4108-AA02-DFA0A04FC94B}">
-                <ma14:wrappingTextBoxFlag xmlns:ma14="http://schemas.microsoft.com/office/mac/drawingml/2011/main" val="1"/>
+                <ma14:wrappingTextBoxFlag xmlns:ma14="http://schemas.microsoft.com/office/mac/drawingml/2011/main" xmlns:a14="http://schemas.microsoft.com/office/drawing/2010/main" xmlns:m="http://schemas.openxmlformats.org/officeDocument/2006/math" xmlns="" val="1"/>
               </a:ext>
             </a:extLst>
           </p:spPr>
@@ -5413,7 +5516,6 @@
               </a:lvl1pPr>
             </a:lstStyle>
             <a:p>
-              <a:pPr/>
               <a:r>
                 <a:t>Thank</a:t>
               </a:r>
@@ -5446,7 +5548,7 @@
             <a:effectLst/>
             <a:extLst>
               <a:ext uri="{C572A759-6A51-4108-AA02-DFA0A04FC94B}">
-                <ma14:wrappingTextBoxFlag xmlns:ma14="http://schemas.microsoft.com/office/mac/drawingml/2011/main" val="1"/>
+                <ma14:wrappingTextBoxFlag xmlns:ma14="http://schemas.microsoft.com/office/mac/drawingml/2011/main" xmlns:a14="http://schemas.microsoft.com/office/drawing/2010/main" xmlns:m="http://schemas.openxmlformats.org/officeDocument/2006/math" xmlns="" val="1"/>
               </a:ext>
             </a:extLst>
           </p:spPr>
@@ -5468,7 +5570,6 @@
               </a:lvl1pPr>
             </a:lstStyle>
             <a:p>
-              <a:pPr/>
               <a:r>
                 <a:t>you.</a:t>
               </a:r>
@@ -5485,9 +5586,7 @@
           <p:nvPr/>
         </p:nvPicPr>
         <p:blipFill>
-          <a:blip r:embed="rId2">
-            <a:extLst/>
-          </a:blip>
+          <a:blip r:embed="rId2"/>
           <a:stretch>
             <a:fillRect/>
           </a:stretch>
@@ -5510,12 +5609,12 @@
   <p:clrMapOvr>
     <a:masterClrMapping/>
   </p:clrMapOvr>
-  <p:transition xmlns:p14="http://schemas.microsoft.com/office/powerpoint/2010/main" spd="med" advClick="1"/>
+  <p:transition spd="med"/>
 </p:sld>
 </file>
 
 <file path=ppt/slides/slide2.xml><?xml version="1.0" encoding="utf-8"?>
-<p:sld xmlns:a="http://schemas.openxmlformats.org/drawingml/2006/main" xmlns:r="http://schemas.openxmlformats.org/officeDocument/2006/relationships" xmlns:p="http://schemas.openxmlformats.org/presentationml/2006/main" xmlns:m="http://schemas.openxmlformats.org/officeDocument/2006/math" xmlns:a14="http://schemas.microsoft.com/office/drawing/2010/main" showMasterSp="1" showMasterPhAnim="1">
+<p:sld xmlns:a="http://schemas.openxmlformats.org/drawingml/2006/main" xmlns:r="http://schemas.openxmlformats.org/officeDocument/2006/relationships" xmlns:p="http://schemas.openxmlformats.org/presentationml/2006/main">
   <p:cSld>
     <p:spTree>
       <p:nvGrpSpPr>
@@ -5550,7 +5649,7 @@
           </a:ln>
           <a:extLst>
             <a:ext uri="{C572A759-6A51-4108-AA02-DFA0A04FC94B}">
-              <ma14:wrappingTextBoxFlag xmlns:ma14="http://schemas.microsoft.com/office/mac/drawingml/2011/main" val="1"/>
+              <ma14:wrappingTextBoxFlag xmlns:ma14="http://schemas.microsoft.com/office/mac/drawingml/2011/main" xmlns:a14="http://schemas.microsoft.com/office/drawing/2010/main" xmlns:m="http://schemas.openxmlformats.org/officeDocument/2006/math" xmlns="" val="1"/>
             </a:ext>
           </a:extLst>
         </p:spPr>
@@ -5609,7 +5708,7 @@
           </a:ln>
           <a:extLst>
             <a:ext uri="{C572A759-6A51-4108-AA02-DFA0A04FC94B}">
-              <ma14:wrappingTextBoxFlag xmlns:ma14="http://schemas.microsoft.com/office/mac/drawingml/2011/main" val="1"/>
+              <ma14:wrappingTextBoxFlag xmlns:ma14="http://schemas.microsoft.com/office/mac/drawingml/2011/main" xmlns:a14="http://schemas.microsoft.com/office/drawing/2010/main" xmlns:m="http://schemas.openxmlformats.org/officeDocument/2006/math" xmlns="" val="1"/>
             </a:ext>
           </a:extLst>
         </p:spPr>
@@ -5628,20 +5727,23 @@
               </a:defRPr>
             </a:pPr>
             <a:r>
+              <a:rPr dirty="0"/>
               <a:t>A </a:t>
             </a:r>
             <a:r>
-              <a:rPr b="1"/>
+              <a:rPr b="1" dirty="0"/>
               <a:t>collection</a:t>
             </a:r>
             <a:r>
+              <a:rPr dirty="0"/>
               <a:t> of Ruby data (or list of values) called </a:t>
             </a:r>
             <a:r>
-              <a:rPr b="1"/>
+              <a:rPr b="1" dirty="0"/>
               <a:t>elements,</a:t>
             </a:r>
             <a:r>
+              <a:rPr dirty="0"/>
               <a:t> separated by commas, which may be stored in a variable</a:t>
             </a:r>
           </a:p>
@@ -5654,6 +5756,7 @@
                 <a:sym typeface="Helvetica"/>
               </a:defRPr>
             </a:pPr>
+            <a:endParaRPr dirty="0"/>
           </a:p>
           <a:p>
             <a:pPr algn="l" defTabSz="457200">
@@ -5665,6 +5768,7 @@
               </a:defRPr>
             </a:pPr>
             <a:r>
+              <a:rPr dirty="0"/>
               <a:t>An Array is defined with square brackets [ ]</a:t>
             </a:r>
           </a:p>
@@ -5677,6 +5781,7 @@
                 <a:sym typeface="Helvetica"/>
               </a:defRPr>
             </a:pPr>
+            <a:endParaRPr dirty="0"/>
           </a:p>
           <a:p>
             <a:pPr algn="l" defTabSz="457200">
@@ -5688,41 +5793,51 @@
               </a:defRPr>
             </a:pPr>
             <a:r>
+              <a:rPr dirty="0"/>
               <a:t>Arrays may contain: </a:t>
             </a:r>
             <a:r>
-              <a:rPr b="1"/>
+              <a:rPr b="1" dirty="0"/>
               <a:t>numbers</a:t>
             </a:r>
             <a:r>
+              <a:rPr dirty="0"/>
               <a:t> (in any order, repeated or not), </a:t>
             </a:r>
             <a:r>
-              <a:rPr b="1"/>
+              <a:rPr b="1" dirty="0"/>
               <a:t>strings</a:t>
             </a:r>
             <a:r>
+              <a:rPr dirty="0"/>
               <a:t>, </a:t>
             </a:r>
             <a:r>
-              <a:rPr b="1"/>
-              <a:t>booleans, symbols</a:t>
-            </a:r>
-            <a:r>
+              <a:rPr b="1" dirty="0" err="1"/>
+              <a:t>booleans</a:t>
+            </a:r>
+            <a:r>
+              <a:rPr b="1" dirty="0"/>
+              <a:t>, symbols</a:t>
+            </a:r>
+            <a:r>
+              <a:rPr dirty="0"/>
               <a:t> and even… </a:t>
             </a:r>
             <a:r>
-              <a:rPr b="1"/>
+              <a:rPr b="1" dirty="0"/>
               <a:t>other arrays</a:t>
             </a:r>
             <a:r>
+              <a:rPr dirty="0"/>
               <a:t>! :) (arrays of arrays are called </a:t>
             </a:r>
             <a:r>
-              <a:rPr i="1"/>
+              <a:rPr i="1" dirty="0"/>
               <a:t>multidimensional arrays</a:t>
             </a:r>
             <a:r>
+              <a:rPr dirty="0"/>
               <a:t>)</a:t>
             </a:r>
           </a:p>
@@ -5735,6 +5850,7 @@
                 <a:sym typeface="Helvetica"/>
               </a:defRPr>
             </a:pPr>
+            <a:endParaRPr dirty="0"/>
           </a:p>
           <a:p>
             <a:pPr algn="l" defTabSz="457200">
@@ -5771,7 +5887,12 @@
               </a:defRPr>
             </a:pPr>
             <a:r>
-              <a:t>an_array = [“Bob”, “Joe”, “Zack”]</a:t>
+              <a:rPr dirty="0" err="1"/>
+              <a:t>an_array</a:t>
+            </a:r>
+            <a:r>
+              <a:rPr dirty="0"/>
+              <a:t> = [“Bob”, “Joe”, “Zack”]</a:t>
             </a:r>
           </a:p>
           <a:p>
@@ -5808,6 +5929,7 @@
                 <a:sym typeface="Consolas"/>
               </a:defRPr>
             </a:pPr>
+            <a:endParaRPr dirty="0"/>
           </a:p>
           <a:p>
             <a:pPr algn="l" defTabSz="457200">
@@ -5844,7 +5966,12 @@
               </a:defRPr>
             </a:pPr>
             <a:r>
-              <a:t>another_array = [1, 7, 16]</a:t>
+              <a:rPr dirty="0" err="1"/>
+              <a:t>another_array</a:t>
+            </a:r>
+            <a:r>
+              <a:rPr dirty="0"/>
+              <a:t> = [1, 7, 16]</a:t>
             </a:r>
           </a:p>
         </p:txBody>
@@ -5854,12 +5981,12 @@
   <p:clrMapOvr>
     <a:masterClrMapping/>
   </p:clrMapOvr>
-  <p:transition xmlns:p14="http://schemas.microsoft.com/office/powerpoint/2010/main" spd="med" advClick="1"/>
+  <p:transition spd="med"/>
 </p:sld>
 </file>
 
 <file path=ppt/slides/slide3.xml><?xml version="1.0" encoding="utf-8"?>
-<p:sld xmlns:a="http://schemas.openxmlformats.org/drawingml/2006/main" xmlns:r="http://schemas.openxmlformats.org/officeDocument/2006/relationships" xmlns:p="http://schemas.openxmlformats.org/presentationml/2006/main" xmlns:m="http://schemas.openxmlformats.org/officeDocument/2006/math" xmlns:a14="http://schemas.microsoft.com/office/drawing/2010/main" showMasterSp="1" showMasterPhAnim="1">
+<p:sld xmlns:a="http://schemas.openxmlformats.org/drawingml/2006/main" xmlns:r="http://schemas.openxmlformats.org/officeDocument/2006/relationships" xmlns:p="http://schemas.openxmlformats.org/presentationml/2006/main">
   <p:cSld>
     <p:spTree>
       <p:nvGrpSpPr>
@@ -5894,7 +6021,7 @@
           </a:ln>
           <a:extLst>
             <a:ext uri="{C572A759-6A51-4108-AA02-DFA0A04FC94B}">
-              <ma14:wrappingTextBoxFlag xmlns:ma14="http://schemas.microsoft.com/office/mac/drawingml/2011/main" val="1"/>
+              <ma14:wrappingTextBoxFlag xmlns:ma14="http://schemas.microsoft.com/office/mac/drawingml/2011/main" xmlns:a14="http://schemas.microsoft.com/office/drawing/2010/main" xmlns:m="http://schemas.openxmlformats.org/officeDocument/2006/math" xmlns="" val="1"/>
             </a:ext>
           </a:extLst>
         </p:spPr>
@@ -5961,7 +6088,7 @@
           </a:ln>
           <a:extLst>
             <a:ext uri="{C572A759-6A51-4108-AA02-DFA0A04FC94B}">
-              <ma14:wrappingTextBoxFlag xmlns:ma14="http://schemas.microsoft.com/office/mac/drawingml/2011/main" val="1"/>
+              <ma14:wrappingTextBoxFlag xmlns:ma14="http://schemas.microsoft.com/office/mac/drawingml/2011/main" xmlns:a14="http://schemas.microsoft.com/office/drawing/2010/main" xmlns:m="http://schemas.openxmlformats.org/officeDocument/2006/math" xmlns="" val="1"/>
             </a:ext>
           </a:extLst>
         </p:spPr>
@@ -5980,6 +6107,7 @@
               </a:defRPr>
             </a:pPr>
             <a:r>
+              <a:rPr dirty="0"/>
               <a:t>Creating new arrays</a:t>
             </a:r>
           </a:p>
@@ -5992,6 +6120,7 @@
                 <a:sym typeface="Helvetica"/>
               </a:defRPr>
             </a:pPr>
+            <a:endParaRPr dirty="0"/>
           </a:p>
           <a:p>
             <a:pPr algn="l" defTabSz="457200">
@@ -6028,7 +6157,12 @@
               </a:defRPr>
             </a:pPr>
             <a:r>
-              <a:t>my_array = [ ]</a:t>
+              <a:rPr dirty="0" err="1"/>
+              <a:t>my_array</a:t>
+            </a:r>
+            <a:r>
+              <a:rPr dirty="0"/>
+              <a:t> = [ ]</a:t>
             </a:r>
           </a:p>
           <a:p>
@@ -6066,7 +6200,12 @@
               </a:defRPr>
             </a:pPr>
             <a:r>
-              <a:t>my_other_array = [1, 2, 3, 7, 10]</a:t>
+              <a:rPr dirty="0" err="1"/>
+              <a:t>my_other_array</a:t>
+            </a:r>
+            <a:r>
+              <a:rPr dirty="0"/>
+              <a:t> = [1, 2, 3, 7, 10]</a:t>
             </a:r>
           </a:p>
           <a:p>
@@ -6100,6 +6239,7 @@
               </a:defRPr>
             </a:pPr>
             <a:r>
+              <a:rPr dirty="0"/>
               <a:t># Index           0  1  2  3  4</a:t>
             </a:r>
           </a:p>
@@ -6112,6 +6252,7 @@
                 <a:sym typeface="Helvetica"/>
               </a:defRPr>
             </a:pPr>
+            <a:endParaRPr dirty="0"/>
           </a:p>
           <a:p>
             <a:pPr algn="l" defTabSz="457200">
@@ -6123,17 +6264,17 @@
               </a:defRPr>
             </a:pPr>
             <a:r>
+              <a:rPr dirty="0"/>
               <a:t>Each element in the array is located at what is called an </a:t>
             </a:r>
             <a:r>
-              <a:rPr b="1"/>
+              <a:rPr b="1" dirty="0"/>
               <a:t>index</a:t>
             </a:r>
             <a:r>
-              <a:rPr i="1"/>
+              <a:rPr i="1" dirty="0"/>
               <a:t> </a:t>
             </a:r>
-            <a:endParaRPr i="1"/>
           </a:p>
           <a:p>
             <a:pPr algn="l" defTabSz="457200">
@@ -6144,7 +6285,7 @@
                 <a:sym typeface="Helvetica"/>
               </a:defRPr>
             </a:pPr>
-            <a:endParaRPr i="1"/>
+            <a:endParaRPr i="1" dirty="0"/>
           </a:p>
           <a:p>
             <a:pPr algn="l" defTabSz="457200">
@@ -6156,27 +6297,31 @@
               </a:defRPr>
             </a:pPr>
             <a:r>
+              <a:rPr dirty="0"/>
               <a:t>The first element is at index </a:t>
             </a:r>
             <a:r>
-              <a:rPr b="1"/>
+              <a:rPr b="1" dirty="0"/>
               <a:t>0</a:t>
             </a:r>
             <a:r>
+              <a:rPr dirty="0"/>
               <a:t>, the next is at index </a:t>
             </a:r>
             <a:r>
-              <a:rPr b="1"/>
+              <a:rPr b="1" dirty="0"/>
               <a:t>1</a:t>
             </a:r>
             <a:r>
+              <a:rPr dirty="0"/>
               <a:t>, the following is at index </a:t>
             </a:r>
             <a:r>
-              <a:rPr b="1"/>
+              <a:rPr b="1" dirty="0"/>
               <a:t>2</a:t>
             </a:r>
             <a:r>
+              <a:rPr dirty="0"/>
               <a:t>, and so on. </a:t>
             </a:r>
           </a:p>
@@ -6189,6 +6334,7 @@
                 <a:sym typeface="Helvetica"/>
               </a:defRPr>
             </a:pPr>
+            <a:endParaRPr dirty="0"/>
           </a:p>
         </p:txBody>
       </p:sp>
@@ -6197,12 +6343,12 @@
   <p:clrMapOvr>
     <a:masterClrMapping/>
   </p:clrMapOvr>
-  <p:transition xmlns:p14="http://schemas.microsoft.com/office/powerpoint/2010/main" spd="med" advClick="1"/>
+  <p:transition spd="med"/>
 </p:sld>
 </file>
 
 <file path=ppt/slides/slide4.xml><?xml version="1.0" encoding="utf-8"?>
-<p:sld xmlns:a="http://schemas.openxmlformats.org/drawingml/2006/main" xmlns:r="http://schemas.openxmlformats.org/officeDocument/2006/relationships" xmlns:p="http://schemas.openxmlformats.org/presentationml/2006/main" xmlns:m="http://schemas.openxmlformats.org/officeDocument/2006/math" xmlns:a14="http://schemas.microsoft.com/office/drawing/2010/main" showMasterSp="1" showMasterPhAnim="1">
+<p:sld xmlns:a="http://schemas.openxmlformats.org/drawingml/2006/main" xmlns:r="http://schemas.openxmlformats.org/officeDocument/2006/relationships" xmlns:p="http://schemas.openxmlformats.org/presentationml/2006/main">
   <p:cSld>
     <p:spTree>
       <p:nvGrpSpPr>
@@ -6237,7 +6383,7 @@
           </a:ln>
           <a:extLst>
             <a:ext uri="{C572A759-6A51-4108-AA02-DFA0A04FC94B}">
-              <ma14:wrappingTextBoxFlag xmlns:ma14="http://schemas.microsoft.com/office/mac/drawingml/2011/main" val="1"/>
+              <ma14:wrappingTextBoxFlag xmlns:ma14="http://schemas.microsoft.com/office/mac/drawingml/2011/main" xmlns:a14="http://schemas.microsoft.com/office/drawing/2010/main" xmlns:m="http://schemas.openxmlformats.org/officeDocument/2006/math" xmlns="" val="1"/>
             </a:ext>
           </a:extLst>
         </p:spPr>
@@ -6304,7 +6450,7 @@
           </a:ln>
           <a:extLst>
             <a:ext uri="{C572A759-6A51-4108-AA02-DFA0A04FC94B}">
-              <ma14:wrappingTextBoxFlag xmlns:ma14="http://schemas.microsoft.com/office/mac/drawingml/2011/main" val="1"/>
+              <ma14:wrappingTextBoxFlag xmlns:ma14="http://schemas.microsoft.com/office/mac/drawingml/2011/main" xmlns:a14="http://schemas.microsoft.com/office/drawing/2010/main" xmlns:m="http://schemas.openxmlformats.org/officeDocument/2006/math" xmlns="" val="1"/>
             </a:ext>
           </a:extLst>
         </p:spPr>
@@ -6462,6 +6608,19 @@
                 <a:sym typeface="Helvetica"/>
               </a:defRPr>
             </a:pPr>
+            <a:endParaRPr>
+              <a:solidFill>
+                <a:schemeClr val="accent1">
+                  <a:hueOff val="273561"/>
+                  <a:satOff val="2937"/>
+                  <a:lumOff val="-22233"/>
+                </a:schemeClr>
+              </a:solidFill>
+              <a:latin typeface="Consolas"/>
+              <a:ea typeface="Consolas"/>
+              <a:cs typeface="Consolas"/>
+              <a:sym typeface="Consolas"/>
+            </a:endParaRPr>
           </a:p>
           <a:p>
             <a:pPr algn="l" defTabSz="457200">
@@ -6493,6 +6652,19 @@
                 <a:sym typeface="Helvetica"/>
               </a:defRPr>
             </a:pPr>
+            <a:endParaRPr>
+              <a:solidFill>
+                <a:schemeClr val="accent1">
+                  <a:hueOff val="273561"/>
+                  <a:satOff val="2937"/>
+                  <a:lumOff val="-22233"/>
+                </a:schemeClr>
+              </a:solidFill>
+              <a:latin typeface="Consolas"/>
+              <a:ea typeface="Consolas"/>
+              <a:cs typeface="Consolas"/>
+              <a:sym typeface="Consolas"/>
+            </a:endParaRPr>
           </a:p>
           <a:p>
             <a:pPr algn="l" defTabSz="457200">
@@ -6638,12 +6810,12 @@
   <p:clrMapOvr>
     <a:masterClrMapping/>
   </p:clrMapOvr>
-  <p:transition xmlns:p14="http://schemas.microsoft.com/office/powerpoint/2010/main" spd="med" advClick="1"/>
+  <p:transition spd="med"/>
 </p:sld>
 </file>
 
 <file path=ppt/slides/slide5.xml><?xml version="1.0" encoding="utf-8"?>
-<p:sld xmlns:a="http://schemas.openxmlformats.org/drawingml/2006/main" xmlns:r="http://schemas.openxmlformats.org/officeDocument/2006/relationships" xmlns:p="http://schemas.openxmlformats.org/presentationml/2006/main" xmlns:m="http://schemas.openxmlformats.org/officeDocument/2006/math" xmlns:a14="http://schemas.microsoft.com/office/drawing/2010/main" showMasterSp="1" showMasterPhAnim="1">
+<p:sld xmlns:a="http://schemas.openxmlformats.org/drawingml/2006/main" xmlns:r="http://schemas.openxmlformats.org/officeDocument/2006/relationships" xmlns:p="http://schemas.openxmlformats.org/presentationml/2006/main">
   <p:cSld>
     <p:spTree>
       <p:nvGrpSpPr>
@@ -6678,7 +6850,7 @@
           </a:ln>
           <a:extLst>
             <a:ext uri="{C572A759-6A51-4108-AA02-DFA0A04FC94B}">
-              <ma14:wrappingTextBoxFlag xmlns:ma14="http://schemas.microsoft.com/office/mac/drawingml/2011/main" val="1"/>
+              <ma14:wrappingTextBoxFlag xmlns:ma14="http://schemas.microsoft.com/office/mac/drawingml/2011/main" xmlns:a14="http://schemas.microsoft.com/office/drawing/2010/main" xmlns:m="http://schemas.openxmlformats.org/officeDocument/2006/math" xmlns="" val="1"/>
             </a:ext>
           </a:extLst>
         </p:spPr>
@@ -6745,7 +6917,7 @@
           </a:ln>
           <a:extLst>
             <a:ext uri="{C572A759-6A51-4108-AA02-DFA0A04FC94B}">
-              <ma14:wrappingTextBoxFlag xmlns:ma14="http://schemas.microsoft.com/office/mac/drawingml/2011/main" val="1"/>
+              <ma14:wrappingTextBoxFlag xmlns:ma14="http://schemas.microsoft.com/office/mac/drawingml/2011/main" xmlns:a14="http://schemas.microsoft.com/office/drawing/2010/main" xmlns:m="http://schemas.openxmlformats.org/officeDocument/2006/math" xmlns="" val="1"/>
             </a:ext>
           </a:extLst>
         </p:spPr>
@@ -6885,11 +7057,6 @@
               </a:rPr>
               <a:t> </a:t>
             </a:r>
-            <a:endParaRPr>
-              <a:solidFill>
-                <a:srgbClr val="C0C0C0"/>
-              </a:solidFill>
-            </a:endParaRPr>
           </a:p>
           <a:p>
             <a:pPr marL="432152" indent="-432152" algn="l" defTabSz="457200">
@@ -7101,6 +7268,11 @@
                 <a:sym typeface="Consolas"/>
               </a:defRPr>
             </a:pPr>
+            <a:endParaRPr>
+              <a:solidFill>
+                <a:srgbClr val="C0C0C0"/>
+              </a:solidFill>
+            </a:endParaRPr>
           </a:p>
         </p:txBody>
       </p:sp>
@@ -7109,12 +7281,12 @@
   <p:clrMapOvr>
     <a:masterClrMapping/>
   </p:clrMapOvr>
-  <p:transition xmlns:p14="http://schemas.microsoft.com/office/powerpoint/2010/main" spd="med" advClick="1"/>
+  <p:transition spd="med"/>
 </p:sld>
 </file>
 
 <file path=ppt/slides/slide6.xml><?xml version="1.0" encoding="utf-8"?>
-<p:sld xmlns:a="http://schemas.openxmlformats.org/drawingml/2006/main" xmlns:r="http://schemas.openxmlformats.org/officeDocument/2006/relationships" xmlns:p="http://schemas.openxmlformats.org/presentationml/2006/main" xmlns:m="http://schemas.openxmlformats.org/officeDocument/2006/math" xmlns:a14="http://schemas.microsoft.com/office/drawing/2010/main" showMasterSp="1" showMasterPhAnim="1">
+<p:sld xmlns:a="http://schemas.openxmlformats.org/drawingml/2006/main" xmlns:r="http://schemas.openxmlformats.org/officeDocument/2006/relationships" xmlns:p="http://schemas.openxmlformats.org/presentationml/2006/main">
   <p:cSld>
     <p:spTree>
       <p:nvGrpSpPr>
@@ -7149,7 +7321,7 @@
           </a:ln>
           <a:extLst>
             <a:ext uri="{C572A759-6A51-4108-AA02-DFA0A04FC94B}">
-              <ma14:wrappingTextBoxFlag xmlns:ma14="http://schemas.microsoft.com/office/mac/drawingml/2011/main" val="1"/>
+              <ma14:wrappingTextBoxFlag xmlns:ma14="http://schemas.microsoft.com/office/mac/drawingml/2011/main" xmlns:a14="http://schemas.microsoft.com/office/drawing/2010/main" xmlns:m="http://schemas.openxmlformats.org/officeDocument/2006/math" xmlns="" val="1"/>
             </a:ext>
           </a:extLst>
         </p:spPr>
@@ -7205,8 +7377,8 @@
         </p:nvSpPr>
         <p:spPr>
           <a:xfrm>
-            <a:off x="767024" y="3000530"/>
-            <a:ext cx="12613284" cy="6159737"/>
+            <a:off x="767024" y="3133438"/>
+            <a:ext cx="12613284" cy="5893921"/>
           </a:xfrm>
           <a:prstGeom prst="rect">
             <a:avLst/>
@@ -7216,7 +7388,7 @@
           </a:ln>
           <a:extLst>
             <a:ext uri="{C572A759-6A51-4108-AA02-DFA0A04FC94B}">
-              <ma14:wrappingTextBoxFlag xmlns:ma14="http://schemas.microsoft.com/office/mac/drawingml/2011/main" val="1"/>
+              <ma14:wrappingTextBoxFlag xmlns:ma14="http://schemas.microsoft.com/office/mac/drawingml/2011/main" xmlns:a14="http://schemas.microsoft.com/office/drawing/2010/main" xmlns:m="http://schemas.openxmlformats.org/officeDocument/2006/math" xmlns="" val="1"/>
             </a:ext>
           </a:extLst>
         </p:spPr>
@@ -7235,7 +7407,7 @@
               </a:defRPr>
             </a:pPr>
             <a:r>
-              <a:rPr b="1">
+              <a:rPr b="1" dirty="0">
                 <a:solidFill>
                   <a:srgbClr val="FA1116"/>
                 </a:solidFill>
@@ -7243,6 +7415,7 @@
               <a:t>update</a:t>
             </a:r>
             <a:r>
+              <a:rPr dirty="0"/>
               <a:t> an element from an Array</a:t>
             </a:r>
           </a:p>
@@ -7281,7 +7454,12 @@
               </a:defRPr>
             </a:pPr>
             <a:r>
-              <a:t>my_array = [“Mariana”, “Zoe”, “Maria”, “Lucas”]</a:t>
+              <a:rPr dirty="0" err="1"/>
+              <a:t>my_array</a:t>
+            </a:r>
+            <a:r>
+              <a:rPr dirty="0"/>
+              <a:t> = [“Mariana”, “Zoe”, “Maria”, “Lucas”]</a:t>
             </a:r>
           </a:p>
           <a:p>
@@ -7319,7 +7497,12 @@
               </a:defRPr>
             </a:pPr>
             <a:r>
-              <a:t>my_array[0] = “João”</a:t>
+              <a:rPr dirty="0" err="1"/>
+              <a:t>my_array</a:t>
+            </a:r>
+            <a:r>
+              <a:rPr dirty="0"/>
+              <a:t>[0] = “João”</a:t>
             </a:r>
           </a:p>
           <a:p>
@@ -7356,6 +7539,7 @@
                 <a:sym typeface="Consolas"/>
               </a:defRPr>
             </a:pPr>
+            <a:endParaRPr dirty="0"/>
           </a:p>
           <a:p>
             <a:pPr algn="l" defTabSz="457200">
@@ -7392,8 +7576,14 @@
               </a:defRPr>
             </a:pPr>
             <a:r>
-              <a:t>p my_array</a:t>
-            </a:r>
+              <a:rPr dirty="0"/>
+              <a:t>p </a:t>
+            </a:r>
+            <a:r>
+              <a:rPr dirty="0" err="1"/>
+              <a:t>my_array</a:t>
+            </a:r>
+            <a:endParaRPr dirty="0"/>
           </a:p>
           <a:p>
             <a:pPr algn="l" defTabSz="457200">
@@ -7426,6 +7616,7 @@
               </a:defRPr>
             </a:pPr>
             <a:r>
+              <a:rPr dirty="0"/>
               <a:t># p shows us the true nature of the Object we are inspecting</a:t>
             </a:r>
           </a:p>
@@ -7459,6 +7650,7 @@
                 <a:sym typeface="Consolas"/>
               </a:defRPr>
             </a:pPr>
+            <a:endParaRPr dirty="0"/>
           </a:p>
           <a:p>
             <a:pPr algn="l" defTabSz="457200">
@@ -7491,6 +7683,7 @@
               </a:defRPr>
             </a:pPr>
             <a:r>
+              <a:rPr dirty="0"/>
               <a:t># Displays in the terminal:</a:t>
             </a:r>
           </a:p>
@@ -7525,7 +7718,16 @@
               </a:defRPr>
             </a:pPr>
             <a:r>
-              <a:t># [“Mariana”, “Zoe”, “Maria”, “Lucas”] </a:t>
+              <a:rPr dirty="0"/>
+              <a:t># [“</a:t>
+            </a:r>
+            <a:r>
+              <a:rPr lang="en-CA" dirty="0"/>
+              <a:t>João</a:t>
+            </a:r>
+            <a:r>
+              <a:rPr dirty="0"/>
+              <a:t>”, “Zoe”, “Maria”, “Lucas”] </a:t>
             </a:r>
           </a:p>
           <a:p>
@@ -7558,6 +7760,7 @@
                 <a:sym typeface="Consolas"/>
               </a:defRPr>
             </a:pPr>
+            <a:endParaRPr dirty="0"/>
           </a:p>
           <a:p>
             <a:pPr algn="l" defTabSz="457200">
@@ -7589,6 +7792,7 @@
                 <a:sym typeface="Consolas"/>
               </a:defRPr>
             </a:pPr>
+            <a:endParaRPr dirty="0"/>
           </a:p>
         </p:txBody>
       </p:sp>
@@ -7597,12 +7801,12 @@
   <p:clrMapOvr>
     <a:masterClrMapping/>
   </p:clrMapOvr>
-  <p:transition xmlns:p14="http://schemas.microsoft.com/office/powerpoint/2010/main" spd="med" advClick="1"/>
+  <p:transition spd="med"/>
 </p:sld>
 </file>
 
 <file path=ppt/slides/slide7.xml><?xml version="1.0" encoding="utf-8"?>
-<p:sld xmlns:a="http://schemas.openxmlformats.org/drawingml/2006/main" xmlns:r="http://schemas.openxmlformats.org/officeDocument/2006/relationships" xmlns:p="http://schemas.openxmlformats.org/presentationml/2006/main" xmlns:m="http://schemas.openxmlformats.org/officeDocument/2006/math" xmlns:a14="http://schemas.microsoft.com/office/drawing/2010/main" showMasterSp="1" showMasterPhAnim="1">
+<p:sld xmlns:a="http://schemas.openxmlformats.org/drawingml/2006/main" xmlns:r="http://schemas.openxmlformats.org/officeDocument/2006/relationships" xmlns:p="http://schemas.openxmlformats.org/presentationml/2006/main">
   <p:cSld>
     <p:spTree>
       <p:nvGrpSpPr>
@@ -7637,7 +7841,7 @@
           </a:ln>
           <a:extLst>
             <a:ext uri="{C572A759-6A51-4108-AA02-DFA0A04FC94B}">
-              <ma14:wrappingTextBoxFlag xmlns:ma14="http://schemas.microsoft.com/office/mac/drawingml/2011/main" val="1"/>
+              <ma14:wrappingTextBoxFlag xmlns:ma14="http://schemas.microsoft.com/office/mac/drawingml/2011/main" xmlns:a14="http://schemas.microsoft.com/office/drawing/2010/main" xmlns:m="http://schemas.openxmlformats.org/officeDocument/2006/math" xmlns="" val="1"/>
             </a:ext>
           </a:extLst>
         </p:spPr>
@@ -7696,7 +7900,7 @@
           </a:ln>
           <a:extLst>
             <a:ext uri="{C572A759-6A51-4108-AA02-DFA0A04FC94B}">
-              <ma14:wrappingTextBoxFlag xmlns:ma14="http://schemas.microsoft.com/office/mac/drawingml/2011/main" val="1"/>
+              <ma14:wrappingTextBoxFlag xmlns:ma14="http://schemas.microsoft.com/office/mac/drawingml/2011/main" xmlns:a14="http://schemas.microsoft.com/office/drawing/2010/main" xmlns:m="http://schemas.openxmlformats.org/officeDocument/2006/math" xmlns="" val="1"/>
             </a:ext>
           </a:extLst>
         </p:spPr>
@@ -7715,20 +7919,21 @@
               </a:defRPr>
             </a:pPr>
             <a:r>
+              <a:rPr dirty="0"/>
               <a:t>A </a:t>
             </a:r>
             <a:r>
-              <a:rPr b="1"/>
+              <a:rPr b="1" dirty="0"/>
               <a:t>collection</a:t>
             </a:r>
             <a:r>
+              <a:rPr dirty="0"/>
               <a:t> of Ruby data, stored as a list of </a:t>
             </a:r>
             <a:r>
-              <a:rPr b="1"/>
+              <a:rPr b="1" dirty="0"/>
               <a:t>key-value pairs</a:t>
             </a:r>
-            <a:endParaRPr b="1"/>
           </a:p>
           <a:p>
             <a:pPr algn="l" defTabSz="457200">
@@ -7740,17 +7945,27 @@
               </a:defRPr>
             </a:pPr>
             <a:r>
-              <a:t>The values may appear moe than once, but the </a:t>
-            </a:r>
-            <a:r>
-              <a:rPr b="1"/>
+              <a:rPr dirty="0"/>
+              <a:t>The values may appear </a:t>
+            </a:r>
+            <a:r>
+              <a:rPr dirty="0" err="1"/>
+              <a:t>moe</a:t>
+            </a:r>
+            <a:r>
+              <a:rPr dirty="0"/>
+              <a:t> than once, but the </a:t>
+            </a:r>
+            <a:r>
+              <a:rPr b="1" dirty="0"/>
               <a:t>keys</a:t>
             </a:r>
             <a:r>
+              <a:rPr dirty="0"/>
               <a:t> are </a:t>
             </a:r>
             <a:r>
-              <a:rPr b="1"/>
+              <a:rPr b="1" dirty="0"/>
               <a:t>unique!</a:t>
             </a:r>
           </a:p>
@@ -7763,6 +7978,7 @@
                 <a:sym typeface="Helvetica"/>
               </a:defRPr>
             </a:pPr>
+            <a:endParaRPr b="1" dirty="0"/>
           </a:p>
           <a:p>
             <a:pPr algn="l" defTabSz="457200">
@@ -7774,6 +7990,7 @@
               </a:defRPr>
             </a:pPr>
             <a:r>
+              <a:rPr dirty="0"/>
               <a:t>A Hash is defined with curly braces {}</a:t>
             </a:r>
           </a:p>
@@ -7786,6 +8003,7 @@
                 <a:sym typeface="Helvetica"/>
               </a:defRPr>
             </a:pPr>
+            <a:endParaRPr dirty="0"/>
           </a:p>
           <a:p>
             <a:pPr algn="l" defTabSz="457200">
@@ -7797,13 +8015,15 @@
               </a:defRPr>
             </a:pPr>
             <a:r>
+              <a:rPr dirty="0"/>
               <a:t>We can use </a:t>
             </a:r>
             <a:r>
-              <a:rPr b="1"/>
+              <a:rPr b="1" dirty="0"/>
               <a:t>any</a:t>
             </a:r>
             <a:r>
+              <a:rPr dirty="0"/>
               <a:t> Ruby object as a key or value</a:t>
             </a:r>
           </a:p>
@@ -7816,6 +8036,7 @@
                 <a:sym typeface="Helvetica"/>
               </a:defRPr>
             </a:pPr>
+            <a:endParaRPr dirty="0"/>
           </a:p>
           <a:p>
             <a:pPr algn="l" defTabSz="457200">
@@ -7827,10 +8048,11 @@
               </a:defRPr>
             </a:pPr>
             <a:r>
+              <a:rPr dirty="0"/>
               <a:t>Values are assigned to keys using the Hash Rocket </a:t>
             </a:r>
             <a:r>
-              <a:rPr b="1">
+              <a:rPr b="1" dirty="0">
                 <a:solidFill>
                   <a:schemeClr val="accent5">
                     <a:hueOff val="-444211"/>
@@ -7841,7 +8063,7 @@
               </a:rPr>
               <a:t>=&gt;</a:t>
             </a:r>
-            <a:endParaRPr b="1"/>
+            <a:endParaRPr b="1" dirty="0"/>
           </a:p>
           <a:p>
             <a:pPr algn="l" defTabSz="457200">
@@ -7855,6 +8077,7 @@
                 <a:sym typeface="Helvetica"/>
               </a:defRPr>
             </a:pPr>
+            <a:endParaRPr b="1" dirty="0"/>
           </a:p>
           <a:p>
             <a:pPr algn="l" defTabSz="457200">
@@ -7891,7 +8114,12 @@
               </a:defRPr>
             </a:pPr>
             <a:r>
-              <a:t>hash_name = {</a:t>
+              <a:rPr dirty="0" err="1"/>
+              <a:t>hash_name</a:t>
+            </a:r>
+            <a:r>
+              <a:rPr dirty="0"/>
+              <a:t> = {</a:t>
             </a:r>
           </a:p>
           <a:p>
@@ -7929,6 +8157,7 @@
               </a:defRPr>
             </a:pPr>
             <a:r>
+              <a:rPr dirty="0"/>
               <a:t>  key1 =&gt; value1,</a:t>
             </a:r>
           </a:p>
@@ -7967,6 +8196,7 @@
               </a:defRPr>
             </a:pPr>
             <a:r>
+              <a:rPr dirty="0"/>
               <a:t>  key2 =&gt; value2,</a:t>
             </a:r>
           </a:p>
@@ -8005,6 +8235,7 @@
               </a:defRPr>
             </a:pPr>
             <a:r>
+              <a:rPr dirty="0"/>
               <a:t>  key3 =&gt; value3</a:t>
             </a:r>
           </a:p>
@@ -8043,6 +8274,7 @@
               </a:defRPr>
             </a:pPr>
             <a:r>
+              <a:rPr dirty="0"/>
               <a:t>}</a:t>
             </a:r>
           </a:p>
@@ -8053,12 +8285,12 @@
   <p:clrMapOvr>
     <a:masterClrMapping/>
   </p:clrMapOvr>
-  <p:transition xmlns:p14="http://schemas.microsoft.com/office/powerpoint/2010/main" spd="med" advClick="1"/>
+  <p:transition spd="med"/>
 </p:sld>
 </file>
 
 <file path=ppt/slides/slide8.xml><?xml version="1.0" encoding="utf-8"?>
-<p:sld xmlns:a="http://schemas.openxmlformats.org/drawingml/2006/main" xmlns:r="http://schemas.openxmlformats.org/officeDocument/2006/relationships" xmlns:p="http://schemas.openxmlformats.org/presentationml/2006/main" xmlns:m="http://schemas.openxmlformats.org/officeDocument/2006/math" xmlns:a14="http://schemas.microsoft.com/office/drawing/2010/main" showMasterSp="1" showMasterPhAnim="1">
+<p:sld xmlns:a="http://schemas.openxmlformats.org/drawingml/2006/main" xmlns:r="http://schemas.openxmlformats.org/officeDocument/2006/relationships" xmlns:p="http://schemas.openxmlformats.org/presentationml/2006/main">
   <p:cSld>
     <p:spTree>
       <p:nvGrpSpPr>
@@ -8093,7 +8325,7 @@
           </a:ln>
           <a:extLst>
             <a:ext uri="{C572A759-6A51-4108-AA02-DFA0A04FC94B}">
-              <ma14:wrappingTextBoxFlag xmlns:ma14="http://schemas.microsoft.com/office/mac/drawingml/2011/main" val="1"/>
+              <ma14:wrappingTextBoxFlag xmlns:ma14="http://schemas.microsoft.com/office/mac/drawingml/2011/main" xmlns:a14="http://schemas.microsoft.com/office/drawing/2010/main" xmlns:m="http://schemas.openxmlformats.org/officeDocument/2006/math" xmlns="" val="1"/>
             </a:ext>
           </a:extLst>
         </p:spPr>
@@ -8160,7 +8392,7 @@
           </a:ln>
           <a:extLst>
             <a:ext uri="{C572A759-6A51-4108-AA02-DFA0A04FC94B}">
-              <ma14:wrappingTextBoxFlag xmlns:ma14="http://schemas.microsoft.com/office/mac/drawingml/2011/main" val="1"/>
+              <ma14:wrappingTextBoxFlag xmlns:ma14="http://schemas.microsoft.com/office/mac/drawingml/2011/main" xmlns:a14="http://schemas.microsoft.com/office/drawing/2010/main" xmlns:m="http://schemas.openxmlformats.org/officeDocument/2006/math" xmlns="" val="1"/>
             </a:ext>
           </a:extLst>
         </p:spPr>
@@ -8191,6 +8423,7 @@
                 <a:sym typeface="Helvetica"/>
               </a:defRPr>
             </a:pPr>
+            <a:endParaRPr/>
           </a:p>
           <a:p>
             <a:pPr algn="l" defTabSz="457200">
@@ -8356,6 +8589,7 @@
                 <a:sym typeface="Helvetica Neue"/>
               </a:defRPr>
             </a:pPr>
+            <a:endParaRPr/>
           </a:p>
           <a:p>
             <a:pPr algn="l" defTabSz="457200">
@@ -8366,6 +8600,7 @@
                 <a:sym typeface="Helvetica"/>
               </a:defRPr>
             </a:pPr>
+            <a:endParaRPr/>
           </a:p>
           <a:p>
             <a:pPr algn="l" defTabSz="457200">
@@ -8389,6 +8624,7 @@
                 <a:sym typeface="Helvetica"/>
               </a:defRPr>
             </a:pPr>
+            <a:endParaRPr/>
           </a:p>
           <a:p>
             <a:pPr algn="l" defTabSz="457200">
@@ -8511,12 +8747,12 @@
   <p:clrMapOvr>
     <a:masterClrMapping/>
   </p:clrMapOvr>
-  <p:transition xmlns:p14="http://schemas.microsoft.com/office/powerpoint/2010/main" spd="med" advClick="1"/>
+  <p:transition spd="med"/>
 </p:sld>
 </file>
 
 <file path=ppt/slides/slide9.xml><?xml version="1.0" encoding="utf-8"?>
-<p:sld xmlns:a="http://schemas.openxmlformats.org/drawingml/2006/main" xmlns:r="http://schemas.openxmlformats.org/officeDocument/2006/relationships" xmlns:p="http://schemas.openxmlformats.org/presentationml/2006/main" xmlns:m="http://schemas.openxmlformats.org/officeDocument/2006/math" xmlns:a14="http://schemas.microsoft.com/office/drawing/2010/main" showMasterSp="1" showMasterPhAnim="1">
+<p:sld xmlns:a="http://schemas.openxmlformats.org/drawingml/2006/main" xmlns:r="http://schemas.openxmlformats.org/officeDocument/2006/relationships" xmlns:p="http://schemas.openxmlformats.org/presentationml/2006/main">
   <p:cSld>
     <p:spTree>
       <p:nvGrpSpPr>
@@ -8551,7 +8787,7 @@
           </a:ln>
           <a:extLst>
             <a:ext uri="{C572A759-6A51-4108-AA02-DFA0A04FC94B}">
-              <ma14:wrappingTextBoxFlag xmlns:ma14="http://schemas.microsoft.com/office/mac/drawingml/2011/main" val="1"/>
+              <ma14:wrappingTextBoxFlag xmlns:ma14="http://schemas.microsoft.com/office/mac/drawingml/2011/main" xmlns:a14="http://schemas.microsoft.com/office/drawing/2010/main" xmlns:m="http://schemas.openxmlformats.org/officeDocument/2006/math" xmlns="" val="1"/>
             </a:ext>
           </a:extLst>
         </p:spPr>
@@ -8618,7 +8854,7 @@
           </a:ln>
           <a:extLst>
             <a:ext uri="{C572A759-6A51-4108-AA02-DFA0A04FC94B}">
-              <ma14:wrappingTextBoxFlag xmlns:ma14="http://schemas.microsoft.com/office/mac/drawingml/2011/main" val="1"/>
+              <ma14:wrappingTextBoxFlag xmlns:ma14="http://schemas.microsoft.com/office/mac/drawingml/2011/main" xmlns:a14="http://schemas.microsoft.com/office/drawing/2010/main" xmlns:m="http://schemas.openxmlformats.org/officeDocument/2006/math" xmlns="" val="1"/>
             </a:ext>
           </a:extLst>
         </p:spPr>
@@ -8773,6 +9009,7 @@
                 <a:sym typeface="Helvetica"/>
               </a:defRPr>
             </a:pPr>
+            <a:endParaRPr/>
           </a:p>
           <a:p>
             <a:pPr algn="l" defTabSz="457200">
@@ -8804,6 +9041,7 @@
                 <a:sym typeface="Helvetica"/>
               </a:defRPr>
             </a:pPr>
+            <a:endParaRPr/>
           </a:p>
           <a:p>
             <a:pPr algn="l" defTabSz="457200">
@@ -8871,12 +9109,12 @@
   <p:clrMapOvr>
     <a:masterClrMapping/>
   </p:clrMapOvr>
-  <p:transition xmlns:p14="http://schemas.microsoft.com/office/powerpoint/2010/main" spd="med" advClick="1"/>
+  <p:transition spd="med"/>
 </p:sld>
 </file>
 
 <file path=ppt/theme/theme1.xml><?xml version="1.0" encoding="utf-8"?>
-<a:theme xmlns:a="http://schemas.openxmlformats.org/drawingml/2006/main" xmlns:r="http://schemas.openxmlformats.org/officeDocument/2006/relationships" name="White">
+<a:theme xmlns:a="http://schemas.openxmlformats.org/drawingml/2006/main" name="White">
   <a:themeElements>
     <a:clrScheme name="White">
       <a:dk1>
@@ -9002,7 +9240,7 @@
       <a:effectStyleLst>
         <a:effectStyle>
           <a:effectLst>
-            <a:outerShdw sx="100000" sy="100000" kx="0" ky="0" algn="b" rotWithShape="0" blurRad="25400" dist="12700" dir="5400000">
+            <a:outerShdw blurRad="25400" dist="12700" dir="5400000" rotWithShape="0">
               <a:srgbClr val="000000">
                 <a:alpha val="50000"/>
               </a:srgbClr>
@@ -9011,7 +9249,7 @@
         </a:effectStyle>
         <a:effectStyle>
           <a:effectLst>
-            <a:outerShdw sx="100000" sy="100000" kx="0" ky="0" algn="b" rotWithShape="0" blurRad="25400" dist="0" dir="0">
+            <a:outerShdw blurRad="25400" rotWithShape="0">
               <a:srgbClr val="000000">
                 <a:alpha val="50000"/>
               </a:srgbClr>
@@ -9020,7 +9258,7 @@
         </a:effectStyle>
         <a:effectStyle>
           <a:effectLst>
-            <a:outerShdw sx="100000" sy="100000" kx="0" ky="0" algn="b" rotWithShape="0" blurRad="25400" dist="12700" dir="5400000">
+            <a:outerShdw blurRad="25400" dist="12700" dir="5400000" rotWithShape="0">
               <a:srgbClr val="000000">
                 <a:alpha val="50000"/>
               </a:srgbClr>
@@ -9084,8 +9322,8 @@
     <a:spDef>
       <a:spPr>
         <a:blipFill rotWithShape="1">
-          <a:blip r:embed="rId1"/>
-          <a:srcRect l="0" t="0" r="0" b="0"/>
+          <a:blip xmlns:r="http://schemas.openxmlformats.org/officeDocument/2006/relationships" r:embed="rId1"/>
+          <a:srcRect/>
           <a:tile tx="0" ty="0" sx="100000" sy="100000" flip="none" algn="tl"/>
         </a:blipFill>
         <a:ln w="3175" cap="flat">
@@ -9093,7 +9331,7 @@
           <a:miter lim="400000"/>
         </a:ln>
         <a:effectLst>
-          <a:outerShdw sx="100000" sy="100000" kx="0" ky="0" algn="b" rotWithShape="0" blurRad="25400" dist="12700" dir="5400000">
+          <a:outerShdw blurRad="25400" dist="12700" dir="5400000" rotWithShape="0">
             <a:srgbClr val="000000">
               <a:alpha val="50000"/>
             </a:srgbClr>
@@ -9101,7 +9339,7 @@
         </a:effectLst>
         <a:sp3d/>
       </a:spPr>
-      <a:bodyPr rot="0" spcFirstLastPara="1" vertOverflow="overflow" horzOverflow="overflow" vert="horz" wrap="square" lIns="38100" tIns="38100" rIns="38100" bIns="38100" numCol="1" spcCol="38100" rtlCol="0" anchor="ctr" upright="0">
+      <a:bodyPr rot="0" spcFirstLastPara="1" vertOverflow="overflow" horzOverflow="overflow" vert="horz" wrap="square" lIns="38100" tIns="38100" rIns="38100" bIns="38100" numCol="1" spcCol="38100" rtlCol="0" anchor="ctr">
         <a:spAutoFit/>
       </a:bodyPr>
       <a:lstStyle>
@@ -9120,7 +9358,7 @@
           <a:buFontTx/>
           <a:buNone/>
           <a:tabLst/>
-          <a:defRPr b="0" baseline="0" cap="none" i="0" spc="0" strike="noStrike" sz="2200" u="none" kumimoji="0" normalizeH="0">
+          <a:defRPr kumimoji="0" sz="2200" b="0" i="0" u="none" strike="noStrike" cap="none" spc="0" normalizeH="0" baseline="0">
             <a:ln>
               <a:noFill/>
             </a:ln>
@@ -9150,7 +9388,7 @@
           <a:buFontTx/>
           <a:buNone/>
           <a:tabLst/>
-          <a:defRPr b="0" baseline="0" cap="none" i="0" spc="0" strike="noStrike" sz="1800" u="none" kumimoji="0" normalizeH="0">
+          <a:defRPr kumimoji="0" sz="1800" b="0" i="0" u="none" strike="noStrike" cap="none" spc="0" normalizeH="0" baseline="0">
             <a:ln>
               <a:noFill/>
             </a:ln>
@@ -9176,7 +9414,7 @@
           <a:buFontTx/>
           <a:buNone/>
           <a:tabLst/>
-          <a:defRPr b="0" baseline="0" cap="none" i="0" spc="0" strike="noStrike" sz="1800" u="none" kumimoji="0" normalizeH="0">
+          <a:defRPr kumimoji="0" sz="1800" b="0" i="0" u="none" strike="noStrike" cap="none" spc="0" normalizeH="0" baseline="0">
             <a:ln>
               <a:noFill/>
             </a:ln>
@@ -9202,7 +9440,7 @@
           <a:buFontTx/>
           <a:buNone/>
           <a:tabLst/>
-          <a:defRPr b="0" baseline="0" cap="none" i="0" spc="0" strike="noStrike" sz="1800" u="none" kumimoji="0" normalizeH="0">
+          <a:defRPr kumimoji="0" sz="1800" b="0" i="0" u="none" strike="noStrike" cap="none" spc="0" normalizeH="0" baseline="0">
             <a:ln>
               <a:noFill/>
             </a:ln>
@@ -9228,7 +9466,7 @@
           <a:buFontTx/>
           <a:buNone/>
           <a:tabLst/>
-          <a:defRPr b="0" baseline="0" cap="none" i="0" spc="0" strike="noStrike" sz="1800" u="none" kumimoji="0" normalizeH="0">
+          <a:defRPr kumimoji="0" sz="1800" b="0" i="0" u="none" strike="noStrike" cap="none" spc="0" normalizeH="0" baseline="0">
             <a:ln>
               <a:noFill/>
             </a:ln>
@@ -9254,7 +9492,7 @@
           <a:buFontTx/>
           <a:buNone/>
           <a:tabLst/>
-          <a:defRPr b="0" baseline="0" cap="none" i="0" spc="0" strike="noStrike" sz="1800" u="none" kumimoji="0" normalizeH="0">
+          <a:defRPr kumimoji="0" sz="1800" b="0" i="0" u="none" strike="noStrike" cap="none" spc="0" normalizeH="0" baseline="0">
             <a:ln>
               <a:noFill/>
             </a:ln>
@@ -9280,7 +9518,7 @@
           <a:buFontTx/>
           <a:buNone/>
           <a:tabLst/>
-          <a:defRPr b="0" baseline="0" cap="none" i="0" spc="0" strike="noStrike" sz="1800" u="none" kumimoji="0" normalizeH="0">
+          <a:defRPr kumimoji="0" sz="1800" b="0" i="0" u="none" strike="noStrike" cap="none" spc="0" normalizeH="0" baseline="0">
             <a:ln>
               <a:noFill/>
             </a:ln>
@@ -9306,7 +9544,7 @@
           <a:buFontTx/>
           <a:buNone/>
           <a:tabLst/>
-          <a:defRPr b="0" baseline="0" cap="none" i="0" spc="0" strike="noStrike" sz="1800" u="none" kumimoji="0" normalizeH="0">
+          <a:defRPr kumimoji="0" sz="1800" b="0" i="0" u="none" strike="noStrike" cap="none" spc="0" normalizeH="0" baseline="0">
             <a:ln>
               <a:noFill/>
             </a:ln>
@@ -9332,7 +9570,7 @@
           <a:buFontTx/>
           <a:buNone/>
           <a:tabLst/>
-          <a:defRPr b="0" baseline="0" cap="none" i="0" spc="0" strike="noStrike" sz="1800" u="none" kumimoji="0" normalizeH="0">
+          <a:defRPr kumimoji="0" sz="1800" b="0" i="0" u="none" strike="noStrike" cap="none" spc="0" normalizeH="0" baseline="0">
             <a:ln>
               <a:noFill/>
             </a:ln>
@@ -9358,7 +9596,7 @@
           <a:buFontTx/>
           <a:buNone/>
           <a:tabLst/>
-          <a:defRPr b="0" baseline="0" cap="none" i="0" spc="0" strike="noStrike" sz="1800" u="none" kumimoji="0" normalizeH="0">
+          <a:defRPr kumimoji="0" sz="1800" b="0" i="0" u="none" strike="noStrike" cap="none" spc="0" normalizeH="0" baseline="0">
             <a:ln>
               <a:noFill/>
             </a:ln>
@@ -9371,9 +9609,15 @@
         </a:lvl9pPr>
       </a:lstStyle>
       <a:style>
-        <a:lnRef idx="0"/>
-        <a:fillRef idx="0"/>
-        <a:effectRef idx="0"/>
+        <a:lnRef idx="0">
+          <a:scrgbClr r="0" g="0" b="0"/>
+        </a:lnRef>
+        <a:fillRef idx="0">
+          <a:scrgbClr r="0" g="0" b="0"/>
+        </a:fillRef>
+        <a:effectRef idx="0">
+          <a:scrgbClr r="0" g="0" b="0"/>
+        </a:effectRef>
         <a:fontRef idx="none"/>
       </a:style>
     </a:spDef>
@@ -9390,7 +9634,7 @@
         <a:effectLst/>
         <a:sp3d/>
       </a:spPr>
-      <a:bodyPr rot="0" spcFirstLastPara="1" vertOverflow="overflow" horzOverflow="overflow" vert="horz" wrap="square" lIns="91439" tIns="45719" rIns="91439" bIns="45719" numCol="1" spcCol="38100" rtlCol="0" anchor="t" upright="0">
+      <a:bodyPr rot="0" spcFirstLastPara="1" vertOverflow="overflow" horzOverflow="overflow" vert="horz" wrap="square" lIns="91439" tIns="45719" rIns="91439" bIns="45719" numCol="1" spcCol="38100" rtlCol="0" anchor="t">
         <a:noAutofit/>
       </a:bodyPr>
       <a:lstStyle>
@@ -9409,7 +9653,7 @@
           <a:buFontTx/>
           <a:buNone/>
           <a:tabLst/>
-          <a:defRPr b="0" baseline="0" cap="none" i="0" spc="0" strike="noStrike" sz="1800" u="none" kumimoji="0" normalizeH="0">
+          <a:defRPr kumimoji="0" sz="1800" b="0" i="0" u="none" strike="noStrike" cap="none" spc="0" normalizeH="0" baseline="0">
             <a:ln>
               <a:noFill/>
             </a:ln>
@@ -9435,7 +9679,7 @@
           <a:buFontTx/>
           <a:buNone/>
           <a:tabLst/>
-          <a:defRPr b="0" baseline="0" cap="none" i="0" spc="0" strike="noStrike" sz="1800" u="none" kumimoji="0" normalizeH="0">
+          <a:defRPr kumimoji="0" sz="1800" b="0" i="0" u="none" strike="noStrike" cap="none" spc="0" normalizeH="0" baseline="0">
             <a:ln>
               <a:noFill/>
             </a:ln>
@@ -9461,7 +9705,7 @@
           <a:buFontTx/>
           <a:buNone/>
           <a:tabLst/>
-          <a:defRPr b="0" baseline="0" cap="none" i="0" spc="0" strike="noStrike" sz="1800" u="none" kumimoji="0" normalizeH="0">
+          <a:defRPr kumimoji="0" sz="1800" b="0" i="0" u="none" strike="noStrike" cap="none" spc="0" normalizeH="0" baseline="0">
             <a:ln>
               <a:noFill/>
             </a:ln>
@@ -9487,7 +9731,7 @@
           <a:buFontTx/>
           <a:buNone/>
           <a:tabLst/>
-          <a:defRPr b="0" baseline="0" cap="none" i="0" spc="0" strike="noStrike" sz="1800" u="none" kumimoji="0" normalizeH="0">
+          <a:defRPr kumimoji="0" sz="1800" b="0" i="0" u="none" strike="noStrike" cap="none" spc="0" normalizeH="0" baseline="0">
             <a:ln>
               <a:noFill/>
             </a:ln>
@@ -9513,7 +9757,7 @@
           <a:buFontTx/>
           <a:buNone/>
           <a:tabLst/>
-          <a:defRPr b="0" baseline="0" cap="none" i="0" spc="0" strike="noStrike" sz="1800" u="none" kumimoji="0" normalizeH="0">
+          <a:defRPr kumimoji="0" sz="1800" b="0" i="0" u="none" strike="noStrike" cap="none" spc="0" normalizeH="0" baseline="0">
             <a:ln>
               <a:noFill/>
             </a:ln>
@@ -9539,7 +9783,7 @@
           <a:buFontTx/>
           <a:buNone/>
           <a:tabLst/>
-          <a:defRPr b="0" baseline="0" cap="none" i="0" spc="0" strike="noStrike" sz="1800" u="none" kumimoji="0" normalizeH="0">
+          <a:defRPr kumimoji="0" sz="1800" b="0" i="0" u="none" strike="noStrike" cap="none" spc="0" normalizeH="0" baseline="0">
             <a:ln>
               <a:noFill/>
             </a:ln>
@@ -9565,7 +9809,7 @@
           <a:buFontTx/>
           <a:buNone/>
           <a:tabLst/>
-          <a:defRPr b="0" baseline="0" cap="none" i="0" spc="0" strike="noStrike" sz="1800" u="none" kumimoji="0" normalizeH="0">
+          <a:defRPr kumimoji="0" sz="1800" b="0" i="0" u="none" strike="noStrike" cap="none" spc="0" normalizeH="0" baseline="0">
             <a:ln>
               <a:noFill/>
             </a:ln>
@@ -9591,7 +9835,7 @@
           <a:buFontTx/>
           <a:buNone/>
           <a:tabLst/>
-          <a:defRPr b="0" baseline="0" cap="none" i="0" spc="0" strike="noStrike" sz="1800" u="none" kumimoji="0" normalizeH="0">
+          <a:defRPr kumimoji="0" sz="1800" b="0" i="0" u="none" strike="noStrike" cap="none" spc="0" normalizeH="0" baseline="0">
             <a:ln>
               <a:noFill/>
             </a:ln>
@@ -9617,7 +9861,7 @@
           <a:buFontTx/>
           <a:buNone/>
           <a:tabLst/>
-          <a:defRPr b="0" baseline="0" cap="none" i="0" spc="0" strike="noStrike" sz="1800" u="none" kumimoji="0" normalizeH="0">
+          <a:defRPr kumimoji="0" sz="1800" b="0" i="0" u="none" strike="noStrike" cap="none" spc="0" normalizeH="0" baseline="0">
             <a:ln>
               <a:noFill/>
             </a:ln>
@@ -9643,7 +9887,7 @@
           <a:buFontTx/>
           <a:buNone/>
           <a:tabLst/>
-          <a:defRPr b="0" baseline="0" cap="none" i="0" spc="0" strike="noStrike" sz="1800" u="none" kumimoji="0" normalizeH="0">
+          <a:defRPr kumimoji="0" sz="1800" b="0" i="0" u="none" strike="noStrike" cap="none" spc="0" normalizeH="0" baseline="0">
             <a:ln>
               <a:noFill/>
             </a:ln>
@@ -9656,9 +9900,15 @@
         </a:lvl9pPr>
       </a:lstStyle>
       <a:style>
-        <a:lnRef idx="0"/>
-        <a:fillRef idx="0"/>
-        <a:effectRef idx="0"/>
+        <a:lnRef idx="0">
+          <a:scrgbClr r="0" g="0" b="0"/>
+        </a:lnRef>
+        <a:fillRef idx="0">
+          <a:scrgbClr r="0" g="0" b="0"/>
+        </a:fillRef>
+        <a:effectRef idx="0">
+          <a:scrgbClr r="0" g="0" b="0"/>
+        </a:effectRef>
         <a:fontRef idx="none"/>
       </a:style>
     </a:lnDef>
@@ -9672,7 +9922,7 @@
         <a:effectLst/>
         <a:sp3d/>
       </a:spPr>
-      <a:bodyPr rot="0" spcFirstLastPara="1" vertOverflow="overflow" horzOverflow="overflow" vert="horz" wrap="square" lIns="38100" tIns="38100" rIns="38100" bIns="38100" numCol="1" spcCol="38100" rtlCol="0" anchor="ctr" upright="0">
+      <a:bodyPr rot="0" spcFirstLastPara="1" vertOverflow="overflow" horzOverflow="overflow" vert="horz" wrap="square" lIns="38100" tIns="38100" rIns="38100" bIns="38100" numCol="1" spcCol="38100" rtlCol="0" anchor="ctr">
         <a:spAutoFit/>
       </a:bodyPr>
       <a:lstStyle>
@@ -9691,7 +9941,7 @@
           <a:buFontTx/>
           <a:buNone/>
           <a:tabLst/>
-          <a:defRPr b="0" baseline="0" cap="none" i="0" spc="0" strike="noStrike" sz="5800" u="none" kumimoji="0" normalizeH="0">
+          <a:defRPr kumimoji="0" sz="5800" b="0" i="0" u="none" strike="noStrike" cap="none" spc="0" normalizeH="0" baseline="0">
             <a:ln>
               <a:noFill/>
             </a:ln>
@@ -9721,7 +9971,7 @@
           <a:buFontTx/>
           <a:buNone/>
           <a:tabLst/>
-          <a:defRPr b="0" baseline="0" cap="none" i="0" spc="0" strike="noStrike" sz="1800" u="none" kumimoji="0" normalizeH="0">
+          <a:defRPr kumimoji="0" sz="1800" b="0" i="0" u="none" strike="noStrike" cap="none" spc="0" normalizeH="0" baseline="0">
             <a:ln>
               <a:noFill/>
             </a:ln>
@@ -9747,7 +9997,7 @@
           <a:buFontTx/>
           <a:buNone/>
           <a:tabLst/>
-          <a:defRPr b="0" baseline="0" cap="none" i="0" spc="0" strike="noStrike" sz="1800" u="none" kumimoji="0" normalizeH="0">
+          <a:defRPr kumimoji="0" sz="1800" b="0" i="0" u="none" strike="noStrike" cap="none" spc="0" normalizeH="0" baseline="0">
             <a:ln>
               <a:noFill/>
             </a:ln>
@@ -9773,7 +10023,7 @@
           <a:buFontTx/>
           <a:buNone/>
           <a:tabLst/>
-          <a:defRPr b="0" baseline="0" cap="none" i="0" spc="0" strike="noStrike" sz="1800" u="none" kumimoji="0" normalizeH="0">
+          <a:defRPr kumimoji="0" sz="1800" b="0" i="0" u="none" strike="noStrike" cap="none" spc="0" normalizeH="0" baseline="0">
             <a:ln>
               <a:noFill/>
             </a:ln>
@@ -9799,7 +10049,7 @@
           <a:buFontTx/>
           <a:buNone/>
           <a:tabLst/>
-          <a:defRPr b="0" baseline="0" cap="none" i="0" spc="0" strike="noStrike" sz="1800" u="none" kumimoji="0" normalizeH="0">
+          <a:defRPr kumimoji="0" sz="1800" b="0" i="0" u="none" strike="noStrike" cap="none" spc="0" normalizeH="0" baseline="0">
             <a:ln>
               <a:noFill/>
             </a:ln>
@@ -9825,7 +10075,7 @@
           <a:buFontTx/>
           <a:buNone/>
           <a:tabLst/>
-          <a:defRPr b="0" baseline="0" cap="none" i="0" spc="0" strike="noStrike" sz="1800" u="none" kumimoji="0" normalizeH="0">
+          <a:defRPr kumimoji="0" sz="1800" b="0" i="0" u="none" strike="noStrike" cap="none" spc="0" normalizeH="0" baseline="0">
             <a:ln>
               <a:noFill/>
             </a:ln>
@@ -9851,7 +10101,7 @@
           <a:buFontTx/>
           <a:buNone/>
           <a:tabLst/>
-          <a:defRPr b="0" baseline="0" cap="none" i="0" spc="0" strike="noStrike" sz="1800" u="none" kumimoji="0" normalizeH="0">
+          <a:defRPr kumimoji="0" sz="1800" b="0" i="0" u="none" strike="noStrike" cap="none" spc="0" normalizeH="0" baseline="0">
             <a:ln>
               <a:noFill/>
             </a:ln>
@@ -9877,7 +10127,7 @@
           <a:buFontTx/>
           <a:buNone/>
           <a:tabLst/>
-          <a:defRPr b="0" baseline="0" cap="none" i="0" spc="0" strike="noStrike" sz="1800" u="none" kumimoji="0" normalizeH="0">
+          <a:defRPr kumimoji="0" sz="1800" b="0" i="0" u="none" strike="noStrike" cap="none" spc="0" normalizeH="0" baseline="0">
             <a:ln>
               <a:noFill/>
             </a:ln>
@@ -9903,7 +10153,7 @@
           <a:buFontTx/>
           <a:buNone/>
           <a:tabLst/>
-          <a:defRPr b="0" baseline="0" cap="none" i="0" spc="0" strike="noStrike" sz="1800" u="none" kumimoji="0" normalizeH="0">
+          <a:defRPr kumimoji="0" sz="1800" b="0" i="0" u="none" strike="noStrike" cap="none" spc="0" normalizeH="0" baseline="0">
             <a:ln>
               <a:noFill/>
             </a:ln>
@@ -9929,7 +10179,7 @@
           <a:buFontTx/>
           <a:buNone/>
           <a:tabLst/>
-          <a:defRPr b="0" baseline="0" cap="none" i="0" spc="0" strike="noStrike" sz="1800" u="none" kumimoji="0" normalizeH="0">
+          <a:defRPr kumimoji="0" sz="1800" b="0" i="0" u="none" strike="noStrike" cap="none" spc="0" normalizeH="0" baseline="0">
             <a:ln>
               <a:noFill/>
             </a:ln>
@@ -9942,18 +10192,25 @@
         </a:lvl9pPr>
       </a:lstStyle>
       <a:style>
-        <a:lnRef idx="0"/>
-        <a:fillRef idx="0"/>
-        <a:effectRef idx="0"/>
+        <a:lnRef idx="0">
+          <a:scrgbClr r="0" g="0" b="0"/>
+        </a:lnRef>
+        <a:fillRef idx="0">
+          <a:scrgbClr r="0" g="0" b="0"/>
+        </a:fillRef>
+        <a:effectRef idx="0">
+          <a:scrgbClr r="0" g="0" b="0"/>
+        </a:effectRef>
         <a:fontRef idx="none"/>
       </a:style>
     </a:txDef>
   </a:objectDefaults>
+  <a:extraClrSchemeLst/>
 </a:theme>
 </file>
 
 <file path=ppt/theme/theme2.xml><?xml version="1.0" encoding="utf-8"?>
-<a:theme xmlns:a="http://schemas.openxmlformats.org/drawingml/2006/main" xmlns:r="http://schemas.openxmlformats.org/officeDocument/2006/relationships" name="White">
+<a:theme xmlns:a="http://schemas.openxmlformats.org/drawingml/2006/main" name="White">
   <a:themeElements>
     <a:clrScheme name="White">
       <a:dk1>
@@ -10079,7 +10336,7 @@
       <a:effectStyleLst>
         <a:effectStyle>
           <a:effectLst>
-            <a:outerShdw sx="100000" sy="100000" kx="0" ky="0" algn="b" rotWithShape="0" blurRad="25400" dist="12700" dir="5400000">
+            <a:outerShdw blurRad="25400" dist="12700" dir="5400000" rotWithShape="0">
               <a:srgbClr val="000000">
                 <a:alpha val="50000"/>
               </a:srgbClr>
@@ -10088,7 +10345,7 @@
         </a:effectStyle>
         <a:effectStyle>
           <a:effectLst>
-            <a:outerShdw sx="100000" sy="100000" kx="0" ky="0" algn="b" rotWithShape="0" blurRad="25400" dist="0" dir="0">
+            <a:outerShdw blurRad="25400" rotWithShape="0">
               <a:srgbClr val="000000">
                 <a:alpha val="50000"/>
               </a:srgbClr>
@@ -10097,7 +10354,7 @@
         </a:effectStyle>
         <a:effectStyle>
           <a:effectLst>
-            <a:outerShdw sx="100000" sy="100000" kx="0" ky="0" algn="b" rotWithShape="0" blurRad="25400" dist="12700" dir="5400000">
+            <a:outerShdw blurRad="25400" dist="12700" dir="5400000" rotWithShape="0">
               <a:srgbClr val="000000">
                 <a:alpha val="50000"/>
               </a:srgbClr>
@@ -10161,8 +10418,8 @@
     <a:spDef>
       <a:spPr>
         <a:blipFill rotWithShape="1">
-          <a:blip r:embed="rId1"/>
-          <a:srcRect l="0" t="0" r="0" b="0"/>
+          <a:blip xmlns:r="http://schemas.openxmlformats.org/officeDocument/2006/relationships" r:embed="rId1"/>
+          <a:srcRect/>
           <a:tile tx="0" ty="0" sx="100000" sy="100000" flip="none" algn="tl"/>
         </a:blipFill>
         <a:ln w="3175" cap="flat">
@@ -10170,7 +10427,7 @@
           <a:miter lim="400000"/>
         </a:ln>
         <a:effectLst>
-          <a:outerShdw sx="100000" sy="100000" kx="0" ky="0" algn="b" rotWithShape="0" blurRad="25400" dist="12700" dir="5400000">
+          <a:outerShdw blurRad="25400" dist="12700" dir="5400000" rotWithShape="0">
             <a:srgbClr val="000000">
               <a:alpha val="50000"/>
             </a:srgbClr>
@@ -10178,7 +10435,7 @@
         </a:effectLst>
         <a:sp3d/>
       </a:spPr>
-      <a:bodyPr rot="0" spcFirstLastPara="1" vertOverflow="overflow" horzOverflow="overflow" vert="horz" wrap="square" lIns="38100" tIns="38100" rIns="38100" bIns="38100" numCol="1" spcCol="38100" rtlCol="0" anchor="ctr" upright="0">
+      <a:bodyPr rot="0" spcFirstLastPara="1" vertOverflow="overflow" horzOverflow="overflow" vert="horz" wrap="square" lIns="38100" tIns="38100" rIns="38100" bIns="38100" numCol="1" spcCol="38100" rtlCol="0" anchor="ctr">
         <a:spAutoFit/>
       </a:bodyPr>
       <a:lstStyle>
@@ -10197,7 +10454,7 @@
           <a:buFontTx/>
           <a:buNone/>
           <a:tabLst/>
-          <a:defRPr b="0" baseline="0" cap="none" i="0" spc="0" strike="noStrike" sz="2200" u="none" kumimoji="0" normalizeH="0">
+          <a:defRPr kumimoji="0" sz="2200" b="0" i="0" u="none" strike="noStrike" cap="none" spc="0" normalizeH="0" baseline="0">
             <a:ln>
               <a:noFill/>
             </a:ln>
@@ -10227,7 +10484,7 @@
           <a:buFontTx/>
           <a:buNone/>
           <a:tabLst/>
-          <a:defRPr b="0" baseline="0" cap="none" i="0" spc="0" strike="noStrike" sz="1800" u="none" kumimoji="0" normalizeH="0">
+          <a:defRPr kumimoji="0" sz="1800" b="0" i="0" u="none" strike="noStrike" cap="none" spc="0" normalizeH="0" baseline="0">
             <a:ln>
               <a:noFill/>
             </a:ln>
@@ -10253,7 +10510,7 @@
           <a:buFontTx/>
           <a:buNone/>
           <a:tabLst/>
-          <a:defRPr b="0" baseline="0" cap="none" i="0" spc="0" strike="noStrike" sz="1800" u="none" kumimoji="0" normalizeH="0">
+          <a:defRPr kumimoji="0" sz="1800" b="0" i="0" u="none" strike="noStrike" cap="none" spc="0" normalizeH="0" baseline="0">
             <a:ln>
               <a:noFill/>
             </a:ln>
@@ -10279,7 +10536,7 @@
           <a:buFontTx/>
           <a:buNone/>
           <a:tabLst/>
-          <a:defRPr b="0" baseline="0" cap="none" i="0" spc="0" strike="noStrike" sz="1800" u="none" kumimoji="0" normalizeH="0">
+          <a:defRPr kumimoji="0" sz="1800" b="0" i="0" u="none" strike="noStrike" cap="none" spc="0" normalizeH="0" baseline="0">
             <a:ln>
               <a:noFill/>
             </a:ln>
@@ -10305,7 +10562,7 @@
           <a:buFontTx/>
           <a:buNone/>
           <a:tabLst/>
-          <a:defRPr b="0" baseline="0" cap="none" i="0" spc="0" strike="noStrike" sz="1800" u="none" kumimoji="0" normalizeH="0">
+          <a:defRPr kumimoji="0" sz="1800" b="0" i="0" u="none" strike="noStrike" cap="none" spc="0" normalizeH="0" baseline="0">
             <a:ln>
               <a:noFill/>
             </a:ln>
@@ -10331,7 +10588,7 @@
           <a:buFontTx/>
           <a:buNone/>
           <a:tabLst/>
-          <a:defRPr b="0" baseline="0" cap="none" i="0" spc="0" strike="noStrike" sz="1800" u="none" kumimoji="0" normalizeH="0">
+          <a:defRPr kumimoji="0" sz="1800" b="0" i="0" u="none" strike="noStrike" cap="none" spc="0" normalizeH="0" baseline="0">
             <a:ln>
               <a:noFill/>
             </a:ln>
@@ -10357,7 +10614,7 @@
           <a:buFontTx/>
           <a:buNone/>
           <a:tabLst/>
-          <a:defRPr b="0" baseline="0" cap="none" i="0" spc="0" strike="noStrike" sz="1800" u="none" kumimoji="0" normalizeH="0">
+          <a:defRPr kumimoji="0" sz="1800" b="0" i="0" u="none" strike="noStrike" cap="none" spc="0" normalizeH="0" baseline="0">
             <a:ln>
               <a:noFill/>
             </a:ln>
@@ -10383,7 +10640,7 @@
           <a:buFontTx/>
           <a:buNone/>
           <a:tabLst/>
-          <a:defRPr b="0" baseline="0" cap="none" i="0" spc="0" strike="noStrike" sz="1800" u="none" kumimoji="0" normalizeH="0">
+          <a:defRPr kumimoji="0" sz="1800" b="0" i="0" u="none" strike="noStrike" cap="none" spc="0" normalizeH="0" baseline="0">
             <a:ln>
               <a:noFill/>
             </a:ln>
@@ -10409,7 +10666,7 @@
           <a:buFontTx/>
           <a:buNone/>
           <a:tabLst/>
-          <a:defRPr b="0" baseline="0" cap="none" i="0" spc="0" strike="noStrike" sz="1800" u="none" kumimoji="0" normalizeH="0">
+          <a:defRPr kumimoji="0" sz="1800" b="0" i="0" u="none" strike="noStrike" cap="none" spc="0" normalizeH="0" baseline="0">
             <a:ln>
               <a:noFill/>
             </a:ln>
@@ -10435,7 +10692,7 @@
           <a:buFontTx/>
           <a:buNone/>
           <a:tabLst/>
-          <a:defRPr b="0" baseline="0" cap="none" i="0" spc="0" strike="noStrike" sz="1800" u="none" kumimoji="0" normalizeH="0">
+          <a:defRPr kumimoji="0" sz="1800" b="0" i="0" u="none" strike="noStrike" cap="none" spc="0" normalizeH="0" baseline="0">
             <a:ln>
               <a:noFill/>
             </a:ln>
@@ -10448,9 +10705,15 @@
         </a:lvl9pPr>
       </a:lstStyle>
       <a:style>
-        <a:lnRef idx="0"/>
-        <a:fillRef idx="0"/>
-        <a:effectRef idx="0"/>
+        <a:lnRef idx="0">
+          <a:scrgbClr r="0" g="0" b="0"/>
+        </a:lnRef>
+        <a:fillRef idx="0">
+          <a:scrgbClr r="0" g="0" b="0"/>
+        </a:fillRef>
+        <a:effectRef idx="0">
+          <a:scrgbClr r="0" g="0" b="0"/>
+        </a:effectRef>
         <a:fontRef idx="none"/>
       </a:style>
     </a:spDef>
@@ -10467,7 +10730,7 @@
         <a:effectLst/>
         <a:sp3d/>
       </a:spPr>
-      <a:bodyPr rot="0" spcFirstLastPara="1" vertOverflow="overflow" horzOverflow="overflow" vert="horz" wrap="square" lIns="91439" tIns="45719" rIns="91439" bIns="45719" numCol="1" spcCol="38100" rtlCol="0" anchor="t" upright="0">
+      <a:bodyPr rot="0" spcFirstLastPara="1" vertOverflow="overflow" horzOverflow="overflow" vert="horz" wrap="square" lIns="91439" tIns="45719" rIns="91439" bIns="45719" numCol="1" spcCol="38100" rtlCol="0" anchor="t">
         <a:noAutofit/>
       </a:bodyPr>
       <a:lstStyle>
@@ -10486,7 +10749,7 @@
           <a:buFontTx/>
           <a:buNone/>
           <a:tabLst/>
-          <a:defRPr b="0" baseline="0" cap="none" i="0" spc="0" strike="noStrike" sz="1800" u="none" kumimoji="0" normalizeH="0">
+          <a:defRPr kumimoji="0" sz="1800" b="0" i="0" u="none" strike="noStrike" cap="none" spc="0" normalizeH="0" baseline="0">
             <a:ln>
               <a:noFill/>
             </a:ln>
@@ -10512,7 +10775,7 @@
           <a:buFontTx/>
           <a:buNone/>
           <a:tabLst/>
-          <a:defRPr b="0" baseline="0" cap="none" i="0" spc="0" strike="noStrike" sz="1800" u="none" kumimoji="0" normalizeH="0">
+          <a:defRPr kumimoji="0" sz="1800" b="0" i="0" u="none" strike="noStrike" cap="none" spc="0" normalizeH="0" baseline="0">
             <a:ln>
               <a:noFill/>
             </a:ln>
@@ -10538,7 +10801,7 @@
           <a:buFontTx/>
           <a:buNone/>
           <a:tabLst/>
-          <a:defRPr b="0" baseline="0" cap="none" i="0" spc="0" strike="noStrike" sz="1800" u="none" kumimoji="0" normalizeH="0">
+          <a:defRPr kumimoji="0" sz="1800" b="0" i="0" u="none" strike="noStrike" cap="none" spc="0" normalizeH="0" baseline="0">
             <a:ln>
               <a:noFill/>
             </a:ln>
@@ -10564,7 +10827,7 @@
           <a:buFontTx/>
           <a:buNone/>
           <a:tabLst/>
-          <a:defRPr b="0" baseline="0" cap="none" i="0" spc="0" strike="noStrike" sz="1800" u="none" kumimoji="0" normalizeH="0">
+          <a:defRPr kumimoji="0" sz="1800" b="0" i="0" u="none" strike="noStrike" cap="none" spc="0" normalizeH="0" baseline="0">
             <a:ln>
               <a:noFill/>
             </a:ln>
@@ -10590,7 +10853,7 @@
           <a:buFontTx/>
           <a:buNone/>
           <a:tabLst/>
-          <a:defRPr b="0" baseline="0" cap="none" i="0" spc="0" strike="noStrike" sz="1800" u="none" kumimoji="0" normalizeH="0">
+          <a:defRPr kumimoji="0" sz="1800" b="0" i="0" u="none" strike="noStrike" cap="none" spc="0" normalizeH="0" baseline="0">
             <a:ln>
               <a:noFill/>
             </a:ln>
@@ -10616,7 +10879,7 @@
           <a:buFontTx/>
           <a:buNone/>
           <a:tabLst/>
-          <a:defRPr b="0" baseline="0" cap="none" i="0" spc="0" strike="noStrike" sz="1800" u="none" kumimoji="0" normalizeH="0">
+          <a:defRPr kumimoji="0" sz="1800" b="0" i="0" u="none" strike="noStrike" cap="none" spc="0" normalizeH="0" baseline="0">
             <a:ln>
               <a:noFill/>
             </a:ln>
@@ -10642,7 +10905,7 @@
           <a:buFontTx/>
           <a:buNone/>
           <a:tabLst/>
-          <a:defRPr b="0" baseline="0" cap="none" i="0" spc="0" strike="noStrike" sz="1800" u="none" kumimoji="0" normalizeH="0">
+          <a:defRPr kumimoji="0" sz="1800" b="0" i="0" u="none" strike="noStrike" cap="none" spc="0" normalizeH="0" baseline="0">
             <a:ln>
               <a:noFill/>
             </a:ln>
@@ -10668,7 +10931,7 @@
           <a:buFontTx/>
           <a:buNone/>
           <a:tabLst/>
-          <a:defRPr b="0" baseline="0" cap="none" i="0" spc="0" strike="noStrike" sz="1800" u="none" kumimoji="0" normalizeH="0">
+          <a:defRPr kumimoji="0" sz="1800" b="0" i="0" u="none" strike="noStrike" cap="none" spc="0" normalizeH="0" baseline="0">
             <a:ln>
               <a:noFill/>
             </a:ln>
@@ -10694,7 +10957,7 @@
           <a:buFontTx/>
           <a:buNone/>
           <a:tabLst/>
-          <a:defRPr b="0" baseline="0" cap="none" i="0" spc="0" strike="noStrike" sz="1800" u="none" kumimoji="0" normalizeH="0">
+          <a:defRPr kumimoji="0" sz="1800" b="0" i="0" u="none" strike="noStrike" cap="none" spc="0" normalizeH="0" baseline="0">
             <a:ln>
               <a:noFill/>
             </a:ln>
@@ -10720,7 +10983,7 @@
           <a:buFontTx/>
           <a:buNone/>
           <a:tabLst/>
-          <a:defRPr b="0" baseline="0" cap="none" i="0" spc="0" strike="noStrike" sz="1800" u="none" kumimoji="0" normalizeH="0">
+          <a:defRPr kumimoji="0" sz="1800" b="0" i="0" u="none" strike="noStrike" cap="none" spc="0" normalizeH="0" baseline="0">
             <a:ln>
               <a:noFill/>
             </a:ln>
@@ -10733,9 +10996,15 @@
         </a:lvl9pPr>
       </a:lstStyle>
       <a:style>
-        <a:lnRef idx="0"/>
-        <a:fillRef idx="0"/>
-        <a:effectRef idx="0"/>
+        <a:lnRef idx="0">
+          <a:scrgbClr r="0" g="0" b="0"/>
+        </a:lnRef>
+        <a:fillRef idx="0">
+          <a:scrgbClr r="0" g="0" b="0"/>
+        </a:fillRef>
+        <a:effectRef idx="0">
+          <a:scrgbClr r="0" g="0" b="0"/>
+        </a:effectRef>
         <a:fontRef idx="none"/>
       </a:style>
     </a:lnDef>
@@ -10749,7 +11018,7 @@
         <a:effectLst/>
         <a:sp3d/>
       </a:spPr>
-      <a:bodyPr rot="0" spcFirstLastPara="1" vertOverflow="overflow" horzOverflow="overflow" vert="horz" wrap="square" lIns="38100" tIns="38100" rIns="38100" bIns="38100" numCol="1" spcCol="38100" rtlCol="0" anchor="ctr" upright="0">
+      <a:bodyPr rot="0" spcFirstLastPara="1" vertOverflow="overflow" horzOverflow="overflow" vert="horz" wrap="square" lIns="38100" tIns="38100" rIns="38100" bIns="38100" numCol="1" spcCol="38100" rtlCol="0" anchor="ctr">
         <a:spAutoFit/>
       </a:bodyPr>
       <a:lstStyle>
@@ -10768,7 +11037,7 @@
           <a:buFontTx/>
           <a:buNone/>
           <a:tabLst/>
-          <a:defRPr b="0" baseline="0" cap="none" i="0" spc="0" strike="noStrike" sz="5800" u="none" kumimoji="0" normalizeH="0">
+          <a:defRPr kumimoji="0" sz="5800" b="0" i="0" u="none" strike="noStrike" cap="none" spc="0" normalizeH="0" baseline="0">
             <a:ln>
               <a:noFill/>
             </a:ln>
@@ -10798,7 +11067,7 @@
           <a:buFontTx/>
           <a:buNone/>
           <a:tabLst/>
-          <a:defRPr b="0" baseline="0" cap="none" i="0" spc="0" strike="noStrike" sz="1800" u="none" kumimoji="0" normalizeH="0">
+          <a:defRPr kumimoji="0" sz="1800" b="0" i="0" u="none" strike="noStrike" cap="none" spc="0" normalizeH="0" baseline="0">
             <a:ln>
               <a:noFill/>
             </a:ln>
@@ -10824,7 +11093,7 @@
           <a:buFontTx/>
           <a:buNone/>
           <a:tabLst/>
-          <a:defRPr b="0" baseline="0" cap="none" i="0" spc="0" strike="noStrike" sz="1800" u="none" kumimoji="0" normalizeH="0">
+          <a:defRPr kumimoji="0" sz="1800" b="0" i="0" u="none" strike="noStrike" cap="none" spc="0" normalizeH="0" baseline="0">
             <a:ln>
               <a:noFill/>
             </a:ln>
@@ -10850,7 +11119,7 @@
           <a:buFontTx/>
           <a:buNone/>
           <a:tabLst/>
-          <a:defRPr b="0" baseline="0" cap="none" i="0" spc="0" strike="noStrike" sz="1800" u="none" kumimoji="0" normalizeH="0">
+          <a:defRPr kumimoji="0" sz="1800" b="0" i="0" u="none" strike="noStrike" cap="none" spc="0" normalizeH="0" baseline="0">
             <a:ln>
               <a:noFill/>
             </a:ln>
@@ -10876,7 +11145,7 @@
           <a:buFontTx/>
           <a:buNone/>
           <a:tabLst/>
-          <a:defRPr b="0" baseline="0" cap="none" i="0" spc="0" strike="noStrike" sz="1800" u="none" kumimoji="0" normalizeH="0">
+          <a:defRPr kumimoji="0" sz="1800" b="0" i="0" u="none" strike="noStrike" cap="none" spc="0" normalizeH="0" baseline="0">
             <a:ln>
               <a:noFill/>
             </a:ln>
@@ -10902,7 +11171,7 @@
           <a:buFontTx/>
           <a:buNone/>
           <a:tabLst/>
-          <a:defRPr b="0" baseline="0" cap="none" i="0" spc="0" strike="noStrike" sz="1800" u="none" kumimoji="0" normalizeH="0">
+          <a:defRPr kumimoji="0" sz="1800" b="0" i="0" u="none" strike="noStrike" cap="none" spc="0" normalizeH="0" baseline="0">
             <a:ln>
               <a:noFill/>
             </a:ln>
@@ -10928,7 +11197,7 @@
           <a:buFontTx/>
           <a:buNone/>
           <a:tabLst/>
-          <a:defRPr b="0" baseline="0" cap="none" i="0" spc="0" strike="noStrike" sz="1800" u="none" kumimoji="0" normalizeH="0">
+          <a:defRPr kumimoji="0" sz="1800" b="0" i="0" u="none" strike="noStrike" cap="none" spc="0" normalizeH="0" baseline="0">
             <a:ln>
               <a:noFill/>
             </a:ln>
@@ -10954,7 +11223,7 @@
           <a:buFontTx/>
           <a:buNone/>
           <a:tabLst/>
-          <a:defRPr b="0" baseline="0" cap="none" i="0" spc="0" strike="noStrike" sz="1800" u="none" kumimoji="0" normalizeH="0">
+          <a:defRPr kumimoji="0" sz="1800" b="0" i="0" u="none" strike="noStrike" cap="none" spc="0" normalizeH="0" baseline="0">
             <a:ln>
               <a:noFill/>
             </a:ln>
@@ -10980,7 +11249,7 @@
           <a:buFontTx/>
           <a:buNone/>
           <a:tabLst/>
-          <a:defRPr b="0" baseline="0" cap="none" i="0" spc="0" strike="noStrike" sz="1800" u="none" kumimoji="0" normalizeH="0">
+          <a:defRPr kumimoji="0" sz="1800" b="0" i="0" u="none" strike="noStrike" cap="none" spc="0" normalizeH="0" baseline="0">
             <a:ln>
               <a:noFill/>
             </a:ln>
@@ -11006,7 +11275,7 @@
           <a:buFontTx/>
           <a:buNone/>
           <a:tabLst/>
-          <a:defRPr b="0" baseline="0" cap="none" i="0" spc="0" strike="noStrike" sz="1800" u="none" kumimoji="0" normalizeH="0">
+          <a:defRPr kumimoji="0" sz="1800" b="0" i="0" u="none" strike="noStrike" cap="none" spc="0" normalizeH="0" baseline="0">
             <a:ln>
               <a:noFill/>
             </a:ln>
@@ -11019,12 +11288,19 @@
         </a:lvl9pPr>
       </a:lstStyle>
       <a:style>
-        <a:lnRef idx="0"/>
-        <a:fillRef idx="0"/>
-        <a:effectRef idx="0"/>
+        <a:lnRef idx="0">
+          <a:scrgbClr r="0" g="0" b="0"/>
+        </a:lnRef>
+        <a:fillRef idx="0">
+          <a:scrgbClr r="0" g="0" b="0"/>
+        </a:fillRef>
+        <a:effectRef idx="0">
+          <a:scrgbClr r="0" g="0" b="0"/>
+        </a:effectRef>
         <a:fontRef idx="none"/>
       </a:style>
     </a:txDef>
   </a:objectDefaults>
+  <a:extraClrSchemeLst/>
 </a:theme>
 </file>
--- a/Presentations/Presentations Power Point/04_Arrays & hashes.pptx
+++ b/Presentations/Presentations Power Point/04_Arrays & hashes.pptx
@@ -324,6 +324,11 @@
       </a:defRPr>
     </a:lvl9pPr>
   </p:defaultTextStyle>
+  <p:extLst>
+    <p:ext uri="{EFAFB233-063F-42B5-8137-9DF3F51BA10A}">
+      <p15:sldGuideLst xmlns:p15="http://schemas.microsoft.com/office/powerpoint/2012/main"/>
+    </p:ext>
+  </p:extLst>
 </p:presentation>
 </file>
 
@@ -2104,7 +2109,7 @@
           </a:ln>
           <a:extLst>
             <a:ext uri="{C572A759-6A51-4108-AA02-DFA0A04FC94B}">
-              <ma14:wrappingTextBoxFlag xmlns:ma14="http://schemas.microsoft.com/office/mac/drawingml/2011/main" xmlns:a14="http://schemas.microsoft.com/office/drawing/2010/main" xmlns:m="http://schemas.openxmlformats.org/officeDocument/2006/math" xmlns="" val="1"/>
+              <ma14:wrappingTextBoxFlag xmlns="" xmlns:m="http://schemas.openxmlformats.org/officeDocument/2006/math" xmlns:a14="http://schemas.microsoft.com/office/drawing/2010/main" xmlns:ma14="http://schemas.microsoft.com/office/mac/drawingml/2011/main" val="1"/>
             </a:ext>
           </a:extLst>
         </p:spPr>
@@ -2143,7 +2148,7 @@
           </a:ln>
           <a:extLst>
             <a:ext uri="{C572A759-6A51-4108-AA02-DFA0A04FC94B}">
-              <ma14:wrappingTextBoxFlag xmlns:ma14="http://schemas.microsoft.com/office/mac/drawingml/2011/main" xmlns:a14="http://schemas.microsoft.com/office/drawing/2010/main" xmlns:m="http://schemas.openxmlformats.org/officeDocument/2006/math" xmlns="" val="1"/>
+              <ma14:wrappingTextBoxFlag xmlns="" xmlns:m="http://schemas.openxmlformats.org/officeDocument/2006/math" xmlns:a14="http://schemas.microsoft.com/office/drawing/2010/main" xmlns:ma14="http://schemas.microsoft.com/office/mac/drawingml/2011/main" val="1"/>
             </a:ext>
           </a:extLst>
         </p:spPr>
@@ -2997,7 +3002,7 @@
           </a:ln>
           <a:extLst>
             <a:ext uri="{C572A759-6A51-4108-AA02-DFA0A04FC94B}">
-              <ma14:wrappingTextBoxFlag xmlns:ma14="http://schemas.microsoft.com/office/mac/drawingml/2011/main" xmlns:a14="http://schemas.microsoft.com/office/drawing/2010/main" xmlns:m="http://schemas.openxmlformats.org/officeDocument/2006/math" xmlns="" val="1"/>
+              <ma14:wrappingTextBoxFlag xmlns="" xmlns:m="http://schemas.openxmlformats.org/officeDocument/2006/math" xmlns:a14="http://schemas.microsoft.com/office/drawing/2010/main" xmlns:ma14="http://schemas.microsoft.com/office/mac/drawingml/2011/main" val="1"/>
             </a:ext>
           </a:extLst>
         </p:spPr>
@@ -3012,9 +3017,9 @@
                 <a:solidFill>
                   <a:srgbClr val="000000"/>
                 </a:solidFill>
-                <a:latin typeface="Circular Std"/>
-                <a:ea typeface="Circular Std"/>
-                <a:cs typeface="Circular Std"/>
+                <a:latin typeface="CircularStd-Bold"/>
+                <a:ea typeface="CircularStd-Bold"/>
+                <a:cs typeface="CircularStd-Bold"/>
                 <a:sym typeface="Circular Std"/>
               </a:defRPr>
             </a:pPr>
@@ -3028,9 +3033,9 @@
                 <a:solidFill>
                   <a:srgbClr val="000000"/>
                 </a:solidFill>
-                <a:latin typeface="Circular Std"/>
-                <a:ea typeface="Circular Std"/>
-                <a:cs typeface="Circular Std"/>
+                <a:latin typeface="CircularStd-Bold"/>
+                <a:ea typeface="CircularStd-Bold"/>
+                <a:cs typeface="CircularStd-Bold"/>
                 <a:sym typeface="Circular Std"/>
               </a:defRPr>
             </a:pPr>
@@ -3044,9 +3049,9 @@
                 <a:solidFill>
                   <a:srgbClr val="000000"/>
                 </a:solidFill>
-                <a:latin typeface="Circular Std"/>
-                <a:ea typeface="Circular Std"/>
-                <a:cs typeface="Circular Std"/>
+                <a:latin typeface="CircularStd-Bold"/>
+                <a:ea typeface="CircularStd-Bold"/>
+                <a:cs typeface="CircularStd-Bold"/>
                 <a:sym typeface="Circular Std"/>
               </a:defRPr>
             </a:pPr>
@@ -3060,9 +3065,9 @@
                 <a:solidFill>
                   <a:srgbClr val="FFFFFF"/>
                 </a:solidFill>
-                <a:latin typeface="Circular Std"/>
-                <a:ea typeface="Circular Std"/>
-                <a:cs typeface="Circular Std"/>
+                <a:latin typeface="CircularStd-Bold"/>
+                <a:ea typeface="CircularStd-Bold"/>
+                <a:cs typeface="CircularStd-Bold"/>
                 <a:sym typeface="Circular Std"/>
               </a:defRPr>
             </a:pPr>
@@ -3074,9 +3079,9 @@
                 <a:solidFill>
                   <a:srgbClr val="000000"/>
                 </a:solidFill>
-                <a:latin typeface="Circular Std"/>
-                <a:ea typeface="Circular Std"/>
-                <a:cs typeface="Circular Std"/>
+                <a:latin typeface="CircularStd-Bold"/>
+                <a:ea typeface="CircularStd-Bold"/>
+                <a:cs typeface="CircularStd-Bold"/>
                 <a:sym typeface="Circular Std"/>
               </a:defRPr>
             </a:pPr>
@@ -3185,7 +3190,7 @@
           </a:ln>
           <a:extLst>
             <a:ext uri="{C572A759-6A51-4108-AA02-DFA0A04FC94B}">
-              <ma14:wrappingTextBoxFlag xmlns:ma14="http://schemas.microsoft.com/office/mac/drawingml/2011/main" xmlns:a14="http://schemas.microsoft.com/office/drawing/2010/main" xmlns:m="http://schemas.openxmlformats.org/officeDocument/2006/math" xmlns="" val="1"/>
+              <ma14:wrappingTextBoxFlag xmlns="" xmlns:m="http://schemas.openxmlformats.org/officeDocument/2006/math" xmlns:a14="http://schemas.microsoft.com/office/drawing/2010/main" xmlns:ma14="http://schemas.microsoft.com/office/mac/drawingml/2011/main" val="1"/>
             </a:ext>
           </a:extLst>
         </p:spPr>
@@ -3252,7 +3257,7 @@
           </a:ln>
           <a:extLst>
             <a:ext uri="{C572A759-6A51-4108-AA02-DFA0A04FC94B}">
-              <ma14:wrappingTextBoxFlag xmlns:ma14="http://schemas.microsoft.com/office/mac/drawingml/2011/main" xmlns:a14="http://schemas.microsoft.com/office/drawing/2010/main" xmlns:m="http://schemas.openxmlformats.org/officeDocument/2006/math" xmlns="" val="1"/>
+              <ma14:wrappingTextBoxFlag xmlns="" xmlns:m="http://schemas.openxmlformats.org/officeDocument/2006/math" xmlns:a14="http://schemas.microsoft.com/office/drawing/2010/main" xmlns:ma14="http://schemas.microsoft.com/office/mac/drawingml/2011/main" val="1"/>
             </a:ext>
           </a:extLst>
         </p:spPr>
@@ -3684,7 +3689,7 @@
           </a:ln>
           <a:extLst>
             <a:ext uri="{C572A759-6A51-4108-AA02-DFA0A04FC94B}">
-              <ma14:wrappingTextBoxFlag xmlns:ma14="http://schemas.microsoft.com/office/mac/drawingml/2011/main" xmlns:a14="http://schemas.microsoft.com/office/drawing/2010/main" xmlns:m="http://schemas.openxmlformats.org/officeDocument/2006/math" xmlns="" val="1"/>
+              <ma14:wrappingTextBoxFlag xmlns="" xmlns:m="http://schemas.openxmlformats.org/officeDocument/2006/math" xmlns:a14="http://schemas.microsoft.com/office/drawing/2010/main" xmlns:ma14="http://schemas.microsoft.com/office/mac/drawingml/2011/main" val="1"/>
             </a:ext>
           </a:extLst>
         </p:spPr>
@@ -3743,7 +3748,7 @@
           </a:ln>
           <a:extLst>
             <a:ext uri="{C572A759-6A51-4108-AA02-DFA0A04FC94B}">
-              <ma14:wrappingTextBoxFlag xmlns:ma14="http://schemas.microsoft.com/office/mac/drawingml/2011/main" xmlns:a14="http://schemas.microsoft.com/office/drawing/2010/main" xmlns:m="http://schemas.openxmlformats.org/officeDocument/2006/math" xmlns="" val="1"/>
+              <ma14:wrappingTextBoxFlag xmlns="" xmlns:m="http://schemas.openxmlformats.org/officeDocument/2006/math" xmlns:a14="http://schemas.microsoft.com/office/drawing/2010/main" xmlns:ma14="http://schemas.microsoft.com/office/mac/drawingml/2011/main" val="1"/>
             </a:ext>
           </a:extLst>
         </p:spPr>
@@ -3851,7 +3856,7 @@
           </a:ln>
           <a:extLst>
             <a:ext uri="{C572A759-6A51-4108-AA02-DFA0A04FC94B}">
-              <ma14:wrappingTextBoxFlag xmlns:ma14="http://schemas.microsoft.com/office/mac/drawingml/2011/main" xmlns:a14="http://schemas.microsoft.com/office/drawing/2010/main" xmlns:m="http://schemas.openxmlformats.org/officeDocument/2006/math" xmlns="" val="1"/>
+              <ma14:wrappingTextBoxFlag xmlns="" xmlns:m="http://schemas.openxmlformats.org/officeDocument/2006/math" xmlns:a14="http://schemas.microsoft.com/office/drawing/2010/main" xmlns:ma14="http://schemas.microsoft.com/office/mac/drawingml/2011/main" val="1"/>
             </a:ext>
           </a:extLst>
         </p:spPr>
@@ -3910,7 +3915,7 @@
           </a:ln>
           <a:extLst>
             <a:ext uri="{C572A759-6A51-4108-AA02-DFA0A04FC94B}">
-              <ma14:wrappingTextBoxFlag xmlns:ma14="http://schemas.microsoft.com/office/mac/drawingml/2011/main" xmlns:a14="http://schemas.microsoft.com/office/drawing/2010/main" xmlns:m="http://schemas.openxmlformats.org/officeDocument/2006/math" xmlns="" val="1"/>
+              <ma14:wrappingTextBoxFlag xmlns="" xmlns:m="http://schemas.openxmlformats.org/officeDocument/2006/math" xmlns:a14="http://schemas.microsoft.com/office/drawing/2010/main" xmlns:ma14="http://schemas.microsoft.com/office/mac/drawingml/2011/main" val="1"/>
             </a:ext>
           </a:extLst>
         </p:spPr>
@@ -4412,7 +4417,7 @@
           </a:ln>
           <a:extLst>
             <a:ext uri="{C572A759-6A51-4108-AA02-DFA0A04FC94B}">
-              <ma14:wrappingTextBoxFlag xmlns:ma14="http://schemas.microsoft.com/office/mac/drawingml/2011/main" xmlns:a14="http://schemas.microsoft.com/office/drawing/2010/main" xmlns:m="http://schemas.openxmlformats.org/officeDocument/2006/math" xmlns="" val="1"/>
+              <ma14:wrappingTextBoxFlag xmlns="" xmlns:m="http://schemas.openxmlformats.org/officeDocument/2006/math" xmlns:a14="http://schemas.microsoft.com/office/drawing/2010/main" xmlns:ma14="http://schemas.microsoft.com/office/mac/drawingml/2011/main" val="1"/>
             </a:ext>
           </a:extLst>
         </p:spPr>
@@ -4471,7 +4476,7 @@
           </a:ln>
           <a:extLst>
             <a:ext uri="{C572A759-6A51-4108-AA02-DFA0A04FC94B}">
-              <ma14:wrappingTextBoxFlag xmlns:ma14="http://schemas.microsoft.com/office/mac/drawingml/2011/main" xmlns:a14="http://schemas.microsoft.com/office/drawing/2010/main" xmlns:m="http://schemas.openxmlformats.org/officeDocument/2006/math" xmlns="" val="1"/>
+              <ma14:wrappingTextBoxFlag xmlns="" xmlns:m="http://schemas.openxmlformats.org/officeDocument/2006/math" xmlns:a14="http://schemas.microsoft.com/office/drawing/2010/main" xmlns:ma14="http://schemas.microsoft.com/office/mac/drawingml/2011/main" val="1"/>
             </a:ext>
           </a:extLst>
         </p:spPr>
@@ -4891,7 +4896,7 @@
           </a:ln>
           <a:extLst>
             <a:ext uri="{C572A759-6A51-4108-AA02-DFA0A04FC94B}">
-              <ma14:wrappingTextBoxFlag xmlns:ma14="http://schemas.microsoft.com/office/mac/drawingml/2011/main" xmlns:a14="http://schemas.microsoft.com/office/drawing/2010/main" xmlns:m="http://schemas.openxmlformats.org/officeDocument/2006/math" xmlns="" val="1"/>
+              <ma14:wrappingTextBoxFlag xmlns="" xmlns:m="http://schemas.openxmlformats.org/officeDocument/2006/math" xmlns:a14="http://schemas.microsoft.com/office/drawing/2010/main" xmlns:ma14="http://schemas.microsoft.com/office/mac/drawingml/2011/main" val="1"/>
             </a:ext>
           </a:extLst>
         </p:spPr>
@@ -4950,7 +4955,7 @@
           </a:ln>
           <a:extLst>
             <a:ext uri="{C572A759-6A51-4108-AA02-DFA0A04FC94B}">
-              <ma14:wrappingTextBoxFlag xmlns:ma14="http://schemas.microsoft.com/office/mac/drawingml/2011/main" xmlns:a14="http://schemas.microsoft.com/office/drawing/2010/main" xmlns:m="http://schemas.openxmlformats.org/officeDocument/2006/math" xmlns="" val="1"/>
+              <ma14:wrappingTextBoxFlag xmlns="" xmlns:m="http://schemas.openxmlformats.org/officeDocument/2006/math" xmlns:a14="http://schemas.microsoft.com/office/drawing/2010/main" xmlns:ma14="http://schemas.microsoft.com/office/mac/drawingml/2011/main" val="1"/>
             </a:ext>
           </a:extLst>
         </p:spPr>
@@ -5494,7 +5499,7 @@
             <a:effectLst/>
             <a:extLst>
               <a:ext uri="{C572A759-6A51-4108-AA02-DFA0A04FC94B}">
-                <ma14:wrappingTextBoxFlag xmlns:ma14="http://schemas.microsoft.com/office/mac/drawingml/2011/main" xmlns:a14="http://schemas.microsoft.com/office/drawing/2010/main" xmlns:m="http://schemas.openxmlformats.org/officeDocument/2006/math" xmlns="" val="1"/>
+                <ma14:wrappingTextBoxFlag xmlns="" xmlns:m="http://schemas.openxmlformats.org/officeDocument/2006/math" xmlns:a14="http://schemas.microsoft.com/office/drawing/2010/main" xmlns:ma14="http://schemas.microsoft.com/office/mac/drawingml/2011/main" val="1"/>
               </a:ext>
             </a:extLst>
           </p:spPr>
@@ -5548,7 +5553,7 @@
             <a:effectLst/>
             <a:extLst>
               <a:ext uri="{C572A759-6A51-4108-AA02-DFA0A04FC94B}">
-                <ma14:wrappingTextBoxFlag xmlns:ma14="http://schemas.microsoft.com/office/mac/drawingml/2011/main" xmlns:a14="http://schemas.microsoft.com/office/drawing/2010/main" xmlns:m="http://schemas.openxmlformats.org/officeDocument/2006/math" xmlns="" val="1"/>
+                <ma14:wrappingTextBoxFlag xmlns="" xmlns:m="http://schemas.openxmlformats.org/officeDocument/2006/math" xmlns:a14="http://schemas.microsoft.com/office/drawing/2010/main" xmlns:ma14="http://schemas.microsoft.com/office/mac/drawingml/2011/main" val="1"/>
               </a:ext>
             </a:extLst>
           </p:spPr>
@@ -5649,7 +5654,7 @@
           </a:ln>
           <a:extLst>
             <a:ext uri="{C572A759-6A51-4108-AA02-DFA0A04FC94B}">
-              <ma14:wrappingTextBoxFlag xmlns:ma14="http://schemas.microsoft.com/office/mac/drawingml/2011/main" xmlns:a14="http://schemas.microsoft.com/office/drawing/2010/main" xmlns:m="http://schemas.openxmlformats.org/officeDocument/2006/math" xmlns="" val="1"/>
+              <ma14:wrappingTextBoxFlag xmlns="" xmlns:m="http://schemas.openxmlformats.org/officeDocument/2006/math" xmlns:a14="http://schemas.microsoft.com/office/drawing/2010/main" xmlns:ma14="http://schemas.microsoft.com/office/mac/drawingml/2011/main" val="1"/>
             </a:ext>
           </a:extLst>
         </p:spPr>
@@ -5708,7 +5713,7 @@
           </a:ln>
           <a:extLst>
             <a:ext uri="{C572A759-6A51-4108-AA02-DFA0A04FC94B}">
-              <ma14:wrappingTextBoxFlag xmlns:ma14="http://schemas.microsoft.com/office/mac/drawingml/2011/main" xmlns:a14="http://schemas.microsoft.com/office/drawing/2010/main" xmlns:m="http://schemas.openxmlformats.org/officeDocument/2006/math" xmlns="" val="1"/>
+              <ma14:wrappingTextBoxFlag xmlns="" xmlns:m="http://schemas.openxmlformats.org/officeDocument/2006/math" xmlns:a14="http://schemas.microsoft.com/office/drawing/2010/main" xmlns:ma14="http://schemas.microsoft.com/office/mac/drawingml/2011/main" val="1"/>
             </a:ext>
           </a:extLst>
         </p:spPr>
@@ -6021,7 +6026,7 @@
           </a:ln>
           <a:extLst>
             <a:ext uri="{C572A759-6A51-4108-AA02-DFA0A04FC94B}">
-              <ma14:wrappingTextBoxFlag xmlns:ma14="http://schemas.microsoft.com/office/mac/drawingml/2011/main" xmlns:a14="http://schemas.microsoft.com/office/drawing/2010/main" xmlns:m="http://schemas.openxmlformats.org/officeDocument/2006/math" xmlns="" val="1"/>
+              <ma14:wrappingTextBoxFlag xmlns="" xmlns:m="http://schemas.openxmlformats.org/officeDocument/2006/math" xmlns:a14="http://schemas.microsoft.com/office/drawing/2010/main" xmlns:ma14="http://schemas.microsoft.com/office/mac/drawingml/2011/main" val="1"/>
             </a:ext>
           </a:extLst>
         </p:spPr>
@@ -6088,7 +6093,7 @@
           </a:ln>
           <a:extLst>
             <a:ext uri="{C572A759-6A51-4108-AA02-DFA0A04FC94B}">
-              <ma14:wrappingTextBoxFlag xmlns:ma14="http://schemas.microsoft.com/office/mac/drawingml/2011/main" xmlns:a14="http://schemas.microsoft.com/office/drawing/2010/main" xmlns:m="http://schemas.openxmlformats.org/officeDocument/2006/math" xmlns="" val="1"/>
+              <ma14:wrappingTextBoxFlag xmlns="" xmlns:m="http://schemas.openxmlformats.org/officeDocument/2006/math" xmlns:a14="http://schemas.microsoft.com/office/drawing/2010/main" xmlns:ma14="http://schemas.microsoft.com/office/mac/drawingml/2011/main" val="1"/>
             </a:ext>
           </a:extLst>
         </p:spPr>
@@ -6383,7 +6388,7 @@
           </a:ln>
           <a:extLst>
             <a:ext uri="{C572A759-6A51-4108-AA02-DFA0A04FC94B}">
-              <ma14:wrappingTextBoxFlag xmlns:ma14="http://schemas.microsoft.com/office/mac/drawingml/2011/main" xmlns:a14="http://schemas.microsoft.com/office/drawing/2010/main" xmlns:m="http://schemas.openxmlformats.org/officeDocument/2006/math" xmlns="" val="1"/>
+              <ma14:wrappingTextBoxFlag xmlns="" xmlns:m="http://schemas.openxmlformats.org/officeDocument/2006/math" xmlns:a14="http://schemas.microsoft.com/office/drawing/2010/main" xmlns:ma14="http://schemas.microsoft.com/office/mac/drawingml/2011/main" val="1"/>
             </a:ext>
           </a:extLst>
         </p:spPr>
@@ -6450,7 +6455,7 @@
           </a:ln>
           <a:extLst>
             <a:ext uri="{C572A759-6A51-4108-AA02-DFA0A04FC94B}">
-              <ma14:wrappingTextBoxFlag xmlns:ma14="http://schemas.microsoft.com/office/mac/drawingml/2011/main" xmlns:a14="http://schemas.microsoft.com/office/drawing/2010/main" xmlns:m="http://schemas.openxmlformats.org/officeDocument/2006/math" xmlns="" val="1"/>
+              <ma14:wrappingTextBoxFlag xmlns="" xmlns:m="http://schemas.openxmlformats.org/officeDocument/2006/math" xmlns:a14="http://schemas.microsoft.com/office/drawing/2010/main" xmlns:ma14="http://schemas.microsoft.com/office/mac/drawingml/2011/main" val="1"/>
             </a:ext>
           </a:extLst>
         </p:spPr>
@@ -6850,7 +6855,7 @@
           </a:ln>
           <a:extLst>
             <a:ext uri="{C572A759-6A51-4108-AA02-DFA0A04FC94B}">
-              <ma14:wrappingTextBoxFlag xmlns:ma14="http://schemas.microsoft.com/office/mac/drawingml/2011/main" xmlns:a14="http://schemas.microsoft.com/office/drawing/2010/main" xmlns:m="http://schemas.openxmlformats.org/officeDocument/2006/math" xmlns="" val="1"/>
+              <ma14:wrappingTextBoxFlag xmlns="" xmlns:m="http://schemas.openxmlformats.org/officeDocument/2006/math" xmlns:a14="http://schemas.microsoft.com/office/drawing/2010/main" xmlns:ma14="http://schemas.microsoft.com/office/mac/drawingml/2011/main" val="1"/>
             </a:ext>
           </a:extLst>
         </p:spPr>
@@ -6917,7 +6922,7 @@
           </a:ln>
           <a:extLst>
             <a:ext uri="{C572A759-6A51-4108-AA02-DFA0A04FC94B}">
-              <ma14:wrappingTextBoxFlag xmlns:ma14="http://schemas.microsoft.com/office/mac/drawingml/2011/main" xmlns:a14="http://schemas.microsoft.com/office/drawing/2010/main" xmlns:m="http://schemas.openxmlformats.org/officeDocument/2006/math" xmlns="" val="1"/>
+              <ma14:wrappingTextBoxFlag xmlns="" xmlns:m="http://schemas.openxmlformats.org/officeDocument/2006/math" xmlns:a14="http://schemas.microsoft.com/office/drawing/2010/main" xmlns:ma14="http://schemas.microsoft.com/office/mac/drawingml/2011/main" val="1"/>
             </a:ext>
           </a:extLst>
         </p:spPr>
@@ -7321,7 +7326,7 @@
           </a:ln>
           <a:extLst>
             <a:ext uri="{C572A759-6A51-4108-AA02-DFA0A04FC94B}">
-              <ma14:wrappingTextBoxFlag xmlns:ma14="http://schemas.microsoft.com/office/mac/drawingml/2011/main" xmlns:a14="http://schemas.microsoft.com/office/drawing/2010/main" xmlns:m="http://schemas.openxmlformats.org/officeDocument/2006/math" xmlns="" val="1"/>
+              <ma14:wrappingTextBoxFlag xmlns="" xmlns:m="http://schemas.openxmlformats.org/officeDocument/2006/math" xmlns:a14="http://schemas.microsoft.com/office/drawing/2010/main" xmlns:ma14="http://schemas.microsoft.com/office/mac/drawingml/2011/main" val="1"/>
             </a:ext>
           </a:extLst>
         </p:spPr>
@@ -7388,7 +7393,7 @@
           </a:ln>
           <a:extLst>
             <a:ext uri="{C572A759-6A51-4108-AA02-DFA0A04FC94B}">
-              <ma14:wrappingTextBoxFlag xmlns:ma14="http://schemas.microsoft.com/office/mac/drawingml/2011/main" xmlns:a14="http://schemas.microsoft.com/office/drawing/2010/main" xmlns:m="http://schemas.openxmlformats.org/officeDocument/2006/math" xmlns="" val="1"/>
+              <ma14:wrappingTextBoxFlag xmlns="" xmlns:m="http://schemas.openxmlformats.org/officeDocument/2006/math" xmlns:a14="http://schemas.microsoft.com/office/drawing/2010/main" xmlns:ma14="http://schemas.microsoft.com/office/mac/drawingml/2011/main" val="1"/>
             </a:ext>
           </a:extLst>
         </p:spPr>
@@ -7841,7 +7846,7 @@
           </a:ln>
           <a:extLst>
             <a:ext uri="{C572A759-6A51-4108-AA02-DFA0A04FC94B}">
-              <ma14:wrappingTextBoxFlag xmlns:ma14="http://schemas.microsoft.com/office/mac/drawingml/2011/main" xmlns:a14="http://schemas.microsoft.com/office/drawing/2010/main" xmlns:m="http://schemas.openxmlformats.org/officeDocument/2006/math" xmlns="" val="1"/>
+              <ma14:wrappingTextBoxFlag xmlns="" xmlns:m="http://schemas.openxmlformats.org/officeDocument/2006/math" xmlns:a14="http://schemas.microsoft.com/office/drawing/2010/main" xmlns:ma14="http://schemas.microsoft.com/office/mac/drawingml/2011/main" val="1"/>
             </a:ext>
           </a:extLst>
         </p:spPr>
@@ -7889,8 +7894,8 @@
         </p:nvSpPr>
         <p:spPr>
           <a:xfrm>
-            <a:off x="453844" y="2005962"/>
-            <a:ext cx="12332894" cy="7671036"/>
+            <a:off x="453844" y="1898093"/>
+            <a:ext cx="12332894" cy="7886774"/>
           </a:xfrm>
           <a:prstGeom prst="rect">
             <a:avLst/>
@@ -7900,7 +7905,7 @@
           </a:ln>
           <a:extLst>
             <a:ext uri="{C572A759-6A51-4108-AA02-DFA0A04FC94B}">
-              <ma14:wrappingTextBoxFlag xmlns:ma14="http://schemas.microsoft.com/office/mac/drawingml/2011/main" xmlns:a14="http://schemas.microsoft.com/office/drawing/2010/main" xmlns:m="http://schemas.openxmlformats.org/officeDocument/2006/math" xmlns="" val="1"/>
+              <ma14:wrappingTextBoxFlag xmlns="" xmlns:m="http://schemas.openxmlformats.org/officeDocument/2006/math" xmlns:a14="http://schemas.microsoft.com/office/drawing/2010/main" xmlns:ma14="http://schemas.microsoft.com/office/mac/drawingml/2011/main" val="1"/>
             </a:ext>
           </a:extLst>
         </p:spPr>
@@ -7950,11 +7955,15 @@
             </a:r>
             <a:r>
               <a:rPr dirty="0" err="1"/>
-              <a:t>moe</a:t>
+              <a:t>mo</a:t>
+            </a:r>
+            <a:r>
+              <a:rPr lang="en-CA" dirty="0"/>
+              <a:t>r</a:t>
             </a:r>
             <a:r>
               <a:rPr dirty="0"/>
-              <a:t> than once, but the </a:t>
+              <a:t>e than once, but the </a:t>
             </a:r>
             <a:r>
               <a:rPr b="1" dirty="0"/>
@@ -8325,7 +8334,7 @@
           </a:ln>
           <a:extLst>
             <a:ext uri="{C572A759-6A51-4108-AA02-DFA0A04FC94B}">
-              <ma14:wrappingTextBoxFlag xmlns:ma14="http://schemas.microsoft.com/office/mac/drawingml/2011/main" xmlns:a14="http://schemas.microsoft.com/office/drawing/2010/main" xmlns:m="http://schemas.openxmlformats.org/officeDocument/2006/math" xmlns="" val="1"/>
+              <ma14:wrappingTextBoxFlag xmlns="" xmlns:m="http://schemas.openxmlformats.org/officeDocument/2006/math" xmlns:a14="http://schemas.microsoft.com/office/drawing/2010/main" xmlns:ma14="http://schemas.microsoft.com/office/mac/drawingml/2011/main" val="1"/>
             </a:ext>
           </a:extLst>
         </p:spPr>
@@ -8392,7 +8401,7 @@
           </a:ln>
           <a:extLst>
             <a:ext uri="{C572A759-6A51-4108-AA02-DFA0A04FC94B}">
-              <ma14:wrappingTextBoxFlag xmlns:ma14="http://schemas.microsoft.com/office/mac/drawingml/2011/main" xmlns:a14="http://schemas.microsoft.com/office/drawing/2010/main" xmlns:m="http://schemas.openxmlformats.org/officeDocument/2006/math" xmlns="" val="1"/>
+              <ma14:wrappingTextBoxFlag xmlns="" xmlns:m="http://schemas.openxmlformats.org/officeDocument/2006/math" xmlns:a14="http://schemas.microsoft.com/office/drawing/2010/main" xmlns:ma14="http://schemas.microsoft.com/office/mac/drawingml/2011/main" val="1"/>
             </a:ext>
           </a:extLst>
         </p:spPr>
@@ -8787,7 +8796,7 @@
           </a:ln>
           <a:extLst>
             <a:ext uri="{C572A759-6A51-4108-AA02-DFA0A04FC94B}">
-              <ma14:wrappingTextBoxFlag xmlns:ma14="http://schemas.microsoft.com/office/mac/drawingml/2011/main" xmlns:a14="http://schemas.microsoft.com/office/drawing/2010/main" xmlns:m="http://schemas.openxmlformats.org/officeDocument/2006/math" xmlns="" val="1"/>
+              <ma14:wrappingTextBoxFlag xmlns="" xmlns:m="http://schemas.openxmlformats.org/officeDocument/2006/math" xmlns:a14="http://schemas.microsoft.com/office/drawing/2010/main" xmlns:ma14="http://schemas.microsoft.com/office/mac/drawingml/2011/main" val="1"/>
             </a:ext>
           </a:extLst>
         </p:spPr>
@@ -8854,7 +8863,7 @@
           </a:ln>
           <a:extLst>
             <a:ext uri="{C572A759-6A51-4108-AA02-DFA0A04FC94B}">
-              <ma14:wrappingTextBoxFlag xmlns:ma14="http://schemas.microsoft.com/office/mac/drawingml/2011/main" xmlns:a14="http://schemas.microsoft.com/office/drawing/2010/main" xmlns:m="http://schemas.openxmlformats.org/officeDocument/2006/math" xmlns="" val="1"/>
+              <ma14:wrappingTextBoxFlag xmlns="" xmlns:m="http://schemas.openxmlformats.org/officeDocument/2006/math" xmlns:a14="http://schemas.microsoft.com/office/drawing/2010/main" xmlns:ma14="http://schemas.microsoft.com/office/mac/drawingml/2011/main" val="1"/>
             </a:ext>
           </a:extLst>
         </p:spPr>
